--- a/Lectures/21-causal-inference.pptx
+++ b/Lectures/21-causal-inference.pptx
@@ -64,7 +64,7 @@
     <p:sldId id="277" r:id="rId55"/>
     <p:sldId id="629" r:id="rId56"/>
     <p:sldId id="278" r:id="rId57"/>
-    <p:sldId id="628" r:id="rId58"/>
+    <p:sldId id="631" r:id="rId58"/>
   </p:sldIdLst>
   <p:sldSz cx="12192000" cy="6858000"/>
   <p:notesSz cx="6858000" cy="9144000"/>
@@ -302,7 +302,7 @@
       <p15:sldGuideLst xmlns:p15="http://schemas.microsoft.com/office/powerpoint/2012/main"/>
     </p:ext>
     <p:ext uri="http://customooxmlschemas.google.com/">
-      <go:slidesCustomData xmlns:go="http://customooxmlschemas.google.com/" xmlns:p15="http://schemas.microsoft.com/office/powerpoint/2012/main" xmlns:p14="http://schemas.microsoft.com/office/powerpoint/2010/main" xmlns:com="http://schemas.openxmlformats.org/drawingml/2006/compatibility" xmlns:pvml="urn:schemas-microsoft-com:office:powerpoint" xmlns:v="urn:schemas-microsoft-com:vml" xmlns:o="urn:schemas-microsoft-com:office:office" xmlns:dgm="http://schemas.openxmlformats.org/drawingml/2006/diagram" xmlns:c="http://schemas.openxmlformats.org/drawingml/2006/chart" xmlns:mv="urn:schemas-microsoft-com:mac:vml" xmlns:mc="http://schemas.openxmlformats.org/markup-compatibility/2006" xmlns="" r:id="rId60" roundtripDataSignature="AMtx7mgWqGpmJnm2LhSO/E7EgiMMs26KqA=="/>
+      <go:slidesCustomData xmlns="" xmlns:mc="http://schemas.openxmlformats.org/markup-compatibility/2006" xmlns:mv="urn:schemas-microsoft-com:mac:vml" xmlns:c="http://schemas.openxmlformats.org/drawingml/2006/chart" xmlns:dgm="http://schemas.openxmlformats.org/drawingml/2006/diagram" xmlns:o="urn:schemas-microsoft-com:office:office" xmlns:v="urn:schemas-microsoft-com:vml" xmlns:pvml="urn:schemas-microsoft-com:office:powerpoint" xmlns:com="http://schemas.openxmlformats.org/drawingml/2006/compatibility" xmlns:p14="http://schemas.microsoft.com/office/powerpoint/2010/main" xmlns:p15="http://schemas.microsoft.com/office/powerpoint/2012/main" xmlns:go="http://customooxmlschemas.google.com/" r:id="rId60" roundtripDataSignature="AMtx7mgWqGpmJnm2LhSO/E7EgiMMs26KqA=="/>
     </p:ext>
   </p:extLst>
 </p:presentation>
@@ -14526,7 +14526,7 @@
           <a:p>
             <a:fld id="{37342B79-8861-BC41-8C11-7D76094F6B8E}" type="datetimeFigureOut">
               <a:rPr lang="en-US" smtClean="0"/>
-              <a:t>11/17/22</a:t>
+              <a:t>12/6/22</a:t>
             </a:fld>
             <a:endParaRPr lang="en-US"/>
           </a:p>
@@ -14791,7 +14791,7 @@
           <a:p>
             <a:fld id="{37342B79-8861-BC41-8C11-7D76094F6B8E}" type="datetimeFigureOut">
               <a:rPr lang="en-US" smtClean="0"/>
-              <a:t>11/17/22</a:t>
+              <a:t>12/6/22</a:t>
             </a:fld>
             <a:endParaRPr lang="en-US"/>
           </a:p>
@@ -15203,7 +15203,7 @@
           <a:p>
             <a:fld id="{37342B79-8861-BC41-8C11-7D76094F6B8E}" type="datetimeFigureOut">
               <a:rPr lang="en-US" smtClean="0"/>
-              <a:t>11/17/22</a:t>
+              <a:t>12/6/22</a:t>
             </a:fld>
             <a:endParaRPr lang="en-US"/>
           </a:p>
@@ -15344,7 +15344,7 @@
           <a:p>
             <a:fld id="{37342B79-8861-BC41-8C11-7D76094F6B8E}" type="datetimeFigureOut">
               <a:rPr lang="en-US" smtClean="0"/>
-              <a:t>11/17/22</a:t>
+              <a:t>12/6/22</a:t>
             </a:fld>
             <a:endParaRPr lang="en-US"/>
           </a:p>
@@ -15457,7 +15457,7 @@
           <a:p>
             <a:fld id="{37342B79-8861-BC41-8C11-7D76094F6B8E}" type="datetimeFigureOut">
               <a:rPr lang="en-US" smtClean="0"/>
-              <a:t>11/17/22</a:t>
+              <a:t>12/6/22</a:t>
             </a:fld>
             <a:endParaRPr lang="en-US"/>
           </a:p>
@@ -15768,7 +15768,7 @@
           <a:p>
             <a:fld id="{37342B79-8861-BC41-8C11-7D76094F6B8E}" type="datetimeFigureOut">
               <a:rPr lang="en-US" smtClean="0"/>
-              <a:t>11/17/22</a:t>
+              <a:t>12/6/22</a:t>
             </a:fld>
             <a:endParaRPr lang="en-US"/>
           </a:p>
@@ -16056,7 +16056,7 @@
           <a:p>
             <a:fld id="{37342B79-8861-BC41-8C11-7D76094F6B8E}" type="datetimeFigureOut">
               <a:rPr lang="en-US" smtClean="0"/>
-              <a:t>11/17/22</a:t>
+              <a:t>12/6/22</a:t>
             </a:fld>
             <a:endParaRPr lang="en-US"/>
           </a:p>
@@ -16254,7 +16254,7 @@
           <a:p>
             <a:fld id="{37342B79-8861-BC41-8C11-7D76094F6B8E}" type="datetimeFigureOut">
               <a:rPr lang="en-US" smtClean="0"/>
-              <a:t>11/17/22</a:t>
+              <a:t>12/6/22</a:t>
             </a:fld>
             <a:endParaRPr lang="en-US"/>
           </a:p>
@@ -16462,7 +16462,7 @@
           <a:p>
             <a:fld id="{37342B79-8861-BC41-8C11-7D76094F6B8E}" type="datetimeFigureOut">
               <a:rPr lang="en-US" smtClean="0"/>
-              <a:t>11/17/22</a:t>
+              <a:t>12/6/22</a:t>
             </a:fld>
             <a:endParaRPr lang="en-US"/>
           </a:p>
@@ -20248,7 +20248,7 @@
           <a:p>
             <a:fld id="{37342B79-8861-BC41-8C11-7D76094F6B8E}" type="datetimeFigureOut">
               <a:rPr lang="en-US" smtClean="0"/>
-              <a:t>11/17/22</a:t>
+              <a:t>12/6/22</a:t>
             </a:fld>
             <a:endParaRPr lang="en-US"/>
           </a:p>
@@ -20446,7 +20446,7 @@
           <a:p>
             <a:fld id="{37342B79-8861-BC41-8C11-7D76094F6B8E}" type="datetimeFigureOut">
               <a:rPr lang="en-US" smtClean="0"/>
-              <a:t>11/17/22</a:t>
+              <a:t>12/6/22</a:t>
             </a:fld>
             <a:endParaRPr lang="en-US"/>
           </a:p>
@@ -22234,7 +22234,7 @@
           <a:p>
             <a:fld id="{37342B79-8861-BC41-8C11-7D76094F6B8E}" type="datetimeFigureOut">
               <a:rPr lang="en-US" smtClean="0"/>
-              <a:t>11/17/22</a:t>
+              <a:t>12/6/22</a:t>
             </a:fld>
             <a:endParaRPr lang="en-US"/>
           </a:p>
@@ -30574,21 +30574,18 @@
           <a:p>
             <a:r>
               <a:rPr lang="en-US" dirty="0"/>
-              <a:t>Project Presentations on Wednesday </a:t>
+              <a:t>Project Presentations on Thursday</a:t>
             </a:r>
-            <a:r>
-              <a:rPr lang="en-US" b="1" dirty="0">
-                <a:solidFill>
-                  <a:srgbClr val="941100"/>
-                </a:solidFill>
-              </a:rPr>
-              <a:t>(HBH 1202)</a:t>
-            </a:r>
+            <a:endParaRPr lang="en-US" b="1" dirty="0">
+              <a:solidFill>
+                <a:srgbClr val="941100"/>
+              </a:solidFill>
+            </a:endParaRPr>
           </a:p>
           <a:p>
             <a:r>
               <a:rPr lang="en-US" dirty="0"/>
-              <a:t>No class on Thursday</a:t>
+              <a:t>No group meetings on Wednesday</a:t>
             </a:r>
           </a:p>
           <a:p>
@@ -30613,7 +30610,7 @@
                   <a:srgbClr val="C00000"/>
                 </a:solidFill>
               </a:rPr>
-              <a:t>Final Reports due on Thursday</a:t>
+              <a:t>Final Reports due on Wednesday</a:t>
             </a:r>
           </a:p>
           <a:p>
@@ -44958,7 +44955,7 @@
               <a:solidFill>
                 <a:srgbClr val="C00000"/>
               </a:solidFill>
-              <a:hlinkClick r:id="" action="ppaction://noaction">
+              <a:hlinkClick r:id="rId2">
                 <a:extLst>
                   <a:ext uri="{A12FA001-AC4F-418D-AE19-62706E023703}">
                     <ahyp:hlinkClr xmlns:ahyp="http://schemas.microsoft.com/office/drawing/2018/hyperlinkcolor" val="tx"/>
@@ -44975,7 +44972,7 @@
               <a:solidFill>
                 <a:srgbClr val="C00000"/>
               </a:solidFill>
-              <a:hlinkClick r:id="" action="ppaction://noaction">
+              <a:hlinkClick r:id="rId2">
                 <a:extLst>
                   <a:ext uri="{A12FA001-AC4F-418D-AE19-62706E023703}">
                     <ahyp:hlinkClr xmlns:ahyp="http://schemas.microsoft.com/office/drawing/2018/hyperlinkcolor" val="tx"/>
@@ -44992,7 +44989,7 @@
               <a:solidFill>
                 <a:srgbClr val="C00000"/>
               </a:solidFill>
-              <a:hlinkClick r:id="" action="ppaction://noaction">
+              <a:hlinkClick r:id="rId2">
                 <a:extLst>
                   <a:ext uri="{A12FA001-AC4F-418D-AE19-62706E023703}">
                     <ahyp:hlinkClr xmlns:ahyp="http://schemas.microsoft.com/office/drawing/2018/hyperlinkcolor" val="tx"/>
@@ -45018,42 +45015,19 @@
                   </a:extLst>
                 </a:hlinkClick>
               </a:rPr>
-              <a:t>https://</a:t>
-            </a:r>
-            <a:r>
-              <a:rPr lang="en-US" dirty="0" err="1">
-                <a:solidFill>
-                  <a:srgbClr val="941100"/>
-                </a:solidFill>
-                <a:hlinkClick r:id="rId2">
-                  <a:extLst>
-                    <a:ext uri="{A12FA001-AC4F-418D-AE19-62706E023703}">
-                      <ahyp:hlinkClr xmlns:ahyp="http://schemas.microsoft.com/office/drawing/2018/hyperlinkcolor" val="tx"/>
-                    </a:ext>
-                  </a:extLst>
-                </a:hlinkClick>
-              </a:rPr>
-              <a:t>canvas.cmu.edu</a:t>
-            </a:r>
-            <a:r>
-              <a:rPr lang="en-US" dirty="0">
-                <a:solidFill>
-                  <a:srgbClr val="941100"/>
-                </a:solidFill>
-                <a:hlinkClick r:id="rId2">
-                  <a:extLst>
-                    <a:ext uri="{A12FA001-AC4F-418D-AE19-62706E023703}">
-                      <ahyp:hlinkClr xmlns:ahyp="http://schemas.microsoft.com/office/drawing/2018/hyperlinkcolor" val="tx"/>
-                    </a:ext>
-                  </a:extLst>
-                </a:hlinkClick>
-              </a:rPr>
-              <a:t>/courses/25318/assignments/427023</a:t>
+              <a:t>https://canvas.cmu.edu/courses/31334/assignments/515888</a:t>
             </a:r>
             <a:endParaRPr lang="en-US" dirty="0">
               <a:solidFill>
                 <a:srgbClr val="941100"/>
               </a:solidFill>
+              <a:hlinkClick r:id="" action="ppaction://noaction">
+                <a:extLst>
+                  <a:ext uri="{A12FA001-AC4F-418D-AE19-62706E023703}">
+                    <ahyp:hlinkClr xmlns:ahyp="http://schemas.microsoft.com/office/drawing/2018/hyperlinkcolor" val="tx"/>
+                  </a:ext>
+                </a:extLst>
+              </a:hlinkClick>
             </a:endParaRPr>
           </a:p>
         </p:txBody>
@@ -49038,21 +49012,18 @@
           <a:p>
             <a:r>
               <a:rPr lang="en-US" dirty="0"/>
-              <a:t>Project Presentations on Wednesday </a:t>
+              <a:t>Project Presentations on Thursday</a:t>
             </a:r>
-            <a:r>
-              <a:rPr lang="en-US" b="1" dirty="0">
-                <a:solidFill>
-                  <a:srgbClr val="941100"/>
-                </a:solidFill>
-              </a:rPr>
-              <a:t>(HBH 1202)</a:t>
-            </a:r>
+            <a:endParaRPr lang="en-US" b="1" dirty="0">
+              <a:solidFill>
+                <a:srgbClr val="941100"/>
+              </a:solidFill>
+            </a:endParaRPr>
           </a:p>
           <a:p>
             <a:r>
               <a:rPr lang="en-US" dirty="0"/>
-              <a:t>No class on Thursday</a:t>
+              <a:t>No group meetings on Wednesday</a:t>
             </a:r>
           </a:p>
           <a:p>
@@ -49077,7 +49048,7 @@
                   <a:srgbClr val="C00000"/>
                 </a:solidFill>
               </a:rPr>
-              <a:t>Final Reports due on Thursday</a:t>
+              <a:t>Final Reports due on Wednesday</a:t>
             </a:r>
           </a:p>
           <a:p>
@@ -49088,7 +49059,7 @@
     </p:spTree>
     <p:extLst>
       <p:ext uri="{BB962C8B-B14F-4D97-AF65-F5344CB8AC3E}">
-        <p14:creationId xmlns:p14="http://schemas.microsoft.com/office/powerpoint/2010/main" val="1241616482"/>
+        <p14:creationId xmlns:p14="http://schemas.microsoft.com/office/powerpoint/2010/main" val="3451629870"/>
       </p:ext>
     </p:extLst>
   </p:cSld>

--- a/Lectures/21-causal-inference.pptx
+++ b/Lectures/21-causal-inference.pptx
@@ -6,7 +6,7 @@
     <p:sldMasterId id="2147483656" r:id="rId2"/>
   </p:sldMasterIdLst>
   <p:notesMasterIdLst>
-    <p:notesMasterId r:id="rId59"/>
+    <p:notesMasterId r:id="rId67"/>
   </p:notesMasterIdLst>
   <p:sldIdLst>
     <p:sldId id="256" r:id="rId3"/>
@@ -14,57 +14,65 @@
     <p:sldId id="257" r:id="rId5"/>
     <p:sldId id="620" r:id="rId6"/>
     <p:sldId id="259" r:id="rId7"/>
-    <p:sldId id="623" r:id="rId8"/>
-    <p:sldId id="625" r:id="rId9"/>
-    <p:sldId id="505" r:id="rId10"/>
-    <p:sldId id="621" r:id="rId11"/>
-    <p:sldId id="441" r:id="rId12"/>
-    <p:sldId id="432" r:id="rId13"/>
-    <p:sldId id="488" r:id="rId14"/>
-    <p:sldId id="457" r:id="rId15"/>
-    <p:sldId id="428" r:id="rId16"/>
-    <p:sldId id="300" r:id="rId17"/>
-    <p:sldId id="624" r:id="rId18"/>
-    <p:sldId id="477" r:id="rId19"/>
-    <p:sldId id="622" r:id="rId20"/>
-    <p:sldId id="626" r:id="rId21"/>
-    <p:sldId id="500" r:id="rId22"/>
-    <p:sldId id="474" r:id="rId23"/>
-    <p:sldId id="614" r:id="rId24"/>
-    <p:sldId id="619" r:id="rId25"/>
-    <p:sldId id="258" r:id="rId26"/>
-    <p:sldId id="627" r:id="rId27"/>
-    <p:sldId id="630" r:id="rId28"/>
-    <p:sldId id="274" r:id="rId29"/>
-    <p:sldId id="260" r:id="rId30"/>
-    <p:sldId id="261" r:id="rId31"/>
-    <p:sldId id="262" r:id="rId32"/>
-    <p:sldId id="263" r:id="rId33"/>
-    <p:sldId id="264" r:id="rId34"/>
-    <p:sldId id="265" r:id="rId35"/>
-    <p:sldId id="266" r:id="rId36"/>
-    <p:sldId id="267" r:id="rId37"/>
-    <p:sldId id="331" r:id="rId38"/>
-    <p:sldId id="592" r:id="rId39"/>
-    <p:sldId id="609" r:id="rId40"/>
-    <p:sldId id="610" r:id="rId41"/>
-    <p:sldId id="611" r:id="rId42"/>
-    <p:sldId id="613" r:id="rId43"/>
-    <p:sldId id="612" r:id="rId44"/>
-    <p:sldId id="268" r:id="rId45"/>
-    <p:sldId id="269" r:id="rId46"/>
-    <p:sldId id="270" r:id="rId47"/>
-    <p:sldId id="271" r:id="rId48"/>
-    <p:sldId id="272" r:id="rId49"/>
-    <p:sldId id="487" r:id="rId50"/>
-    <p:sldId id="273" r:id="rId51"/>
-    <p:sldId id="489" r:id="rId52"/>
-    <p:sldId id="275" r:id="rId53"/>
-    <p:sldId id="276" r:id="rId54"/>
-    <p:sldId id="277" r:id="rId55"/>
-    <p:sldId id="629" r:id="rId56"/>
-    <p:sldId id="278" r:id="rId57"/>
-    <p:sldId id="631" r:id="rId58"/>
+    <p:sldId id="607" r:id="rId8"/>
+    <p:sldId id="608" r:id="rId9"/>
+    <p:sldId id="632" r:id="rId10"/>
+    <p:sldId id="633" r:id="rId11"/>
+    <p:sldId id="634" r:id="rId12"/>
+    <p:sldId id="635" r:id="rId13"/>
+    <p:sldId id="636" r:id="rId14"/>
+    <p:sldId id="637" r:id="rId15"/>
+    <p:sldId id="623" r:id="rId16"/>
+    <p:sldId id="625" r:id="rId17"/>
+    <p:sldId id="505" r:id="rId18"/>
+    <p:sldId id="621" r:id="rId19"/>
+    <p:sldId id="441" r:id="rId20"/>
+    <p:sldId id="432" r:id="rId21"/>
+    <p:sldId id="488" r:id="rId22"/>
+    <p:sldId id="457" r:id="rId23"/>
+    <p:sldId id="428" r:id="rId24"/>
+    <p:sldId id="300" r:id="rId25"/>
+    <p:sldId id="624" r:id="rId26"/>
+    <p:sldId id="477" r:id="rId27"/>
+    <p:sldId id="622" r:id="rId28"/>
+    <p:sldId id="626" r:id="rId29"/>
+    <p:sldId id="500" r:id="rId30"/>
+    <p:sldId id="474" r:id="rId31"/>
+    <p:sldId id="614" r:id="rId32"/>
+    <p:sldId id="619" r:id="rId33"/>
+    <p:sldId id="258" r:id="rId34"/>
+    <p:sldId id="627" r:id="rId35"/>
+    <p:sldId id="630" r:id="rId36"/>
+    <p:sldId id="274" r:id="rId37"/>
+    <p:sldId id="260" r:id="rId38"/>
+    <p:sldId id="261" r:id="rId39"/>
+    <p:sldId id="262" r:id="rId40"/>
+    <p:sldId id="263" r:id="rId41"/>
+    <p:sldId id="264" r:id="rId42"/>
+    <p:sldId id="265" r:id="rId43"/>
+    <p:sldId id="266" r:id="rId44"/>
+    <p:sldId id="267" r:id="rId45"/>
+    <p:sldId id="331" r:id="rId46"/>
+    <p:sldId id="592" r:id="rId47"/>
+    <p:sldId id="609" r:id="rId48"/>
+    <p:sldId id="610" r:id="rId49"/>
+    <p:sldId id="611" r:id="rId50"/>
+    <p:sldId id="613" r:id="rId51"/>
+    <p:sldId id="612" r:id="rId52"/>
+    <p:sldId id="268" r:id="rId53"/>
+    <p:sldId id="269" r:id="rId54"/>
+    <p:sldId id="270" r:id="rId55"/>
+    <p:sldId id="271" r:id="rId56"/>
+    <p:sldId id="272" r:id="rId57"/>
+    <p:sldId id="487" r:id="rId58"/>
+    <p:sldId id="273" r:id="rId59"/>
+    <p:sldId id="489" r:id="rId60"/>
+    <p:sldId id="275" r:id="rId61"/>
+    <p:sldId id="276" r:id="rId62"/>
+    <p:sldId id="277" r:id="rId63"/>
+    <p:sldId id="629" r:id="rId64"/>
+    <p:sldId id="278" r:id="rId65"/>
+    <p:sldId id="631" r:id="rId66"/>
   </p:sldIdLst>
   <p:sldSz cx="12192000" cy="6858000"/>
   <p:notesSz cx="6858000" cy="9144000"/>
@@ -302,7 +310,7 @@
       <p15:sldGuideLst xmlns:p15="http://schemas.microsoft.com/office/powerpoint/2012/main"/>
     </p:ext>
     <p:ext uri="http://customooxmlschemas.google.com/">
-      <go:slidesCustomData xmlns="" xmlns:mc="http://schemas.openxmlformats.org/markup-compatibility/2006" xmlns:mv="urn:schemas-microsoft-com:mac:vml" xmlns:c="http://schemas.openxmlformats.org/drawingml/2006/chart" xmlns:dgm="http://schemas.openxmlformats.org/drawingml/2006/diagram" xmlns:o="urn:schemas-microsoft-com:office:office" xmlns:v="urn:schemas-microsoft-com:vml" xmlns:pvml="urn:schemas-microsoft-com:office:powerpoint" xmlns:com="http://schemas.openxmlformats.org/drawingml/2006/compatibility" xmlns:p14="http://schemas.microsoft.com/office/powerpoint/2010/main" xmlns:p15="http://schemas.microsoft.com/office/powerpoint/2012/main" xmlns:go="http://customooxmlschemas.google.com/" r:id="rId60" roundtripDataSignature="AMtx7mgWqGpmJnm2LhSO/E7EgiMMs26KqA=="/>
+      <go:slidesCustomData xmlns:go="http://customooxmlschemas.google.com/" xmlns:p15="http://schemas.microsoft.com/office/powerpoint/2012/main" xmlns:p14="http://schemas.microsoft.com/office/powerpoint/2010/main" xmlns:com="http://schemas.openxmlformats.org/drawingml/2006/compatibility" xmlns:pvml="urn:schemas-microsoft-com:office:powerpoint" xmlns:v="urn:schemas-microsoft-com:vml" xmlns:o="urn:schemas-microsoft-com:office:office" xmlns:dgm="http://schemas.openxmlformats.org/drawingml/2006/diagram" xmlns:c="http://schemas.openxmlformats.org/drawingml/2006/chart" xmlns:mv="urn:schemas-microsoft-com:mac:vml" xmlns:mc="http://schemas.openxmlformats.org/markup-compatibility/2006" xmlns="" r:id="rId68" roundtripDataSignature="AMtx7mgWqGpmJnm2LhSO/E7EgiMMs26KqA=="/>
     </p:ext>
   </p:extLst>
 </p:presentation>
@@ -13575,7 +13583,7 @@
               <a:pPr>
                 <a:defRPr/>
               </a:pPr>
-              <a:t>21</a:t>
+              <a:t>29</a:t>
             </a:fld>
             <a:endParaRPr lang="en-US"/>
           </a:p>
@@ -22943,6 +22951,1692 @@
       </p:grpSpPr>
       <p:sp>
         <p:nvSpPr>
+          <p:cNvPr id="2" name="TextBox 1">
+            <a:extLst>
+              <a:ext uri="{FF2B5EF4-FFF2-40B4-BE49-F238E27FC236}">
+                <a16:creationId xmlns:a16="http://schemas.microsoft.com/office/drawing/2014/main" id="{7DB19C05-CED6-C148-A24D-D699C2F6862F}"/>
+              </a:ext>
+            </a:extLst>
+          </p:cNvPr>
+          <p:cNvSpPr txBox="1"/>
+          <p:nvPr/>
+        </p:nvSpPr>
+        <p:spPr>
+          <a:xfrm>
+            <a:off x="0" y="939113"/>
+            <a:ext cx="12192000" cy="2677656"/>
+          </a:xfrm>
+          <a:prstGeom prst="rect">
+            <a:avLst/>
+          </a:prstGeom>
+          <a:noFill/>
+        </p:spPr>
+        <p:txBody>
+          <a:bodyPr wrap="square" rtlCol="0">
+            <a:spAutoFit/>
+          </a:bodyPr>
+          <a:lstStyle/>
+          <a:p>
+            <a:pPr algn="ctr"/>
+            <a:r>
+              <a:rPr lang="en-US" sz="6000" dirty="0"/>
+              <a:t>The Defaults Are</a:t>
+            </a:r>
+          </a:p>
+          <a:p>
+            <a:pPr algn="ctr"/>
+            <a:r>
+              <a:rPr lang="en-US" sz="6000" dirty="0"/>
+              <a:t>Mostly Bad</a:t>
+            </a:r>
+          </a:p>
+          <a:p>
+            <a:pPr algn="ctr"/>
+            <a:r>
+              <a:rPr lang="en-US" sz="4800" dirty="0"/>
+              <a:t>(aka Models Don’t Give 0/1 Labels)</a:t>
+            </a:r>
+            <a:endParaRPr lang="en-US" sz="6000" dirty="0"/>
+          </a:p>
+        </p:txBody>
+      </p:sp>
+      <p:sp>
+        <p:nvSpPr>
+          <p:cNvPr id="3" name="TextBox 2">
+            <a:extLst>
+              <a:ext uri="{FF2B5EF4-FFF2-40B4-BE49-F238E27FC236}">
+                <a16:creationId xmlns:a16="http://schemas.microsoft.com/office/drawing/2014/main" id="{B9A67CE4-74EB-6347-AAAD-BA98D84CDF7A}"/>
+              </a:ext>
+            </a:extLst>
+          </p:cNvPr>
+          <p:cNvSpPr txBox="1"/>
+          <p:nvPr/>
+        </p:nvSpPr>
+        <p:spPr>
+          <a:xfrm>
+            <a:off x="0" y="4609070"/>
+            <a:ext cx="12191999" cy="1881925"/>
+          </a:xfrm>
+          <a:prstGeom prst="rect">
+            <a:avLst/>
+          </a:prstGeom>
+          <a:noFill/>
+        </p:spPr>
+        <p:txBody>
+          <a:bodyPr wrap="square" rtlCol="0">
+            <a:spAutoFit/>
+          </a:bodyPr>
+          <a:lstStyle/>
+          <a:p>
+            <a:pPr algn="ctr">
+              <a:lnSpc>
+                <a:spcPct val="150000"/>
+              </a:lnSpc>
+            </a:pPr>
+            <a:r>
+              <a:rPr lang="en-US" sz="2000" dirty="0">
+                <a:solidFill>
+                  <a:schemeClr val="tx1">
+                    <a:lumMod val="75000"/>
+                    <a:lumOff val="25000"/>
+                  </a:schemeClr>
+                </a:solidFill>
+              </a:rPr>
+              <a:t>Models give scores not predicted classes, and these are rarely probabilities</a:t>
+            </a:r>
+          </a:p>
+          <a:p>
+            <a:pPr algn="ctr">
+              <a:lnSpc>
+                <a:spcPct val="150000"/>
+              </a:lnSpc>
+            </a:pPr>
+            <a:r>
+              <a:rPr lang="en-US" sz="2000" dirty="0">
+                <a:solidFill>
+                  <a:schemeClr val="tx1">
+                    <a:lumMod val="75000"/>
+                    <a:lumOff val="25000"/>
+                  </a:schemeClr>
+                </a:solidFill>
+              </a:rPr>
+              <a:t>There’s no such thing as absolute accuracy, precision, or recall </a:t>
+            </a:r>
+          </a:p>
+          <a:p>
+            <a:pPr algn="ctr">
+              <a:lnSpc>
+                <a:spcPct val="150000"/>
+              </a:lnSpc>
+            </a:pPr>
+            <a:r>
+              <a:rPr lang="en-US" sz="2000" dirty="0">
+                <a:solidFill>
+                  <a:schemeClr val="tx1">
+                    <a:lumMod val="75000"/>
+                    <a:lumOff val="25000"/>
+                  </a:schemeClr>
+                </a:solidFill>
+              </a:rPr>
+              <a:t>A 0.5 score threshold is almost never what you want</a:t>
+            </a:r>
+          </a:p>
+          <a:p>
+            <a:pPr algn="ctr">
+              <a:lnSpc>
+                <a:spcPct val="150000"/>
+              </a:lnSpc>
+            </a:pPr>
+            <a:r>
+              <a:rPr lang="en-US" sz="2000" dirty="0">
+                <a:solidFill>
+                  <a:schemeClr val="tx1">
+                    <a:lumMod val="75000"/>
+                    <a:lumOff val="25000"/>
+                  </a:schemeClr>
+                </a:solidFill>
+              </a:rPr>
+              <a:t>Hyperparameters matter and defaults in many packages aren’t great</a:t>
+            </a:r>
+          </a:p>
+        </p:txBody>
+      </p:sp>
+    </p:spTree>
+    <p:extLst>
+      <p:ext uri="{BB962C8B-B14F-4D97-AF65-F5344CB8AC3E}">
+        <p14:creationId xmlns:p14="http://schemas.microsoft.com/office/powerpoint/2010/main" val="891097527"/>
+      </p:ext>
+    </p:extLst>
+  </p:cSld>
+  <p:clrMapOvr>
+    <a:masterClrMapping/>
+  </p:clrMapOvr>
+</p:sld>
+</file>
+
+<file path=ppt/slides/slide11.xml><?xml version="1.0" encoding="utf-8"?>
+<p:sld xmlns:a="http://schemas.openxmlformats.org/drawingml/2006/main" xmlns:r="http://schemas.openxmlformats.org/officeDocument/2006/relationships" xmlns:p="http://schemas.openxmlformats.org/presentationml/2006/main">
+  <p:cSld>
+    <p:spTree>
+      <p:nvGrpSpPr>
+        <p:cNvPr id="1" name=""/>
+        <p:cNvGrpSpPr/>
+        <p:nvPr/>
+      </p:nvGrpSpPr>
+      <p:grpSpPr>
+        <a:xfrm>
+          <a:off x="0" y="0"/>
+          <a:ext cx="0" cy="0"/>
+          <a:chOff x="0" y="0"/>
+          <a:chExt cx="0" cy="0"/>
+        </a:xfrm>
+      </p:grpSpPr>
+      <p:sp>
+        <p:nvSpPr>
+          <p:cNvPr id="2" name="TextBox 1">
+            <a:extLst>
+              <a:ext uri="{FF2B5EF4-FFF2-40B4-BE49-F238E27FC236}">
+                <a16:creationId xmlns:a16="http://schemas.microsoft.com/office/drawing/2014/main" id="{7DB19C05-CED6-C148-A24D-D699C2F6862F}"/>
+              </a:ext>
+            </a:extLst>
+          </p:cNvPr>
+          <p:cNvSpPr txBox="1"/>
+          <p:nvPr/>
+        </p:nvSpPr>
+        <p:spPr>
+          <a:xfrm>
+            <a:off x="0" y="939113"/>
+            <a:ext cx="12192000" cy="1015663"/>
+          </a:xfrm>
+          <a:prstGeom prst="rect">
+            <a:avLst/>
+          </a:prstGeom>
+          <a:noFill/>
+        </p:spPr>
+        <p:txBody>
+          <a:bodyPr wrap="square" rtlCol="0">
+            <a:spAutoFit/>
+          </a:bodyPr>
+          <a:lstStyle/>
+          <a:p>
+            <a:pPr algn="ctr"/>
+            <a:r>
+              <a:rPr lang="en-US" sz="6000" dirty="0"/>
+              <a:t>Compared To What?</a:t>
+            </a:r>
+          </a:p>
+        </p:txBody>
+      </p:sp>
+      <p:sp>
+        <p:nvSpPr>
+          <p:cNvPr id="3" name="TextBox 2">
+            <a:extLst>
+              <a:ext uri="{FF2B5EF4-FFF2-40B4-BE49-F238E27FC236}">
+                <a16:creationId xmlns:a16="http://schemas.microsoft.com/office/drawing/2014/main" id="{B9A67CE4-74EB-6347-AAAD-BA98D84CDF7A}"/>
+              </a:ext>
+            </a:extLst>
+          </p:cNvPr>
+          <p:cNvSpPr txBox="1"/>
+          <p:nvPr/>
+        </p:nvSpPr>
+        <p:spPr>
+          <a:xfrm>
+            <a:off x="0" y="4609070"/>
+            <a:ext cx="12191999" cy="1881925"/>
+          </a:xfrm>
+          <a:prstGeom prst="rect">
+            <a:avLst/>
+          </a:prstGeom>
+          <a:noFill/>
+        </p:spPr>
+        <p:txBody>
+          <a:bodyPr wrap="square" rtlCol="0">
+            <a:spAutoFit/>
+          </a:bodyPr>
+          <a:lstStyle/>
+          <a:p>
+            <a:pPr algn="ctr">
+              <a:lnSpc>
+                <a:spcPct val="150000"/>
+              </a:lnSpc>
+            </a:pPr>
+            <a:r>
+              <a:rPr lang="en-US" sz="2000" dirty="0">
+                <a:solidFill>
+                  <a:schemeClr val="tx1">
+                    <a:lumMod val="75000"/>
+                    <a:lumOff val="25000"/>
+                  </a:schemeClr>
+                </a:solidFill>
+              </a:rPr>
+              <a:t>What is the right baseline that your model needs to beat to be useful? By how much?</a:t>
+            </a:r>
+          </a:p>
+          <a:p>
+            <a:pPr algn="ctr">
+              <a:lnSpc>
+                <a:spcPct val="150000"/>
+              </a:lnSpc>
+            </a:pPr>
+            <a:r>
+              <a:rPr lang="en-US" sz="2000" dirty="0">
+                <a:solidFill>
+                  <a:schemeClr val="tx1">
+                    <a:lumMod val="75000"/>
+                    <a:lumOff val="25000"/>
+                  </a:schemeClr>
+                </a:solidFill>
+              </a:rPr>
+              <a:t>How is this decision currently made (or what commonsense, non-ML approach could be used)? </a:t>
+            </a:r>
+          </a:p>
+          <a:p>
+            <a:pPr algn="ctr">
+              <a:lnSpc>
+                <a:spcPct val="150000"/>
+              </a:lnSpc>
+            </a:pPr>
+            <a:r>
+              <a:rPr lang="en-US" sz="2000" dirty="0">
+                <a:solidFill>
+                  <a:schemeClr val="tx1">
+                    <a:lumMod val="75000"/>
+                    <a:lumOff val="25000"/>
+                  </a:schemeClr>
+                </a:solidFill>
+              </a:rPr>
+              <a:t>What is the performance of the current, human-driven decision-making process? How fair is it?</a:t>
+            </a:r>
+          </a:p>
+          <a:p>
+            <a:pPr algn="ctr">
+              <a:lnSpc>
+                <a:spcPct val="150000"/>
+              </a:lnSpc>
+            </a:pPr>
+            <a:r>
+              <a:rPr lang="en-US" sz="2000" dirty="0">
+                <a:solidFill>
+                  <a:schemeClr val="tx1">
+                    <a:lumMod val="75000"/>
+                    <a:lumOff val="25000"/>
+                  </a:schemeClr>
+                </a:solidFill>
+              </a:rPr>
+              <a:t>Do </a:t>
+            </a:r>
+            <a:r>
+              <a:rPr lang="en-US" sz="2000" dirty="0" err="1">
+                <a:solidFill>
+                  <a:schemeClr val="tx1">
+                    <a:lumMod val="75000"/>
+                    <a:lumOff val="25000"/>
+                  </a:schemeClr>
+                </a:solidFill>
+              </a:rPr>
+              <a:t>explainability</a:t>
+            </a:r>
+            <a:r>
+              <a:rPr lang="en-US" sz="2000" dirty="0">
+                <a:solidFill>
+                  <a:schemeClr val="tx1">
+                    <a:lumMod val="75000"/>
+                    <a:lumOff val="25000"/>
+                  </a:schemeClr>
+                </a:solidFill>
+              </a:rPr>
+              <a:t> methods give you more information than crosstabs and feature </a:t>
+            </a:r>
+            <a:r>
+              <a:rPr lang="en-US" sz="2000" dirty="0" err="1">
+                <a:solidFill>
+                  <a:schemeClr val="tx1">
+                    <a:lumMod val="75000"/>
+                    <a:lumOff val="25000"/>
+                  </a:schemeClr>
+                </a:solidFill>
+              </a:rPr>
+              <a:t>importances</a:t>
+            </a:r>
+            <a:r>
+              <a:rPr lang="en-US" sz="2000" dirty="0">
+                <a:solidFill>
+                  <a:schemeClr val="tx1">
+                    <a:lumMod val="75000"/>
+                    <a:lumOff val="25000"/>
+                  </a:schemeClr>
+                </a:solidFill>
+              </a:rPr>
+              <a:t>?</a:t>
+            </a:r>
+          </a:p>
+        </p:txBody>
+      </p:sp>
+    </p:spTree>
+    <p:extLst>
+      <p:ext uri="{BB962C8B-B14F-4D97-AF65-F5344CB8AC3E}">
+        <p14:creationId xmlns:p14="http://schemas.microsoft.com/office/powerpoint/2010/main" val="1624526240"/>
+      </p:ext>
+    </p:extLst>
+  </p:cSld>
+  <p:clrMapOvr>
+    <a:masterClrMapping/>
+  </p:clrMapOvr>
+</p:sld>
+</file>
+
+<file path=ppt/slides/slide12.xml><?xml version="1.0" encoding="utf-8"?>
+<p:sld xmlns:a="http://schemas.openxmlformats.org/drawingml/2006/main" xmlns:r="http://schemas.openxmlformats.org/officeDocument/2006/relationships" xmlns:p="http://schemas.openxmlformats.org/presentationml/2006/main">
+  <p:cSld>
+    <p:spTree>
+      <p:nvGrpSpPr>
+        <p:cNvPr id="1" name=""/>
+        <p:cNvGrpSpPr/>
+        <p:nvPr/>
+      </p:nvGrpSpPr>
+      <p:grpSpPr>
+        <a:xfrm>
+          <a:off x="0" y="0"/>
+          <a:ext cx="0" cy="0"/>
+          <a:chOff x="0" y="0"/>
+          <a:chExt cx="0" cy="0"/>
+        </a:xfrm>
+      </p:grpSpPr>
+      <p:sp>
+        <p:nvSpPr>
+          <p:cNvPr id="2" name="TextBox 1">
+            <a:extLst>
+              <a:ext uri="{FF2B5EF4-FFF2-40B4-BE49-F238E27FC236}">
+                <a16:creationId xmlns:a16="http://schemas.microsoft.com/office/drawing/2014/main" id="{7DB19C05-CED6-C148-A24D-D699C2F6862F}"/>
+              </a:ext>
+            </a:extLst>
+          </p:cNvPr>
+          <p:cNvSpPr txBox="1"/>
+          <p:nvPr/>
+        </p:nvSpPr>
+        <p:spPr>
+          <a:xfrm>
+            <a:off x="0" y="939113"/>
+            <a:ext cx="12192000" cy="1015663"/>
+          </a:xfrm>
+          <a:prstGeom prst="rect">
+            <a:avLst/>
+          </a:prstGeom>
+          <a:noFill/>
+        </p:spPr>
+        <p:txBody>
+          <a:bodyPr wrap="square" rtlCol="0">
+            <a:spAutoFit/>
+          </a:bodyPr>
+          <a:lstStyle/>
+          <a:p>
+            <a:pPr algn="ctr"/>
+            <a:r>
+              <a:rPr lang="en-US" sz="6000" dirty="0"/>
+              <a:t>Be Skeptical</a:t>
+            </a:r>
+          </a:p>
+        </p:txBody>
+      </p:sp>
+      <p:sp>
+        <p:nvSpPr>
+          <p:cNvPr id="3" name="TextBox 2">
+            <a:extLst>
+              <a:ext uri="{FF2B5EF4-FFF2-40B4-BE49-F238E27FC236}">
+                <a16:creationId xmlns:a16="http://schemas.microsoft.com/office/drawing/2014/main" id="{B9A67CE4-74EB-6347-AAAD-BA98D84CDF7A}"/>
+              </a:ext>
+            </a:extLst>
+          </p:cNvPr>
+          <p:cNvSpPr txBox="1"/>
+          <p:nvPr/>
+        </p:nvSpPr>
+        <p:spPr>
+          <a:xfrm>
+            <a:off x="0" y="4609070"/>
+            <a:ext cx="12191999" cy="1881925"/>
+          </a:xfrm>
+          <a:prstGeom prst="rect">
+            <a:avLst/>
+          </a:prstGeom>
+          <a:noFill/>
+        </p:spPr>
+        <p:txBody>
+          <a:bodyPr wrap="square" rtlCol="0">
+            <a:spAutoFit/>
+          </a:bodyPr>
+          <a:lstStyle/>
+          <a:p>
+            <a:pPr algn="ctr">
+              <a:lnSpc>
+                <a:spcPct val="150000"/>
+              </a:lnSpc>
+            </a:pPr>
+            <a:r>
+              <a:rPr lang="en-US" sz="2000" dirty="0">
+                <a:solidFill>
+                  <a:schemeClr val="tx1">
+                    <a:lumMod val="75000"/>
+                    <a:lumOff val="25000"/>
+                  </a:schemeClr>
+                </a:solidFill>
+              </a:rPr>
+              <a:t>Most published results are overstated (at best), not tested on real-world uses</a:t>
+            </a:r>
+          </a:p>
+          <a:p>
+            <a:pPr algn="ctr">
+              <a:lnSpc>
+                <a:spcPct val="150000"/>
+              </a:lnSpc>
+            </a:pPr>
+            <a:r>
+              <a:rPr lang="en-US" sz="2000" dirty="0">
+                <a:solidFill>
+                  <a:schemeClr val="tx1">
+                    <a:lumMod val="75000"/>
+                    <a:lumOff val="25000"/>
+                  </a:schemeClr>
+                </a:solidFill>
+              </a:rPr>
+              <a:t>Try things out for yourself, understand their limitations in your context/use case</a:t>
+            </a:r>
+          </a:p>
+          <a:p>
+            <a:pPr algn="ctr">
+              <a:lnSpc>
+                <a:spcPct val="150000"/>
+              </a:lnSpc>
+            </a:pPr>
+            <a:r>
+              <a:rPr lang="en-US" sz="2000" dirty="0">
+                <a:solidFill>
+                  <a:schemeClr val="tx1">
+                    <a:lumMod val="75000"/>
+                    <a:lumOff val="25000"/>
+                  </a:schemeClr>
+                </a:solidFill>
+              </a:rPr>
+              <a:t>Interpretability is far from a solved problem. So is algorithmic fairness.</a:t>
+            </a:r>
+          </a:p>
+          <a:p>
+            <a:pPr algn="ctr">
+              <a:lnSpc>
+                <a:spcPct val="150000"/>
+              </a:lnSpc>
+            </a:pPr>
+            <a:r>
+              <a:rPr lang="en-US" sz="2000" dirty="0">
+                <a:solidFill>
+                  <a:schemeClr val="tx1">
+                    <a:lumMod val="75000"/>
+                    <a:lumOff val="25000"/>
+                  </a:schemeClr>
+                </a:solidFill>
+              </a:rPr>
+              <a:t>… or for that matter, generalizing to the future, top k classification, etc.</a:t>
+            </a:r>
+          </a:p>
+        </p:txBody>
+      </p:sp>
+    </p:spTree>
+    <p:extLst>
+      <p:ext uri="{BB962C8B-B14F-4D97-AF65-F5344CB8AC3E}">
+        <p14:creationId xmlns:p14="http://schemas.microsoft.com/office/powerpoint/2010/main" val="2463410895"/>
+      </p:ext>
+    </p:extLst>
+  </p:cSld>
+  <p:clrMapOvr>
+    <a:masterClrMapping/>
+  </p:clrMapOvr>
+</p:sld>
+</file>
+
+<file path=ppt/slides/slide13.xml><?xml version="1.0" encoding="utf-8"?>
+<p:sld xmlns:a="http://schemas.openxmlformats.org/drawingml/2006/main" xmlns:r="http://schemas.openxmlformats.org/officeDocument/2006/relationships" xmlns:p="http://schemas.openxmlformats.org/presentationml/2006/main">
+  <p:cSld>
+    <p:spTree>
+      <p:nvGrpSpPr>
+        <p:cNvPr id="1" name=""/>
+        <p:cNvGrpSpPr/>
+        <p:nvPr/>
+      </p:nvGrpSpPr>
+      <p:grpSpPr>
+        <a:xfrm>
+          <a:off x="0" y="0"/>
+          <a:ext cx="0" cy="0"/>
+          <a:chOff x="0" y="0"/>
+          <a:chExt cx="0" cy="0"/>
+        </a:xfrm>
+      </p:grpSpPr>
+      <p:sp>
+        <p:nvSpPr>
+          <p:cNvPr id="2" name="TextBox 1">
+            <a:extLst>
+              <a:ext uri="{FF2B5EF4-FFF2-40B4-BE49-F238E27FC236}">
+                <a16:creationId xmlns:a16="http://schemas.microsoft.com/office/drawing/2014/main" id="{7DB19C05-CED6-C148-A24D-D699C2F6862F}"/>
+              </a:ext>
+            </a:extLst>
+          </p:cNvPr>
+          <p:cNvSpPr txBox="1"/>
+          <p:nvPr/>
+        </p:nvSpPr>
+        <p:spPr>
+          <a:xfrm>
+            <a:off x="0" y="939113"/>
+            <a:ext cx="12192000" cy="1015663"/>
+          </a:xfrm>
+          <a:prstGeom prst="rect">
+            <a:avLst/>
+          </a:prstGeom>
+          <a:noFill/>
+        </p:spPr>
+        <p:txBody>
+          <a:bodyPr wrap="square" rtlCol="0">
+            <a:spAutoFit/>
+          </a:bodyPr>
+          <a:lstStyle/>
+          <a:p>
+            <a:pPr algn="ctr"/>
+            <a:r>
+              <a:rPr lang="en-US" sz="6000" dirty="0"/>
+              <a:t>Models Encode Values</a:t>
+            </a:r>
+          </a:p>
+        </p:txBody>
+      </p:sp>
+      <p:sp>
+        <p:nvSpPr>
+          <p:cNvPr id="3" name="TextBox 2">
+            <a:extLst>
+              <a:ext uri="{FF2B5EF4-FFF2-40B4-BE49-F238E27FC236}">
+                <a16:creationId xmlns:a16="http://schemas.microsoft.com/office/drawing/2014/main" id="{B9A67CE4-74EB-6347-AAAD-BA98D84CDF7A}"/>
+              </a:ext>
+            </a:extLst>
+          </p:cNvPr>
+          <p:cNvSpPr txBox="1"/>
+          <p:nvPr/>
+        </p:nvSpPr>
+        <p:spPr>
+          <a:xfrm>
+            <a:off x="0" y="4485500"/>
+            <a:ext cx="12191999" cy="1881925"/>
+          </a:xfrm>
+          <a:prstGeom prst="rect">
+            <a:avLst/>
+          </a:prstGeom>
+          <a:noFill/>
+        </p:spPr>
+        <p:txBody>
+          <a:bodyPr wrap="square" rtlCol="0">
+            <a:spAutoFit/>
+          </a:bodyPr>
+          <a:lstStyle/>
+          <a:p>
+            <a:pPr algn="ctr">
+              <a:lnSpc>
+                <a:spcPct val="150000"/>
+              </a:lnSpc>
+            </a:pPr>
+            <a:r>
+              <a:rPr lang="en-US" sz="2000" dirty="0">
+                <a:solidFill>
+                  <a:schemeClr val="tx1">
+                    <a:lumMod val="75000"/>
+                    <a:lumOff val="25000"/>
+                  </a:schemeClr>
+                </a:solidFill>
+              </a:rPr>
+              <a:t>Be explicit about what you want the model to do</a:t>
+            </a:r>
+          </a:p>
+          <a:p>
+            <a:pPr algn="ctr">
+              <a:lnSpc>
+                <a:spcPct val="150000"/>
+              </a:lnSpc>
+            </a:pPr>
+            <a:r>
+              <a:rPr lang="en-US" sz="2000" dirty="0">
+                <a:solidFill>
+                  <a:schemeClr val="tx1">
+                    <a:lumMod val="75000"/>
+                    <a:lumOff val="25000"/>
+                  </a:schemeClr>
+                </a:solidFill>
+              </a:rPr>
+              <a:t>… and validate that the model actually does this</a:t>
+            </a:r>
+          </a:p>
+          <a:p>
+            <a:pPr algn="ctr">
+              <a:lnSpc>
+                <a:spcPct val="150000"/>
+              </a:lnSpc>
+            </a:pPr>
+            <a:r>
+              <a:rPr lang="en-US" sz="2000" dirty="0">
+                <a:solidFill>
+                  <a:schemeClr val="tx1">
+                    <a:lumMod val="75000"/>
+                    <a:lumOff val="25000"/>
+                  </a:schemeClr>
+                </a:solidFill>
+              </a:rPr>
+              <a:t>Understand (and seek out) the perspectives of different stakeholders, people affected by model</a:t>
+            </a:r>
+          </a:p>
+          <a:p>
+            <a:pPr algn="ctr">
+              <a:lnSpc>
+                <a:spcPct val="150000"/>
+              </a:lnSpc>
+            </a:pPr>
+            <a:r>
+              <a:rPr lang="en-US" sz="2000" dirty="0">
+                <a:solidFill>
+                  <a:schemeClr val="tx1">
+                    <a:lumMod val="75000"/>
+                    <a:lumOff val="25000"/>
+                  </a:schemeClr>
+                </a:solidFill>
+              </a:rPr>
+              <a:t>Goal is to have a fair overall system, not just a fair model</a:t>
+            </a:r>
+          </a:p>
+        </p:txBody>
+      </p:sp>
+    </p:spTree>
+    <p:extLst>
+      <p:ext uri="{BB962C8B-B14F-4D97-AF65-F5344CB8AC3E}">
+        <p14:creationId xmlns:p14="http://schemas.microsoft.com/office/powerpoint/2010/main" val="3239537904"/>
+      </p:ext>
+    </p:extLst>
+  </p:cSld>
+  <p:clrMapOvr>
+    <a:masterClrMapping/>
+  </p:clrMapOvr>
+</p:sld>
+</file>
+
+<file path=ppt/slides/slide14.xml><?xml version="1.0" encoding="utf-8"?>
+<p:sld xmlns:a="http://schemas.openxmlformats.org/drawingml/2006/main" xmlns:r="http://schemas.openxmlformats.org/officeDocument/2006/relationships" xmlns:p="http://schemas.openxmlformats.org/presentationml/2006/main" show="0">
+  <p:cSld>
+    <p:spTree>
+      <p:nvGrpSpPr>
+        <p:cNvPr id="1" name=""/>
+        <p:cNvGrpSpPr/>
+        <p:nvPr/>
+      </p:nvGrpSpPr>
+      <p:grpSpPr>
+        <a:xfrm>
+          <a:off x="0" y="0"/>
+          <a:ext cx="0" cy="0"/>
+          <a:chOff x="0" y="0"/>
+          <a:chExt cx="0" cy="0"/>
+        </a:xfrm>
+      </p:grpSpPr>
+      <p:sp>
+        <p:nvSpPr>
+          <p:cNvPr id="4" name="Rectangle 3">
+            <a:extLst>
+              <a:ext uri="{FF2B5EF4-FFF2-40B4-BE49-F238E27FC236}">
+                <a16:creationId xmlns:a16="http://schemas.microsoft.com/office/drawing/2014/main" id="{8F4F0EC1-24D0-2F41-904B-6732FB3D5328}"/>
+              </a:ext>
+            </a:extLst>
+          </p:cNvPr>
+          <p:cNvSpPr/>
+          <p:nvPr/>
+        </p:nvSpPr>
+        <p:spPr>
+          <a:xfrm>
+            <a:off x="0" y="0"/>
+            <a:ext cx="12192000" cy="6858000"/>
+          </a:xfrm>
+          <a:prstGeom prst="rect">
+            <a:avLst/>
+          </a:prstGeom>
+          <a:solidFill>
+            <a:srgbClr val="A61B00"/>
+          </a:solidFill>
+          <a:ln>
+            <a:solidFill>
+              <a:srgbClr val="A61B00"/>
+            </a:solidFill>
+          </a:ln>
+        </p:spPr>
+        <p:style>
+          <a:lnRef idx="2">
+            <a:schemeClr val="accent1">
+              <a:shade val="50000"/>
+            </a:schemeClr>
+          </a:lnRef>
+          <a:fillRef idx="1">
+            <a:schemeClr val="accent1"/>
+          </a:fillRef>
+          <a:effectRef idx="0">
+            <a:schemeClr val="accent1"/>
+          </a:effectRef>
+          <a:fontRef idx="minor">
+            <a:schemeClr val="lt1"/>
+          </a:fontRef>
+        </p:style>
+        <p:txBody>
+          <a:bodyPr rtlCol="0" anchor="ctr"/>
+          <a:lstStyle/>
+          <a:p>
+            <a:pPr algn="ctr"/>
+            <a:r>
+              <a:rPr lang="en-US" sz="6000" dirty="0"/>
+              <a:t>Wrap-Up and Review</a:t>
+            </a:r>
+          </a:p>
+        </p:txBody>
+      </p:sp>
+    </p:spTree>
+    <p:extLst>
+      <p:ext uri="{BB962C8B-B14F-4D97-AF65-F5344CB8AC3E}">
+        <p14:creationId xmlns:p14="http://schemas.microsoft.com/office/powerpoint/2010/main" val="3824639490"/>
+      </p:ext>
+    </p:extLst>
+  </p:cSld>
+  <p:clrMapOvr>
+    <a:masterClrMapping/>
+  </p:clrMapOvr>
+</p:sld>
+</file>
+
+<file path=ppt/slides/slide15.xml><?xml version="1.0" encoding="utf-8"?>
+<p:sld xmlns:a="http://schemas.openxmlformats.org/drawingml/2006/main" xmlns:r="http://schemas.openxmlformats.org/officeDocument/2006/relationships" xmlns:p="http://schemas.openxmlformats.org/presentationml/2006/main" show="0">
+  <p:cSld>
+    <p:spTree>
+      <p:nvGrpSpPr>
+        <p:cNvPr id="1" name=""/>
+        <p:cNvGrpSpPr/>
+        <p:nvPr/>
+      </p:nvGrpSpPr>
+      <p:grpSpPr>
+        <a:xfrm>
+          <a:off x="0" y="0"/>
+          <a:ext cx="0" cy="0"/>
+          <a:chOff x="0" y="0"/>
+          <a:chExt cx="0" cy="0"/>
+        </a:xfrm>
+      </p:grpSpPr>
+      <p:sp>
+        <p:nvSpPr>
+          <p:cNvPr id="2" name="Title 1">
+            <a:extLst>
+              <a:ext uri="{FF2B5EF4-FFF2-40B4-BE49-F238E27FC236}">
+                <a16:creationId xmlns:a16="http://schemas.microsoft.com/office/drawing/2014/main" id="{94CF2A94-A63F-6149-AA28-2E35B60E3D3E}"/>
+              </a:ext>
+            </a:extLst>
+          </p:cNvPr>
+          <p:cNvSpPr>
+            <a:spLocks noGrp="1"/>
+          </p:cNvSpPr>
+          <p:nvPr>
+            <p:ph type="title"/>
+          </p:nvPr>
+        </p:nvSpPr>
+        <p:spPr/>
+        <p:txBody>
+          <a:bodyPr/>
+          <a:lstStyle/>
+          <a:p>
+            <a:endParaRPr lang="en-US"/>
+          </a:p>
+        </p:txBody>
+      </p:sp>
+      <p:graphicFrame>
+        <p:nvGraphicFramePr>
+          <p:cNvPr id="3" name="Diagram 2">
+            <a:extLst>
+              <a:ext uri="{FF2B5EF4-FFF2-40B4-BE49-F238E27FC236}">
+                <a16:creationId xmlns:a16="http://schemas.microsoft.com/office/drawing/2014/main" id="{8E902576-68A9-6E48-B0FE-5B1889953DC8}"/>
+              </a:ext>
+            </a:extLst>
+          </p:cNvPr>
+          <p:cNvGraphicFramePr/>
+          <p:nvPr/>
+        </p:nvGraphicFramePr>
+        <p:xfrm>
+          <a:off x="180467" y="0"/>
+          <a:ext cx="11776400" cy="6858000"/>
+        </p:xfrm>
+        <a:graphic>
+          <a:graphicData uri="http://schemas.openxmlformats.org/drawingml/2006/diagram">
+            <dgm:relIds xmlns:dgm="http://schemas.openxmlformats.org/drawingml/2006/diagram" xmlns:r="http://schemas.openxmlformats.org/officeDocument/2006/relationships" r:dm="rId2" r:lo="rId3" r:qs="rId4" r:cs="rId5"/>
+          </a:graphicData>
+        </a:graphic>
+      </p:graphicFrame>
+    </p:spTree>
+    <p:extLst>
+      <p:ext uri="{BB962C8B-B14F-4D97-AF65-F5344CB8AC3E}">
+        <p14:creationId xmlns:p14="http://schemas.microsoft.com/office/powerpoint/2010/main" val="3185892106"/>
+      </p:ext>
+    </p:extLst>
+  </p:cSld>
+  <p:clrMapOvr>
+    <a:masterClrMapping/>
+  </p:clrMapOvr>
+</p:sld>
+</file>
+
+<file path=ppt/slides/slide16.xml><?xml version="1.0" encoding="utf-8"?>
+<p:sld xmlns:a="http://schemas.openxmlformats.org/drawingml/2006/main" xmlns:r="http://schemas.openxmlformats.org/officeDocument/2006/relationships" xmlns:p="http://schemas.openxmlformats.org/presentationml/2006/main" show="0">
+  <p:cSld>
+    <p:spTree>
+      <p:nvGrpSpPr>
+        <p:cNvPr id="1" name=""/>
+        <p:cNvGrpSpPr/>
+        <p:nvPr/>
+      </p:nvGrpSpPr>
+      <p:grpSpPr>
+        <a:xfrm>
+          <a:off x="0" y="0"/>
+          <a:ext cx="0" cy="0"/>
+          <a:chOff x="0" y="0"/>
+          <a:chExt cx="0" cy="0"/>
+        </a:xfrm>
+      </p:grpSpPr>
+      <p:sp>
+        <p:nvSpPr>
+          <p:cNvPr id="2" name="Content Placeholder 1"/>
+          <p:cNvSpPr>
+            <a:spLocks noGrp="1"/>
+          </p:cNvSpPr>
+          <p:nvPr>
+            <p:ph type="body" idx="1"/>
+          </p:nvPr>
+        </p:nvSpPr>
+        <p:spPr>
+          <a:xfrm>
+            <a:off x="268210" y="1632046"/>
+            <a:ext cx="11666400" cy="4954500"/>
+          </a:xfrm>
+        </p:spPr>
+        <p:txBody>
+          <a:bodyPr/>
+          <a:lstStyle/>
+          <a:p>
+            <a:r>
+              <a:rPr lang="en-US" b="1" dirty="0">
+                <a:solidFill>
+                  <a:schemeClr val="tx1"/>
+                </a:solidFill>
+              </a:rPr>
+              <a:t>Scope: </a:t>
+            </a:r>
+            <a:r>
+              <a:rPr lang="en-US" dirty="0">
+                <a:solidFill>
+                  <a:schemeClr val="tx1"/>
+                </a:solidFill>
+              </a:rPr>
+              <a:t>Goals, Actions, Data, Analysis, Ethics</a:t>
+            </a:r>
+          </a:p>
+          <a:p>
+            <a:r>
+              <a:rPr lang="en-US" b="1" dirty="0">
+                <a:solidFill>
+                  <a:schemeClr val="tx1"/>
+                </a:solidFill>
+              </a:rPr>
+              <a:t>Data: </a:t>
+            </a:r>
+            <a:r>
+              <a:rPr lang="en-US" dirty="0">
+                <a:solidFill>
+                  <a:schemeClr val="tx1"/>
+                </a:solidFill>
+              </a:rPr>
+              <a:t>Getting, storing, linking, exploring, and understanding</a:t>
+            </a:r>
+          </a:p>
+          <a:p>
+            <a:r>
+              <a:rPr lang="en-US" b="1" dirty="0">
+                <a:solidFill>
+                  <a:schemeClr val="tx1"/>
+                </a:solidFill>
+              </a:rPr>
+              <a:t>Formulation</a:t>
+            </a:r>
+            <a:r>
+              <a:rPr lang="en-US" dirty="0">
+                <a:solidFill>
+                  <a:schemeClr val="tx1"/>
+                </a:solidFill>
+              </a:rPr>
+              <a:t>: Rows, Labels, Time, Metric, Baselines</a:t>
+            </a:r>
+          </a:p>
+          <a:p>
+            <a:r>
+              <a:rPr lang="en-US" b="1" dirty="0">
+                <a:solidFill>
+                  <a:schemeClr val="tx1"/>
+                </a:solidFill>
+              </a:rPr>
+              <a:t>Pipeline</a:t>
+            </a:r>
+            <a:r>
+              <a:rPr lang="en-US" dirty="0">
+                <a:solidFill>
+                  <a:schemeClr val="tx1"/>
+                </a:solidFill>
+              </a:rPr>
+              <a:t>: Rows, Labels, Features, Train-Validation Pairs, Metrics, Models + </a:t>
+            </a:r>
+            <a:r>
+              <a:rPr lang="en-US" dirty="0" err="1">
+                <a:solidFill>
+                  <a:schemeClr val="tx1"/>
+                </a:solidFill>
+              </a:rPr>
+              <a:t>hps</a:t>
+            </a:r>
+            <a:endParaRPr lang="en-US" dirty="0">
+              <a:solidFill>
+                <a:schemeClr val="tx1"/>
+              </a:solidFill>
+            </a:endParaRPr>
+          </a:p>
+          <a:p>
+            <a:r>
+              <a:rPr lang="en-US" b="1" dirty="0">
+                <a:solidFill>
+                  <a:schemeClr val="tx1"/>
+                </a:solidFill>
+              </a:rPr>
+              <a:t>Model Selection:</a:t>
+            </a:r>
+          </a:p>
+          <a:p>
+            <a:pPr lvl="1"/>
+            <a:r>
+              <a:rPr lang="en-US" dirty="0">
+                <a:solidFill>
+                  <a:schemeClr val="tx1"/>
+                </a:solidFill>
+              </a:rPr>
+              <a:t>Run Experiments</a:t>
+            </a:r>
+          </a:p>
+          <a:p>
+            <a:pPr lvl="1"/>
+            <a:r>
+              <a:rPr lang="en-US" dirty="0">
+                <a:solidFill>
+                  <a:schemeClr val="tx1"/>
+                </a:solidFill>
+              </a:rPr>
+              <a:t>Analyze results to choose best model</a:t>
+            </a:r>
+          </a:p>
+          <a:p>
+            <a:pPr lvl="1"/>
+            <a:r>
+              <a:rPr lang="en-US" dirty="0">
+                <a:solidFill>
+                  <a:schemeClr val="tx1"/>
+                </a:solidFill>
+              </a:rPr>
+              <a:t>Iterate</a:t>
+            </a:r>
+            <a:br>
+              <a:rPr lang="en-US" dirty="0">
+                <a:solidFill>
+                  <a:schemeClr val="tx1"/>
+                </a:solidFill>
+              </a:rPr>
+            </a:br>
+            <a:endParaRPr lang="en-US" dirty="0">
+              <a:solidFill>
+                <a:schemeClr val="tx1"/>
+              </a:solidFill>
+            </a:endParaRPr>
+          </a:p>
+          <a:p>
+            <a:pPr marL="114300" indent="0">
+              <a:buNone/>
+            </a:pPr>
+            <a:endParaRPr lang="en-US" dirty="0"/>
+          </a:p>
+        </p:txBody>
+      </p:sp>
+      <p:sp>
+        <p:nvSpPr>
+          <p:cNvPr id="3" name="Title 2"/>
+          <p:cNvSpPr>
+            <a:spLocks noGrp="1"/>
+          </p:cNvSpPr>
+          <p:nvPr>
+            <p:ph type="title"/>
+          </p:nvPr>
+        </p:nvSpPr>
+        <p:spPr>
+          <a:xfrm>
+            <a:off x="0" y="325028"/>
+            <a:ext cx="12192000" cy="1143000"/>
+          </a:xfrm>
+        </p:spPr>
+        <p:txBody>
+          <a:bodyPr/>
+          <a:lstStyle/>
+          <a:p>
+            <a:r>
+              <a:rPr lang="en-US" dirty="0">
+                <a:solidFill>
+                  <a:schemeClr val="bg1"/>
+                </a:solidFill>
+              </a:rPr>
+              <a:t>Recap so far</a:t>
+            </a:r>
+          </a:p>
+        </p:txBody>
+      </p:sp>
+    </p:spTree>
+    <p:extLst>
+      <p:ext uri="{BB962C8B-B14F-4D97-AF65-F5344CB8AC3E}">
+        <p14:creationId xmlns:p14="http://schemas.microsoft.com/office/powerpoint/2010/main" val="3564818151"/>
+      </p:ext>
+    </p:extLst>
+  </p:cSld>
+  <p:clrMapOvr>
+    <a:masterClrMapping/>
+  </p:clrMapOvr>
+</p:sld>
+</file>
+
+<file path=ppt/slides/slide17.xml><?xml version="1.0" encoding="utf-8"?>
+<p:sld xmlns:a="http://schemas.openxmlformats.org/drawingml/2006/main" xmlns:r="http://schemas.openxmlformats.org/officeDocument/2006/relationships" xmlns:p="http://schemas.openxmlformats.org/presentationml/2006/main" show="0">
+  <p:cSld>
+    <p:spTree>
+      <p:nvGrpSpPr>
+        <p:cNvPr id="1" name="Shape 93"/>
+        <p:cNvGrpSpPr/>
+        <p:nvPr/>
+      </p:nvGrpSpPr>
+      <p:grpSpPr>
+        <a:xfrm>
+          <a:off x="0" y="0"/>
+          <a:ext cx="0" cy="0"/>
+          <a:chOff x="0" y="0"/>
+          <a:chExt cx="0" cy="0"/>
+        </a:xfrm>
+      </p:grpSpPr>
+      <p:sp>
+        <p:nvSpPr>
+          <p:cNvPr id="94" name="Google Shape;94;p5"/>
+          <p:cNvSpPr txBox="1"/>
+          <p:nvPr/>
+        </p:nvSpPr>
+        <p:spPr>
+          <a:xfrm>
+            <a:off x="1981200" y="5624513"/>
+            <a:ext cx="2133600" cy="273900"/>
+          </a:xfrm>
+          <a:prstGeom prst="rect">
+            <a:avLst/>
+          </a:prstGeom>
+          <a:noFill/>
+          <a:ln>
+            <a:noFill/>
+          </a:ln>
+        </p:spPr>
+        <p:txBody>
+          <a:bodyPr spcFirstLastPara="1" wrap="square" lIns="91425" tIns="91425" rIns="91425" bIns="91425" anchor="ctr" anchorCtr="0">
+            <a:noAutofit/>
+          </a:bodyPr>
+          <a:lstStyle/>
+          <a:p>
+            <a:pPr marL="0" marR="0" lvl="0" indent="0" algn="l" rtl="0">
+              <a:spcBef>
+                <a:spcPts val="0"/>
+              </a:spcBef>
+              <a:spcAft>
+                <a:spcPts val="0"/>
+              </a:spcAft>
+              <a:buNone/>
+            </a:pPr>
+            <a:endParaRPr sz="2400" b="0" i="0" u="none" strike="noStrike" cap="none">
+              <a:solidFill>
+                <a:srgbClr val="000000"/>
+              </a:solidFill>
+              <a:latin typeface="Calibri"/>
+              <a:ea typeface="Calibri"/>
+              <a:cs typeface="Calibri"/>
+              <a:sym typeface="Calibri"/>
+            </a:endParaRPr>
+          </a:p>
+        </p:txBody>
+      </p:sp>
+      <p:sp>
+        <p:nvSpPr>
+          <p:cNvPr id="95" name="Google Shape;95;p5"/>
+          <p:cNvSpPr txBox="1"/>
+          <p:nvPr/>
+        </p:nvSpPr>
+        <p:spPr>
+          <a:xfrm>
+            <a:off x="4648200" y="5624513"/>
+            <a:ext cx="2895600" cy="273900"/>
+          </a:xfrm>
+          <a:prstGeom prst="rect">
+            <a:avLst/>
+          </a:prstGeom>
+          <a:noFill/>
+          <a:ln>
+            <a:noFill/>
+          </a:ln>
+        </p:spPr>
+        <p:txBody>
+          <a:bodyPr spcFirstLastPara="1" wrap="square" lIns="91425" tIns="91425" rIns="91425" bIns="91425" anchor="ctr" anchorCtr="0">
+            <a:noAutofit/>
+          </a:bodyPr>
+          <a:lstStyle/>
+          <a:p>
+            <a:pPr marL="0" marR="0" lvl="0" indent="0" algn="ctr" rtl="0">
+              <a:spcBef>
+                <a:spcPts val="0"/>
+              </a:spcBef>
+              <a:spcAft>
+                <a:spcPts val="0"/>
+              </a:spcAft>
+              <a:buNone/>
+            </a:pPr>
+            <a:endParaRPr sz="2400" b="0" i="0" u="none" strike="noStrike" cap="none">
+              <a:solidFill>
+                <a:srgbClr val="000000"/>
+              </a:solidFill>
+              <a:latin typeface="Calibri"/>
+              <a:ea typeface="Calibri"/>
+              <a:cs typeface="Calibri"/>
+              <a:sym typeface="Calibri"/>
+            </a:endParaRPr>
+          </a:p>
+        </p:txBody>
+      </p:sp>
+      <p:sp>
+        <p:nvSpPr>
+          <p:cNvPr id="97" name="Google Shape;97;p5"/>
+          <p:cNvSpPr txBox="1"/>
+          <p:nvPr/>
+        </p:nvSpPr>
+        <p:spPr>
+          <a:xfrm>
+            <a:off x="1526024" y="5700726"/>
+            <a:ext cx="9144000" cy="273900"/>
+          </a:xfrm>
+          <a:prstGeom prst="rect">
+            <a:avLst/>
+          </a:prstGeom>
+          <a:noFill/>
+          <a:ln>
+            <a:noFill/>
+          </a:ln>
+        </p:spPr>
+        <p:txBody>
+          <a:bodyPr spcFirstLastPara="1" wrap="square" lIns="91425" tIns="45700" rIns="91425" bIns="45700" anchor="ctr" anchorCtr="0">
+            <a:noAutofit/>
+          </a:bodyPr>
+          <a:lstStyle/>
+          <a:p>
+            <a:pPr marL="0" marR="0" lvl="0" indent="0" algn="ctr" rtl="0">
+              <a:spcBef>
+                <a:spcPts val="0"/>
+              </a:spcBef>
+              <a:spcAft>
+                <a:spcPts val="0"/>
+              </a:spcAft>
+              <a:buNone/>
+            </a:pPr>
+            <a:r>
+              <a:rPr lang="en-US" sz="1200" b="0" i="0" u="none" strike="noStrike" cap="none">
+                <a:solidFill>
+                  <a:srgbClr val="FFFFFF"/>
+                </a:solidFill>
+                <a:latin typeface="Calibri"/>
+                <a:ea typeface="Calibri"/>
+                <a:cs typeface="Calibri"/>
+                <a:sym typeface="Calibri"/>
+              </a:rPr>
+              <a:t>Center for Data Science and Public Policy</a:t>
+            </a:r>
+            <a:br>
+              <a:rPr lang="en-US" sz="1200" b="0" i="0" u="none" strike="noStrike" cap="none">
+                <a:solidFill>
+                  <a:srgbClr val="FFFFFF"/>
+                </a:solidFill>
+                <a:latin typeface="Calibri"/>
+                <a:ea typeface="Calibri"/>
+                <a:cs typeface="Calibri"/>
+                <a:sym typeface="Calibri"/>
+              </a:rPr>
+            </a:br>
+            <a:r>
+              <a:rPr lang="en-US" sz="1200" b="0" i="0" u="none" strike="noStrike" cap="none">
+                <a:solidFill>
+                  <a:srgbClr val="FFFFFF"/>
+                </a:solidFill>
+                <a:latin typeface="Calibri"/>
+                <a:ea typeface="Calibri"/>
+                <a:cs typeface="Calibri"/>
+                <a:sym typeface="Calibri"/>
+              </a:rPr>
+              <a:t>University of Chicago</a:t>
+            </a:r>
+            <a:endParaRPr/>
+          </a:p>
+          <a:p>
+            <a:pPr marL="0" marR="0" lvl="0" indent="0" algn="ctr" rtl="0">
+              <a:spcBef>
+                <a:spcPts val="0"/>
+              </a:spcBef>
+              <a:spcAft>
+                <a:spcPts val="0"/>
+              </a:spcAft>
+              <a:buNone/>
+            </a:pPr>
+            <a:endParaRPr sz="1200" b="0" i="0" u="none" strike="noStrike" cap="none">
+              <a:solidFill>
+                <a:srgbClr val="FFFFFF"/>
+              </a:solidFill>
+              <a:latin typeface="Calibri"/>
+              <a:ea typeface="Calibri"/>
+              <a:cs typeface="Calibri"/>
+              <a:sym typeface="Calibri"/>
+            </a:endParaRPr>
+          </a:p>
+        </p:txBody>
+      </p:sp>
+      <p:sp>
+        <p:nvSpPr>
+          <p:cNvPr id="98" name="Google Shape;98;p5"/>
+          <p:cNvSpPr txBox="1"/>
+          <p:nvPr/>
+        </p:nvSpPr>
+        <p:spPr>
+          <a:xfrm>
+            <a:off x="1739600" y="5624526"/>
+            <a:ext cx="1592400" cy="273900"/>
+          </a:xfrm>
+          <a:prstGeom prst="rect">
+            <a:avLst/>
+          </a:prstGeom>
+          <a:noFill/>
+          <a:ln>
+            <a:noFill/>
+          </a:ln>
+        </p:spPr>
+        <p:txBody>
+          <a:bodyPr spcFirstLastPara="1" wrap="square" lIns="91425" tIns="45700" rIns="91425" bIns="45700" anchor="ctr" anchorCtr="0">
+            <a:noAutofit/>
+          </a:bodyPr>
+          <a:lstStyle/>
+          <a:p>
+            <a:pPr marL="0" marR="0" lvl="0" indent="0" algn="l" rtl="0">
+              <a:spcBef>
+                <a:spcPts val="0"/>
+              </a:spcBef>
+              <a:spcAft>
+                <a:spcPts val="0"/>
+              </a:spcAft>
+              <a:buNone/>
+            </a:pPr>
+            <a:r>
+              <a:rPr lang="en-US" sz="1200" b="0" i="0" u="none" strike="noStrike" cap="none">
+                <a:solidFill>
+                  <a:srgbClr val="FFFFFF"/>
+                </a:solidFill>
+                <a:latin typeface="Calibri"/>
+                <a:ea typeface="Calibri"/>
+                <a:cs typeface="Calibri"/>
+                <a:sym typeface="Calibri"/>
+              </a:rPr>
+              <a:t>dsapp.uchicago.edu</a:t>
+            </a:r>
+            <a:endParaRPr/>
+          </a:p>
+        </p:txBody>
+      </p:sp>
+      <p:sp>
+        <p:nvSpPr>
+          <p:cNvPr id="100" name="Google Shape;100;p5"/>
+          <p:cNvSpPr txBox="1">
+            <a:spLocks noGrp="1"/>
+          </p:cNvSpPr>
+          <p:nvPr>
+            <p:ph type="body" idx="1"/>
+          </p:nvPr>
+        </p:nvSpPr>
+        <p:spPr>
+          <a:xfrm>
+            <a:off x="415600" y="1536625"/>
+            <a:ext cx="8421900" cy="5060700"/>
+          </a:xfrm>
+          <a:prstGeom prst="rect">
+            <a:avLst/>
+          </a:prstGeom>
+          <a:noFill/>
+          <a:ln>
+            <a:noFill/>
+          </a:ln>
+        </p:spPr>
+        <p:txBody>
+          <a:bodyPr spcFirstLastPara="1" wrap="square" lIns="91425" tIns="91425" rIns="91425" bIns="91425" anchor="t" anchorCtr="0">
+            <a:noAutofit/>
+          </a:bodyPr>
+          <a:lstStyle/>
+          <a:p>
+            <a:pPr marL="457189" lvl="0" indent="-228594" algn="l" rtl="0">
+              <a:spcBef>
+                <a:spcPts val="0"/>
+              </a:spcBef>
+              <a:spcAft>
+                <a:spcPts val="0"/>
+              </a:spcAft>
+              <a:buClr>
+                <a:schemeClr val="dk1"/>
+              </a:buClr>
+              <a:buSzPts val="2800"/>
+              <a:buAutoNum type="arabicPeriod"/>
+            </a:pPr>
+            <a:r>
+              <a:rPr lang="en-US" sz="2800" b="1" dirty="0"/>
+              <a:t> Goals</a:t>
+            </a:r>
+            <a:r>
+              <a:rPr lang="en-US" sz="2800" dirty="0"/>
+              <a:t>: Define the goal(s) of the project</a:t>
+            </a:r>
+            <a:br>
+              <a:rPr lang="en-US" sz="2800" dirty="0"/>
+            </a:br>
+            <a:endParaRPr sz="1200" dirty="0"/>
+          </a:p>
+          <a:p>
+            <a:pPr marL="457189" lvl="0" indent="-228594" algn="l" rtl="0">
+              <a:spcBef>
+                <a:spcPts val="560"/>
+              </a:spcBef>
+              <a:spcAft>
+                <a:spcPts val="0"/>
+              </a:spcAft>
+              <a:buClr>
+                <a:schemeClr val="dk1"/>
+              </a:buClr>
+              <a:buSzPts val="2800"/>
+              <a:buAutoNum type="arabicPeriod"/>
+            </a:pPr>
+            <a:r>
+              <a:rPr lang="en-US" sz="2800" b="1" dirty="0"/>
+              <a:t> Actions</a:t>
+            </a:r>
+            <a:r>
+              <a:rPr lang="en-US" sz="2800" dirty="0"/>
+              <a:t>: What actions/interventions will you inform?</a:t>
+            </a:r>
+            <a:br>
+              <a:rPr lang="en-US" sz="2800" dirty="0"/>
+            </a:br>
+            <a:endParaRPr sz="1200" dirty="0"/>
+          </a:p>
+          <a:p>
+            <a:pPr marL="457189" lvl="0" indent="-228594" algn="l" rtl="0">
+              <a:spcBef>
+                <a:spcPts val="560"/>
+              </a:spcBef>
+              <a:spcAft>
+                <a:spcPts val="0"/>
+              </a:spcAft>
+              <a:buClr>
+                <a:schemeClr val="dk1"/>
+              </a:buClr>
+              <a:buSzPts val="2800"/>
+              <a:buAutoNum type="arabicPeriod"/>
+            </a:pPr>
+            <a:r>
+              <a:rPr lang="en-US" sz="2800" b="1" dirty="0"/>
+              <a:t> Data</a:t>
+            </a:r>
+            <a:r>
+              <a:rPr lang="en-US" sz="2800" dirty="0"/>
+              <a:t>: What data do you have internally? What data do you need? What can you augment from external and public sources?</a:t>
+            </a:r>
+            <a:br>
+              <a:rPr lang="en-US" sz="2800" dirty="0"/>
+            </a:br>
+            <a:endParaRPr sz="1200" dirty="0"/>
+          </a:p>
+          <a:p>
+            <a:pPr marL="457189" lvl="0" indent="-228594" algn="l" rtl="0">
+              <a:spcBef>
+                <a:spcPts val="560"/>
+              </a:spcBef>
+              <a:spcAft>
+                <a:spcPts val="0"/>
+              </a:spcAft>
+              <a:buClr>
+                <a:schemeClr val="dk1"/>
+              </a:buClr>
+              <a:buSzPts val="2800"/>
+              <a:buAutoNum type="arabicPeriod"/>
+            </a:pPr>
+            <a:r>
+              <a:rPr lang="en-US" sz="2800" b="1" dirty="0"/>
+              <a:t> Analysis</a:t>
+            </a:r>
+            <a:r>
+              <a:rPr lang="en-US" sz="2800" dirty="0"/>
+              <a:t>: What analysis needs to be done? </a:t>
+            </a:r>
+            <a:br>
+              <a:rPr lang="en-US" sz="2800" dirty="0"/>
+            </a:br>
+            <a:r>
+              <a:rPr lang="en-US" sz="2800" dirty="0"/>
+              <a:t>How will it be validated?</a:t>
+            </a:r>
+            <a:endParaRPr dirty="0"/>
+          </a:p>
+        </p:txBody>
+      </p:sp>
+      <p:sp>
+        <p:nvSpPr>
+          <p:cNvPr id="101" name="Google Shape;101;p5"/>
+          <p:cNvSpPr txBox="1">
+            <a:spLocks noGrp="1"/>
+          </p:cNvSpPr>
+          <p:nvPr>
+            <p:ph type="title"/>
+          </p:nvPr>
+        </p:nvSpPr>
+        <p:spPr>
+          <a:xfrm>
+            <a:off x="415600" y="-1"/>
+            <a:ext cx="11360700" cy="1356900"/>
+          </a:xfrm>
+          <a:prstGeom prst="rect">
+            <a:avLst/>
+          </a:prstGeom>
+          <a:noFill/>
+          <a:ln>
+            <a:noFill/>
+          </a:ln>
+        </p:spPr>
+        <p:txBody>
+          <a:bodyPr spcFirstLastPara="1" wrap="square" lIns="91425" tIns="91425" rIns="91425" bIns="91425" anchor="ctr" anchorCtr="0">
+            <a:noAutofit/>
+          </a:bodyPr>
+          <a:lstStyle/>
+          <a:p>
+            <a:pPr marL="0" lvl="0" indent="0" algn="ctr" rtl="0">
+              <a:spcBef>
+                <a:spcPts val="0"/>
+              </a:spcBef>
+              <a:spcAft>
+                <a:spcPts val="0"/>
+              </a:spcAft>
+              <a:buNone/>
+            </a:pPr>
+            <a:r>
+              <a:rPr lang="en-US" sz="4600"/>
+              <a:t>Actionable and Goal-Driven Project Scope</a:t>
+            </a:r>
+            <a:endParaRPr sz="4600"/>
+          </a:p>
+        </p:txBody>
+      </p:sp>
+      <p:pic>
+        <p:nvPicPr>
+          <p:cNvPr id="102" name="Google Shape;102;p5"/>
+          <p:cNvPicPr preferRelativeResize="0"/>
+          <p:nvPr/>
+        </p:nvPicPr>
+        <p:blipFill rotWithShape="1">
+          <a:blip r:embed="rId3">
+            <a:alphaModFix/>
+          </a:blip>
+          <a:srcRect/>
+          <a:stretch/>
+        </p:blipFill>
+        <p:spPr>
+          <a:xfrm>
+            <a:off x="8906232" y="1993197"/>
+            <a:ext cx="3068139" cy="3068139"/>
+          </a:xfrm>
+          <a:prstGeom prst="rect">
+            <a:avLst/>
+          </a:prstGeom>
+          <a:noFill/>
+          <a:ln>
+            <a:noFill/>
+          </a:ln>
+        </p:spPr>
+      </p:pic>
+      <p:sp>
+        <p:nvSpPr>
+          <p:cNvPr id="2" name="Oval 1">
+            <a:extLst>
+              <a:ext uri="{FF2B5EF4-FFF2-40B4-BE49-F238E27FC236}">
+                <a16:creationId xmlns:a16="http://schemas.microsoft.com/office/drawing/2014/main" id="{C736F2E3-72B2-8B48-B9B1-B77FD0E1F34E}"/>
+              </a:ext>
+            </a:extLst>
+          </p:cNvPr>
+          <p:cNvSpPr/>
+          <p:nvPr/>
+        </p:nvSpPr>
+        <p:spPr>
+          <a:xfrm>
+            <a:off x="10046043" y="3113903"/>
+            <a:ext cx="790832" cy="790832"/>
+          </a:xfrm>
+          <a:prstGeom prst="ellipse">
+            <a:avLst/>
+          </a:prstGeom>
+          <a:solidFill>
+            <a:schemeClr val="bg2">
+              <a:lumMod val="60000"/>
+              <a:lumOff val="40000"/>
+            </a:schemeClr>
+          </a:solidFill>
+          <a:ln w="6350">
+            <a:solidFill>
+              <a:schemeClr val="tx1"/>
+            </a:solidFill>
+          </a:ln>
+        </p:spPr>
+        <p:style>
+          <a:lnRef idx="2">
+            <a:schemeClr val="accent1">
+              <a:shade val="50000"/>
+            </a:schemeClr>
+          </a:lnRef>
+          <a:fillRef idx="1">
+            <a:schemeClr val="accent1"/>
+          </a:fillRef>
+          <a:effectRef idx="0">
+            <a:schemeClr val="accent1"/>
+          </a:effectRef>
+          <a:fontRef idx="minor">
+            <a:schemeClr val="lt1"/>
+          </a:fontRef>
+        </p:style>
+        <p:txBody>
+          <a:bodyPr rtlCol="0" anchor="ctr"/>
+          <a:lstStyle/>
+          <a:p>
+            <a:pPr algn="ctr"/>
+            <a:endParaRPr lang="en-US" dirty="0"/>
+          </a:p>
+        </p:txBody>
+      </p:sp>
+      <p:sp>
+        <p:nvSpPr>
+          <p:cNvPr id="3" name="TextBox 2">
+            <a:extLst>
+              <a:ext uri="{FF2B5EF4-FFF2-40B4-BE49-F238E27FC236}">
+                <a16:creationId xmlns:a16="http://schemas.microsoft.com/office/drawing/2014/main" id="{DA87942D-D5AE-0D41-99E6-B24EE8D8E5E7}"/>
+              </a:ext>
+            </a:extLst>
+          </p:cNvPr>
+          <p:cNvSpPr txBox="1"/>
+          <p:nvPr/>
+        </p:nvSpPr>
+        <p:spPr>
+          <a:xfrm>
+            <a:off x="10103510" y="3355430"/>
+            <a:ext cx="673582" cy="307777"/>
+          </a:xfrm>
+          <a:prstGeom prst="rect">
+            <a:avLst/>
+          </a:prstGeom>
+          <a:noFill/>
+        </p:spPr>
+        <p:txBody>
+          <a:bodyPr wrap="none" rtlCol="0">
+            <a:spAutoFit/>
+          </a:bodyPr>
+          <a:lstStyle/>
+          <a:p>
+            <a:r>
+              <a:rPr lang="en-US" dirty="0"/>
+              <a:t>Ethics</a:t>
+            </a:r>
+          </a:p>
+        </p:txBody>
+      </p:sp>
+    </p:spTree>
+  </p:cSld>
+  <p:clrMapOvr>
+    <a:masterClrMapping/>
+  </p:clrMapOvr>
+</p:sld>
+</file>
+
+<file path=ppt/slides/slide18.xml><?xml version="1.0" encoding="utf-8"?>
+<p:sld xmlns:a="http://schemas.openxmlformats.org/drawingml/2006/main" xmlns:r="http://schemas.openxmlformats.org/officeDocument/2006/relationships" xmlns:p="http://schemas.openxmlformats.org/presentationml/2006/main" show="0">
+  <p:cSld>
+    <p:spTree>
+      <p:nvGrpSpPr>
+        <p:cNvPr id="1" name=""/>
+        <p:cNvGrpSpPr/>
+        <p:nvPr/>
+      </p:nvGrpSpPr>
+      <p:grpSpPr>
+        <a:xfrm>
+          <a:off x="0" y="0"/>
+          <a:ext cx="0" cy="0"/>
+          <a:chOff x="0" y="0"/>
+          <a:chExt cx="0" cy="0"/>
+        </a:xfrm>
+      </p:grpSpPr>
+      <p:sp>
+        <p:nvSpPr>
           <p:cNvPr id="3" name="Title 2">
             <a:extLst>
               <a:ext uri="{FF2B5EF4-FFF2-40B4-BE49-F238E27FC236}">
@@ -23398,8 +25092,8 @@
 </p:sld>
 </file>
 
-<file path=ppt/slides/slide11.xml><?xml version="1.0" encoding="utf-8"?>
-<p:sld xmlns:a="http://schemas.openxmlformats.org/drawingml/2006/main" xmlns:r="http://schemas.openxmlformats.org/officeDocument/2006/relationships" xmlns:p="http://schemas.openxmlformats.org/presentationml/2006/main">
+<file path=ppt/slides/slide19.xml><?xml version="1.0" encoding="utf-8"?>
+<p:sld xmlns:a="http://schemas.openxmlformats.org/drawingml/2006/main" xmlns:r="http://schemas.openxmlformats.org/officeDocument/2006/relationships" xmlns:p="http://schemas.openxmlformats.org/presentationml/2006/main" show="0">
   <p:cSld>
     <p:spTree>
       <p:nvGrpSpPr>
@@ -23521,8 +25215,143 @@
 </p:sld>
 </file>
 
-<file path=ppt/slides/slide12.xml><?xml version="1.0" encoding="utf-8"?>
+<file path=ppt/slides/slide2.xml><?xml version="1.0" encoding="utf-8"?>
 <p:sld xmlns:a="http://schemas.openxmlformats.org/drawingml/2006/main" xmlns:r="http://schemas.openxmlformats.org/officeDocument/2006/relationships" xmlns:p="http://schemas.openxmlformats.org/presentationml/2006/main">
+  <p:cSld>
+    <p:spTree>
+      <p:nvGrpSpPr>
+        <p:cNvPr id="1" name=""/>
+        <p:cNvGrpSpPr/>
+        <p:nvPr/>
+      </p:nvGrpSpPr>
+      <p:grpSpPr>
+        <a:xfrm>
+          <a:off x="0" y="0"/>
+          <a:ext cx="0" cy="0"/>
+          <a:chOff x="0" y="0"/>
+          <a:chExt cx="0" cy="0"/>
+        </a:xfrm>
+      </p:grpSpPr>
+      <p:sp>
+        <p:nvSpPr>
+          <p:cNvPr id="3" name="Title 2">
+            <a:extLst>
+              <a:ext uri="{FF2B5EF4-FFF2-40B4-BE49-F238E27FC236}">
+                <a16:creationId xmlns:a16="http://schemas.microsoft.com/office/drawing/2014/main" id="{9323871C-7CA8-1448-8FFC-1AE6E1838941}"/>
+              </a:ext>
+            </a:extLst>
+          </p:cNvPr>
+          <p:cNvSpPr>
+            <a:spLocks noGrp="1"/>
+          </p:cNvSpPr>
+          <p:nvPr>
+            <p:ph type="title"/>
+          </p:nvPr>
+        </p:nvSpPr>
+        <p:spPr/>
+        <p:txBody>
+          <a:bodyPr/>
+          <a:lstStyle/>
+          <a:p>
+            <a:r>
+              <a:rPr lang="en-US" dirty="0"/>
+              <a:t>Reminders</a:t>
+            </a:r>
+          </a:p>
+        </p:txBody>
+      </p:sp>
+      <p:sp>
+        <p:nvSpPr>
+          <p:cNvPr id="5" name="Text Placeholder 4">
+            <a:extLst>
+              <a:ext uri="{FF2B5EF4-FFF2-40B4-BE49-F238E27FC236}">
+                <a16:creationId xmlns:a16="http://schemas.microsoft.com/office/drawing/2014/main" id="{F4E0A5F0-1D89-954D-91FB-596CD9E690F2}"/>
+              </a:ext>
+            </a:extLst>
+          </p:cNvPr>
+          <p:cNvSpPr>
+            <a:spLocks noGrp="1"/>
+          </p:cNvSpPr>
+          <p:nvPr>
+            <p:ph type="body" idx="1"/>
+          </p:nvPr>
+        </p:nvSpPr>
+        <p:spPr/>
+        <p:txBody>
+          <a:bodyPr/>
+          <a:lstStyle/>
+          <a:p>
+            <a:pPr marL="76200" indent="0">
+              <a:buNone/>
+            </a:pPr>
+            <a:r>
+              <a:rPr lang="en-US" b="1" dirty="0"/>
+              <a:t>This week:</a:t>
+            </a:r>
+            <a:endParaRPr lang="en-US" dirty="0"/>
+          </a:p>
+          <a:p>
+            <a:r>
+              <a:rPr lang="en-US" dirty="0"/>
+              <a:t>Project Presentations on Thursday</a:t>
+            </a:r>
+            <a:endParaRPr lang="en-US" b="1" dirty="0">
+              <a:solidFill>
+                <a:srgbClr val="941100"/>
+              </a:solidFill>
+            </a:endParaRPr>
+          </a:p>
+          <a:p>
+            <a:r>
+              <a:rPr lang="en-US" dirty="0"/>
+              <a:t>No group meetings on Wednesday</a:t>
+            </a:r>
+          </a:p>
+          <a:p>
+            <a:pPr marL="76200" indent="0">
+              <a:buNone/>
+            </a:pPr>
+            <a:endParaRPr lang="en-US" dirty="0"/>
+          </a:p>
+          <a:p>
+            <a:pPr marL="76200" indent="0">
+              <a:buNone/>
+            </a:pPr>
+            <a:r>
+              <a:rPr lang="en-US" b="1" dirty="0"/>
+              <a:t>Coming up next week:</a:t>
+            </a:r>
+          </a:p>
+          <a:p>
+            <a:r>
+              <a:rPr lang="en-US" dirty="0">
+                <a:solidFill>
+                  <a:srgbClr val="C00000"/>
+                </a:solidFill>
+              </a:rPr>
+              <a:t>Final Reports due on Wednesday</a:t>
+            </a:r>
+          </a:p>
+          <a:p>
+            <a:endParaRPr lang="en-US" dirty="0"/>
+          </a:p>
+        </p:txBody>
+      </p:sp>
+    </p:spTree>
+    <p:extLst>
+      <p:ext uri="{BB962C8B-B14F-4D97-AF65-F5344CB8AC3E}">
+        <p14:creationId xmlns:p14="http://schemas.microsoft.com/office/powerpoint/2010/main" val="3984277119"/>
+      </p:ext>
+    </p:extLst>
+  </p:cSld>
+  <p:clrMapOvr>
+    <a:masterClrMapping/>
+  </p:clrMapOvr>
+</p:sld>
+</file>
+
+<file path=ppt/slides/slide20.xml><?xml version="1.0" encoding="utf-8"?>
+<p:sld xmlns:a="http://schemas.openxmlformats.org/drawingml/2006/main" xmlns:r="http://schemas.openxmlformats.org/officeDocument/2006/relationships" xmlns:p="http://schemas.openxmlformats.org/presentationml/2006/main" show="0">
   <p:cSld>
     <p:spTree>
       <p:nvGrpSpPr>
@@ -27029,8 +28858,8 @@
 </p:sld>
 </file>
 
-<file path=ppt/slides/slide13.xml><?xml version="1.0" encoding="utf-8"?>
-<p:sld xmlns:a="http://schemas.openxmlformats.org/drawingml/2006/main" xmlns:r="http://schemas.openxmlformats.org/officeDocument/2006/relationships" xmlns:p="http://schemas.openxmlformats.org/presentationml/2006/main">
+<file path=ppt/slides/slide21.xml><?xml version="1.0" encoding="utf-8"?>
+<p:sld xmlns:a="http://schemas.openxmlformats.org/drawingml/2006/main" xmlns:r="http://schemas.openxmlformats.org/officeDocument/2006/relationships" xmlns:p="http://schemas.openxmlformats.org/presentationml/2006/main" show="0">
   <p:cSld>
     <p:spTree>
       <p:nvGrpSpPr>
@@ -27244,8 +29073,8 @@
 </p:sld>
 </file>
 
-<file path=ppt/slides/slide14.xml><?xml version="1.0" encoding="utf-8"?>
-<p:sld xmlns:a="http://schemas.openxmlformats.org/drawingml/2006/main" xmlns:r="http://schemas.openxmlformats.org/officeDocument/2006/relationships" xmlns:p="http://schemas.openxmlformats.org/presentationml/2006/main">
+<file path=ppt/slides/slide22.xml><?xml version="1.0" encoding="utf-8"?>
+<p:sld xmlns:a="http://schemas.openxmlformats.org/drawingml/2006/main" xmlns:r="http://schemas.openxmlformats.org/officeDocument/2006/relationships" xmlns:p="http://schemas.openxmlformats.org/presentationml/2006/main" show="0">
   <p:cSld>
     <p:spTree>
       <p:nvGrpSpPr>
@@ -27682,8 +29511,8 @@
 </p:sld>
 </file>
 
-<file path=ppt/slides/slide15.xml><?xml version="1.0" encoding="utf-8"?>
-<p:sld xmlns:a="http://schemas.openxmlformats.org/drawingml/2006/main" xmlns:r="http://schemas.openxmlformats.org/officeDocument/2006/relationships" xmlns:p="http://schemas.openxmlformats.org/presentationml/2006/main">
+<file path=ppt/slides/slide23.xml><?xml version="1.0" encoding="utf-8"?>
+<p:sld xmlns:a="http://schemas.openxmlformats.org/drawingml/2006/main" xmlns:r="http://schemas.openxmlformats.org/officeDocument/2006/relationships" xmlns:p="http://schemas.openxmlformats.org/presentationml/2006/main" show="0">
   <p:cSld>
     <p:spTree>
       <p:nvGrpSpPr>
@@ -27814,8 +29643,8 @@
 </p:sld>
 </file>
 
-<file path=ppt/slides/slide16.xml><?xml version="1.0" encoding="utf-8"?>
-<p:sld xmlns:a="http://schemas.openxmlformats.org/drawingml/2006/main" xmlns:r="http://schemas.openxmlformats.org/officeDocument/2006/relationships" xmlns:p="http://schemas.openxmlformats.org/presentationml/2006/main">
+<file path=ppt/slides/slide24.xml><?xml version="1.0" encoding="utf-8"?>
+<p:sld xmlns:a="http://schemas.openxmlformats.org/drawingml/2006/main" xmlns:r="http://schemas.openxmlformats.org/officeDocument/2006/relationships" xmlns:p="http://schemas.openxmlformats.org/presentationml/2006/main" show="0">
   <p:cSld>
     <p:spTree>
       <p:nvGrpSpPr>
@@ -29481,8 +31310,8 @@
 </p:sld>
 </file>
 
-<file path=ppt/slides/slide17.xml><?xml version="1.0" encoding="utf-8"?>
-<p:sld xmlns:a="http://schemas.openxmlformats.org/drawingml/2006/main" xmlns:r="http://schemas.openxmlformats.org/officeDocument/2006/relationships" xmlns:p="http://schemas.openxmlformats.org/presentationml/2006/main">
+<file path=ppt/slides/slide25.xml><?xml version="1.0" encoding="utf-8"?>
+<p:sld xmlns:a="http://schemas.openxmlformats.org/drawingml/2006/main" xmlns:r="http://schemas.openxmlformats.org/officeDocument/2006/relationships" xmlns:p="http://schemas.openxmlformats.org/presentationml/2006/main" show="0">
   <p:cSld>
     <p:spTree>
       <p:nvGrpSpPr>
@@ -29573,7 +31402,7 @@
 </p:sld>
 </file>
 
-<file path=ppt/slides/slide18.xml><?xml version="1.0" encoding="utf-8"?>
+<file path=ppt/slides/slide26.xml><?xml version="1.0" encoding="utf-8"?>
 <p:sld xmlns:a="http://schemas.openxmlformats.org/drawingml/2006/main" xmlns:r="http://schemas.openxmlformats.org/officeDocument/2006/relationships" xmlns:p="http://schemas.openxmlformats.org/presentationml/2006/main" show="0">
   <p:cSld>
     <p:spTree>
@@ -29667,8 +31496,8 @@
 </p:sld>
 </file>
 
-<file path=ppt/slides/slide19.xml><?xml version="1.0" encoding="utf-8"?>
-<p:sld xmlns:a="http://schemas.openxmlformats.org/drawingml/2006/main" xmlns:r="http://schemas.openxmlformats.org/officeDocument/2006/relationships" xmlns:p="http://schemas.openxmlformats.org/presentationml/2006/main">
+<file path=ppt/slides/slide27.xml><?xml version="1.0" encoding="utf-8"?>
+<p:sld xmlns:a="http://schemas.openxmlformats.org/drawingml/2006/main" xmlns:r="http://schemas.openxmlformats.org/officeDocument/2006/relationships" xmlns:p="http://schemas.openxmlformats.org/presentationml/2006/main" show="0">
   <p:cSld>
     <p:spTree>
       <p:nvGrpSpPr>
@@ -30496,143 +32325,8 @@
 </p:sld>
 </file>
 
-<file path=ppt/slides/slide2.xml><?xml version="1.0" encoding="utf-8"?>
-<p:sld xmlns:a="http://schemas.openxmlformats.org/drawingml/2006/main" xmlns:r="http://schemas.openxmlformats.org/officeDocument/2006/relationships" xmlns:p="http://schemas.openxmlformats.org/presentationml/2006/main">
-  <p:cSld>
-    <p:spTree>
-      <p:nvGrpSpPr>
-        <p:cNvPr id="1" name=""/>
-        <p:cNvGrpSpPr/>
-        <p:nvPr/>
-      </p:nvGrpSpPr>
-      <p:grpSpPr>
-        <a:xfrm>
-          <a:off x="0" y="0"/>
-          <a:ext cx="0" cy="0"/>
-          <a:chOff x="0" y="0"/>
-          <a:chExt cx="0" cy="0"/>
-        </a:xfrm>
-      </p:grpSpPr>
-      <p:sp>
-        <p:nvSpPr>
-          <p:cNvPr id="3" name="Title 2">
-            <a:extLst>
-              <a:ext uri="{FF2B5EF4-FFF2-40B4-BE49-F238E27FC236}">
-                <a16:creationId xmlns:a16="http://schemas.microsoft.com/office/drawing/2014/main" id="{9323871C-7CA8-1448-8FFC-1AE6E1838941}"/>
-              </a:ext>
-            </a:extLst>
-          </p:cNvPr>
-          <p:cNvSpPr>
-            <a:spLocks noGrp="1"/>
-          </p:cNvSpPr>
-          <p:nvPr>
-            <p:ph type="title"/>
-          </p:nvPr>
-        </p:nvSpPr>
-        <p:spPr/>
-        <p:txBody>
-          <a:bodyPr/>
-          <a:lstStyle/>
-          <a:p>
-            <a:r>
-              <a:rPr lang="en-US" dirty="0"/>
-              <a:t>Reminders</a:t>
-            </a:r>
-          </a:p>
-        </p:txBody>
-      </p:sp>
-      <p:sp>
-        <p:nvSpPr>
-          <p:cNvPr id="5" name="Text Placeholder 4">
-            <a:extLst>
-              <a:ext uri="{FF2B5EF4-FFF2-40B4-BE49-F238E27FC236}">
-                <a16:creationId xmlns:a16="http://schemas.microsoft.com/office/drawing/2014/main" id="{F4E0A5F0-1D89-954D-91FB-596CD9E690F2}"/>
-              </a:ext>
-            </a:extLst>
-          </p:cNvPr>
-          <p:cNvSpPr>
-            <a:spLocks noGrp="1"/>
-          </p:cNvSpPr>
-          <p:nvPr>
-            <p:ph type="body" idx="1"/>
-          </p:nvPr>
-        </p:nvSpPr>
-        <p:spPr/>
-        <p:txBody>
-          <a:bodyPr/>
-          <a:lstStyle/>
-          <a:p>
-            <a:pPr marL="76200" indent="0">
-              <a:buNone/>
-            </a:pPr>
-            <a:r>
-              <a:rPr lang="en-US" b="1" dirty="0"/>
-              <a:t>This week:</a:t>
-            </a:r>
-            <a:endParaRPr lang="en-US" dirty="0"/>
-          </a:p>
-          <a:p>
-            <a:r>
-              <a:rPr lang="en-US" dirty="0"/>
-              <a:t>Project Presentations on Thursday</a:t>
-            </a:r>
-            <a:endParaRPr lang="en-US" b="1" dirty="0">
-              <a:solidFill>
-                <a:srgbClr val="941100"/>
-              </a:solidFill>
-            </a:endParaRPr>
-          </a:p>
-          <a:p>
-            <a:r>
-              <a:rPr lang="en-US" dirty="0"/>
-              <a:t>No group meetings on Wednesday</a:t>
-            </a:r>
-          </a:p>
-          <a:p>
-            <a:pPr marL="76200" indent="0">
-              <a:buNone/>
-            </a:pPr>
-            <a:endParaRPr lang="en-US" dirty="0"/>
-          </a:p>
-          <a:p>
-            <a:pPr marL="76200" indent="0">
-              <a:buNone/>
-            </a:pPr>
-            <a:r>
-              <a:rPr lang="en-US" b="1" dirty="0"/>
-              <a:t>Coming up next week:</a:t>
-            </a:r>
-          </a:p>
-          <a:p>
-            <a:r>
-              <a:rPr lang="en-US" dirty="0">
-                <a:solidFill>
-                  <a:srgbClr val="C00000"/>
-                </a:solidFill>
-              </a:rPr>
-              <a:t>Final Reports due on Wednesday</a:t>
-            </a:r>
-          </a:p>
-          <a:p>
-            <a:endParaRPr lang="en-US" dirty="0"/>
-          </a:p>
-        </p:txBody>
-      </p:sp>
-    </p:spTree>
-    <p:extLst>
-      <p:ext uri="{BB962C8B-B14F-4D97-AF65-F5344CB8AC3E}">
-        <p14:creationId xmlns:p14="http://schemas.microsoft.com/office/powerpoint/2010/main" val="3984277119"/>
-      </p:ext>
-    </p:extLst>
-  </p:cSld>
-  <p:clrMapOvr>
-    <a:masterClrMapping/>
-  </p:clrMapOvr>
-</p:sld>
-</file>
-
-<file path=ppt/slides/slide20.xml><?xml version="1.0" encoding="utf-8"?>
-<p:sld xmlns:a="http://schemas.openxmlformats.org/drawingml/2006/main" xmlns:r="http://schemas.openxmlformats.org/officeDocument/2006/relationships" xmlns:p="http://schemas.openxmlformats.org/presentationml/2006/main">
+<file path=ppt/slides/slide28.xml><?xml version="1.0" encoding="utf-8"?>
+<p:sld xmlns:a="http://schemas.openxmlformats.org/drawingml/2006/main" xmlns:r="http://schemas.openxmlformats.org/officeDocument/2006/relationships" xmlns:p="http://schemas.openxmlformats.org/presentationml/2006/main" show="0">
   <p:cSld>
     <p:spTree>
       <p:nvGrpSpPr>
@@ -30753,8 +32447,8 @@
 </p:sld>
 </file>
 
-<file path=ppt/slides/slide21.xml><?xml version="1.0" encoding="utf-8"?>
-<p:sld xmlns:a="http://schemas.openxmlformats.org/drawingml/2006/main" xmlns:r="http://schemas.openxmlformats.org/officeDocument/2006/relationships" xmlns:p="http://schemas.openxmlformats.org/presentationml/2006/main">
+<file path=ppt/slides/slide29.xml><?xml version="1.0" encoding="utf-8"?>
+<p:sld xmlns:a="http://schemas.openxmlformats.org/drawingml/2006/main" xmlns:r="http://schemas.openxmlformats.org/officeDocument/2006/relationships" xmlns:p="http://schemas.openxmlformats.org/presentationml/2006/main" show="0">
   <p:cSld>
     <p:spTree>
       <p:nvGrpSpPr>
@@ -30829,8 +32523,324 @@
 </p:sld>
 </file>
 
-<file path=ppt/slides/slide22.xml><?xml version="1.0" encoding="utf-8"?>
+<file path=ppt/slides/slide3.xml><?xml version="1.0" encoding="utf-8"?>
 <p:sld xmlns:a="http://schemas.openxmlformats.org/drawingml/2006/main" xmlns:r="http://schemas.openxmlformats.org/officeDocument/2006/relationships" xmlns:p="http://schemas.openxmlformats.org/presentationml/2006/main">
+  <p:cSld>
+    <p:spTree>
+      <p:nvGrpSpPr>
+        <p:cNvPr id="1" name="Shape 47"/>
+        <p:cNvGrpSpPr/>
+        <p:nvPr/>
+      </p:nvGrpSpPr>
+      <p:grpSpPr>
+        <a:xfrm>
+          <a:off x="0" y="0"/>
+          <a:ext cx="0" cy="0"/>
+          <a:chOff x="0" y="0"/>
+          <a:chExt cx="0" cy="0"/>
+        </a:xfrm>
+      </p:grpSpPr>
+      <p:sp>
+        <p:nvSpPr>
+          <p:cNvPr id="48" name="Google Shape;48;p21"/>
+          <p:cNvSpPr txBox="1">
+            <a:spLocks noGrp="1"/>
+          </p:cNvSpPr>
+          <p:nvPr>
+            <p:ph type="title"/>
+          </p:nvPr>
+        </p:nvSpPr>
+        <p:spPr>
+          <a:xfrm>
+            <a:off x="415600" y="86563"/>
+            <a:ext cx="11360700" cy="763500"/>
+          </a:xfrm>
+          <a:prstGeom prst="rect">
+            <a:avLst/>
+          </a:prstGeom>
+          <a:noFill/>
+          <a:ln>
+            <a:noFill/>
+          </a:ln>
+        </p:spPr>
+        <p:txBody>
+          <a:bodyPr spcFirstLastPara="1" wrap="square" lIns="121900" tIns="121900" rIns="121900" bIns="121900" anchor="t" anchorCtr="0">
+            <a:noAutofit/>
+          </a:bodyPr>
+          <a:lstStyle/>
+          <a:p>
+            <a:pPr marL="0" lvl="0" indent="0" algn="l" rtl="0">
+              <a:lnSpc>
+                <a:spcPct val="100000"/>
+              </a:lnSpc>
+              <a:spcBef>
+                <a:spcPts val="0"/>
+              </a:spcBef>
+              <a:spcAft>
+                <a:spcPts val="0"/>
+              </a:spcAft>
+              <a:buClr>
+                <a:srgbClr val="FFFFFF"/>
+              </a:buClr>
+              <a:buSzPts val="3700"/>
+              <a:buNone/>
+            </a:pPr>
+            <a:r>
+              <a:rPr lang="en-US"/>
+              <a:t>Things to cover today</a:t>
+            </a:r>
+            <a:endParaRPr/>
+          </a:p>
+        </p:txBody>
+      </p:sp>
+      <p:sp>
+        <p:nvSpPr>
+          <p:cNvPr id="49" name="Google Shape;49;p21"/>
+          <p:cNvSpPr txBox="1">
+            <a:spLocks noGrp="1"/>
+          </p:cNvSpPr>
+          <p:nvPr>
+            <p:ph type="body" idx="1"/>
+          </p:nvPr>
+        </p:nvSpPr>
+        <p:spPr>
+          <a:xfrm>
+            <a:off x="415600" y="1536633"/>
+            <a:ext cx="11360700" cy="4555200"/>
+          </a:xfrm>
+          <a:prstGeom prst="rect">
+            <a:avLst/>
+          </a:prstGeom>
+          <a:noFill/>
+          <a:ln>
+            <a:noFill/>
+          </a:ln>
+        </p:spPr>
+        <p:txBody>
+          <a:bodyPr spcFirstLastPara="1" wrap="square" lIns="121900" tIns="121900" rIns="121900" bIns="121900" anchor="t" anchorCtr="0">
+            <a:noAutofit/>
+          </a:bodyPr>
+          <a:lstStyle/>
+          <a:p>
+            <a:pPr marL="457200" lvl="0" indent="-381000" algn="l" rtl="0">
+              <a:lnSpc>
+                <a:spcPct val="100000"/>
+              </a:lnSpc>
+              <a:spcBef>
+                <a:spcPts val="0"/>
+              </a:spcBef>
+              <a:spcAft>
+                <a:spcPts val="0"/>
+              </a:spcAft>
+              <a:buSzPts val="2400"/>
+              <a:buChar char="●"/>
+            </a:pPr>
+            <a:r>
+              <a:rPr lang="en-US" dirty="0"/>
+              <a:t>Quick Review and Wrap-Up</a:t>
+            </a:r>
+            <a:endParaRPr dirty="0"/>
+          </a:p>
+          <a:p>
+            <a:pPr marL="457200" lvl="0" indent="-381000" algn="l" rtl="0">
+              <a:lnSpc>
+                <a:spcPct val="100000"/>
+              </a:lnSpc>
+              <a:spcBef>
+                <a:spcPts val="0"/>
+              </a:spcBef>
+              <a:spcAft>
+                <a:spcPts val="0"/>
+              </a:spcAft>
+              <a:buSzPts val="2400"/>
+              <a:buChar char="●"/>
+            </a:pPr>
+            <a:r>
+              <a:rPr lang="en-US" dirty="0"/>
+              <a:t>Causal Inference 001</a:t>
+            </a:r>
+            <a:br>
+              <a:rPr lang="en-US" dirty="0"/>
+            </a:br>
+            <a:endParaRPr dirty="0"/>
+          </a:p>
+          <a:p>
+            <a:pPr lvl="1" indent="-381000">
+              <a:lnSpc>
+                <a:spcPct val="100000"/>
+              </a:lnSpc>
+              <a:spcBef>
+                <a:spcPts val="0"/>
+              </a:spcBef>
+              <a:buSzPts val="2400"/>
+              <a:buChar char="●"/>
+            </a:pPr>
+            <a:r>
+              <a:rPr lang="en-US" dirty="0"/>
+              <a:t>With Observational Data</a:t>
+            </a:r>
+            <a:endParaRPr dirty="0"/>
+          </a:p>
+          <a:p>
+            <a:pPr lvl="2">
+              <a:lnSpc>
+                <a:spcPct val="100000"/>
+              </a:lnSpc>
+              <a:spcBef>
+                <a:spcPts val="0"/>
+              </a:spcBef>
+              <a:buChar char="○"/>
+            </a:pPr>
+            <a:r>
+              <a:rPr lang="en-US" dirty="0"/>
+              <a:t>Methods</a:t>
+            </a:r>
+            <a:endParaRPr dirty="0"/>
+          </a:p>
+          <a:p>
+            <a:pPr lvl="2">
+              <a:lnSpc>
+                <a:spcPct val="100000"/>
+              </a:lnSpc>
+              <a:spcBef>
+                <a:spcPts val="0"/>
+              </a:spcBef>
+              <a:buChar char="○"/>
+            </a:pPr>
+            <a:r>
+              <a:rPr lang="en-US" dirty="0"/>
+              <a:t>Examples</a:t>
+            </a:r>
+            <a:br>
+              <a:rPr lang="en-US" dirty="0"/>
+            </a:br>
+            <a:endParaRPr dirty="0"/>
+          </a:p>
+          <a:p>
+            <a:pPr lvl="1" indent="-381000">
+              <a:lnSpc>
+                <a:spcPct val="100000"/>
+              </a:lnSpc>
+              <a:spcBef>
+                <a:spcPts val="0"/>
+              </a:spcBef>
+              <a:buSzPts val="2400"/>
+              <a:buChar char="●"/>
+            </a:pPr>
+            <a:r>
+              <a:rPr lang="en-US" dirty="0"/>
+              <a:t>Experiments</a:t>
+            </a:r>
+            <a:endParaRPr dirty="0"/>
+          </a:p>
+          <a:p>
+            <a:pPr lvl="2">
+              <a:lnSpc>
+                <a:spcPct val="100000"/>
+              </a:lnSpc>
+              <a:spcBef>
+                <a:spcPts val="0"/>
+              </a:spcBef>
+              <a:buChar char="○"/>
+            </a:pPr>
+            <a:r>
+              <a:rPr lang="en-US" dirty="0"/>
+              <a:t>Standard Randomized Controlled Trials</a:t>
+            </a:r>
+            <a:endParaRPr dirty="0"/>
+          </a:p>
+          <a:p>
+            <a:pPr lvl="3">
+              <a:lnSpc>
+                <a:spcPct val="100000"/>
+              </a:lnSpc>
+              <a:spcBef>
+                <a:spcPts val="0"/>
+              </a:spcBef>
+              <a:buChar char="■"/>
+            </a:pPr>
+            <a:r>
+              <a:rPr lang="en-US" dirty="0"/>
+              <a:t>Trial Design</a:t>
+            </a:r>
+            <a:endParaRPr dirty="0"/>
+          </a:p>
+          <a:p>
+            <a:pPr lvl="3">
+              <a:lnSpc>
+                <a:spcPct val="100000"/>
+              </a:lnSpc>
+              <a:spcBef>
+                <a:spcPts val="0"/>
+              </a:spcBef>
+              <a:buChar char="■"/>
+            </a:pPr>
+            <a:r>
+              <a:rPr lang="en-US" dirty="0"/>
+              <a:t>Examples</a:t>
+            </a:r>
+            <a:endParaRPr dirty="0"/>
+          </a:p>
+          <a:p>
+            <a:pPr lvl="2">
+              <a:lnSpc>
+                <a:spcPct val="100000"/>
+              </a:lnSpc>
+              <a:spcBef>
+                <a:spcPts val="0"/>
+              </a:spcBef>
+              <a:buChar char="○"/>
+            </a:pPr>
+            <a:r>
+              <a:rPr lang="en-US" dirty="0"/>
+              <a:t>Validating ML models/systems</a:t>
+            </a:r>
+            <a:endParaRPr dirty="0"/>
+          </a:p>
+          <a:p>
+            <a:pPr lvl="3">
+              <a:lnSpc>
+                <a:spcPct val="100000"/>
+              </a:lnSpc>
+              <a:spcBef>
+                <a:spcPts val="0"/>
+              </a:spcBef>
+              <a:buChar char="■"/>
+            </a:pPr>
+            <a:r>
+              <a:rPr lang="en-US" dirty="0"/>
+              <a:t>Trial Design</a:t>
+            </a:r>
+            <a:endParaRPr dirty="0"/>
+          </a:p>
+          <a:p>
+            <a:pPr lvl="3">
+              <a:lnSpc>
+                <a:spcPct val="100000"/>
+              </a:lnSpc>
+              <a:spcBef>
+                <a:spcPts val="0"/>
+              </a:spcBef>
+              <a:buChar char="■"/>
+            </a:pPr>
+            <a:r>
+              <a:rPr lang="en-US" dirty="0"/>
+              <a:t>Examples</a:t>
+            </a:r>
+            <a:endParaRPr dirty="0"/>
+          </a:p>
+        </p:txBody>
+      </p:sp>
+    </p:spTree>
+  </p:cSld>
+  <p:clrMapOvr>
+    <a:masterClrMapping/>
+  </p:clrMapOvr>
+</p:sld>
+</file>
+
+<file path=ppt/slides/slide30.xml><?xml version="1.0" encoding="utf-8"?>
+<p:sld xmlns:a="http://schemas.openxmlformats.org/drawingml/2006/main" xmlns:r="http://schemas.openxmlformats.org/officeDocument/2006/relationships" xmlns:p="http://schemas.openxmlformats.org/presentationml/2006/main" show="0">
   <p:cSld>
     <p:spTree>
       <p:nvGrpSpPr>
@@ -30934,8 +32944,8 @@
 </p:sld>
 </file>
 
-<file path=ppt/slides/slide23.xml><?xml version="1.0" encoding="utf-8"?>
-<p:sld xmlns:a="http://schemas.openxmlformats.org/drawingml/2006/main" xmlns:r="http://schemas.openxmlformats.org/officeDocument/2006/relationships" xmlns:p="http://schemas.openxmlformats.org/presentationml/2006/main">
+<file path=ppt/slides/slide31.xml><?xml version="1.0" encoding="utf-8"?>
+<p:sld xmlns:a="http://schemas.openxmlformats.org/drawingml/2006/main" xmlns:r="http://schemas.openxmlformats.org/officeDocument/2006/relationships" xmlns:p="http://schemas.openxmlformats.org/presentationml/2006/main" show="0">
   <p:cSld>
     <p:spTree>
       <p:nvGrpSpPr>
@@ -31776,8 +33786,8 @@
 </p:sld>
 </file>
 
-<file path=ppt/slides/slide24.xml><?xml version="1.0" encoding="utf-8"?>
-<p:sld xmlns:a="http://schemas.openxmlformats.org/drawingml/2006/main" xmlns:r="http://schemas.openxmlformats.org/officeDocument/2006/relationships" xmlns:p="http://schemas.openxmlformats.org/presentationml/2006/main">
+<file path=ppt/slides/slide32.xml><?xml version="1.0" encoding="utf-8"?>
+<p:sld xmlns:a="http://schemas.openxmlformats.org/drawingml/2006/main" xmlns:r="http://schemas.openxmlformats.org/officeDocument/2006/relationships" xmlns:p="http://schemas.openxmlformats.org/presentationml/2006/main" show="0">
   <p:cSld>
     <p:spTree>
       <p:nvGrpSpPr>
@@ -35426,7 +37436,7 @@
 </p:sld>
 </file>
 
-<file path=ppt/slides/slide25.xml><?xml version="1.0" encoding="utf-8"?>
+<file path=ppt/slides/slide33.xml><?xml version="1.0" encoding="utf-8"?>
 <p:sld xmlns:a="http://schemas.openxmlformats.org/drawingml/2006/main" xmlns:r="http://schemas.openxmlformats.org/officeDocument/2006/relationships" xmlns:p="http://schemas.openxmlformats.org/presentationml/2006/main">
   <p:cSld>
     <p:spTree>
@@ -35520,7 +37530,7 @@
 </p:sld>
 </file>
 
-<file path=ppt/slides/slide26.xml><?xml version="1.0" encoding="utf-8"?>
+<file path=ppt/slides/slide34.xml><?xml version="1.0" encoding="utf-8"?>
 <p:sld xmlns:a="http://schemas.openxmlformats.org/drawingml/2006/main" xmlns:r="http://schemas.openxmlformats.org/officeDocument/2006/relationships" xmlns:p="http://schemas.openxmlformats.org/presentationml/2006/main">
   <p:cSld>
     <p:spTree>
@@ -35598,7 +37608,7 @@
 </p:sld>
 </file>
 
-<file path=ppt/slides/slide27.xml><?xml version="1.0" encoding="utf-8"?>
+<file path=ppt/slides/slide35.xml><?xml version="1.0" encoding="utf-8"?>
 <p:sld xmlns:a="http://schemas.openxmlformats.org/drawingml/2006/main" xmlns:r="http://schemas.openxmlformats.org/officeDocument/2006/relationships" xmlns:p="http://schemas.openxmlformats.org/presentationml/2006/main">
   <p:cSld>
     <p:spTree>
@@ -36197,7 +38207,7 @@
 </p:sld>
 </file>
 
-<file path=ppt/slides/slide28.xml><?xml version="1.0" encoding="utf-8"?>
+<file path=ppt/slides/slide36.xml><?xml version="1.0" encoding="utf-8"?>
 <p:sld xmlns:a="http://schemas.openxmlformats.org/drawingml/2006/main" xmlns:r="http://schemas.openxmlformats.org/officeDocument/2006/relationships" xmlns:p="http://schemas.openxmlformats.org/presentationml/2006/main">
   <p:cSld>
     <p:spTree>
@@ -36302,7 +38312,7 @@
 </p:sld>
 </file>
 
-<file path=ppt/slides/slide29.xml><?xml version="1.0" encoding="utf-8"?>
+<file path=ppt/slides/slide37.xml><?xml version="1.0" encoding="utf-8"?>
 <p:sld xmlns:a="http://schemas.openxmlformats.org/drawingml/2006/main" xmlns:r="http://schemas.openxmlformats.org/officeDocument/2006/relationships" xmlns:p="http://schemas.openxmlformats.org/presentationml/2006/main">
   <p:cSld>
     <p:spTree>
@@ -36604,323 +38614,7 @@
 </p:sld>
 </file>
 
-<file path=ppt/slides/slide3.xml><?xml version="1.0" encoding="utf-8"?>
-<p:sld xmlns:a="http://schemas.openxmlformats.org/drawingml/2006/main" xmlns:r="http://schemas.openxmlformats.org/officeDocument/2006/relationships" xmlns:p="http://schemas.openxmlformats.org/presentationml/2006/main">
-  <p:cSld>
-    <p:spTree>
-      <p:nvGrpSpPr>
-        <p:cNvPr id="1" name="Shape 47"/>
-        <p:cNvGrpSpPr/>
-        <p:nvPr/>
-      </p:nvGrpSpPr>
-      <p:grpSpPr>
-        <a:xfrm>
-          <a:off x="0" y="0"/>
-          <a:ext cx="0" cy="0"/>
-          <a:chOff x="0" y="0"/>
-          <a:chExt cx="0" cy="0"/>
-        </a:xfrm>
-      </p:grpSpPr>
-      <p:sp>
-        <p:nvSpPr>
-          <p:cNvPr id="48" name="Google Shape;48;p21"/>
-          <p:cNvSpPr txBox="1">
-            <a:spLocks noGrp="1"/>
-          </p:cNvSpPr>
-          <p:nvPr>
-            <p:ph type="title"/>
-          </p:nvPr>
-        </p:nvSpPr>
-        <p:spPr>
-          <a:xfrm>
-            <a:off x="415600" y="86563"/>
-            <a:ext cx="11360700" cy="763500"/>
-          </a:xfrm>
-          <a:prstGeom prst="rect">
-            <a:avLst/>
-          </a:prstGeom>
-          <a:noFill/>
-          <a:ln>
-            <a:noFill/>
-          </a:ln>
-        </p:spPr>
-        <p:txBody>
-          <a:bodyPr spcFirstLastPara="1" wrap="square" lIns="121900" tIns="121900" rIns="121900" bIns="121900" anchor="t" anchorCtr="0">
-            <a:noAutofit/>
-          </a:bodyPr>
-          <a:lstStyle/>
-          <a:p>
-            <a:pPr marL="0" lvl="0" indent="0" algn="l" rtl="0">
-              <a:lnSpc>
-                <a:spcPct val="100000"/>
-              </a:lnSpc>
-              <a:spcBef>
-                <a:spcPts val="0"/>
-              </a:spcBef>
-              <a:spcAft>
-                <a:spcPts val="0"/>
-              </a:spcAft>
-              <a:buClr>
-                <a:srgbClr val="FFFFFF"/>
-              </a:buClr>
-              <a:buSzPts val="3700"/>
-              <a:buNone/>
-            </a:pPr>
-            <a:r>
-              <a:rPr lang="en-US"/>
-              <a:t>Things to cover today</a:t>
-            </a:r>
-            <a:endParaRPr/>
-          </a:p>
-        </p:txBody>
-      </p:sp>
-      <p:sp>
-        <p:nvSpPr>
-          <p:cNvPr id="49" name="Google Shape;49;p21"/>
-          <p:cNvSpPr txBox="1">
-            <a:spLocks noGrp="1"/>
-          </p:cNvSpPr>
-          <p:nvPr>
-            <p:ph type="body" idx="1"/>
-          </p:nvPr>
-        </p:nvSpPr>
-        <p:spPr>
-          <a:xfrm>
-            <a:off x="415600" y="1536633"/>
-            <a:ext cx="11360700" cy="4555200"/>
-          </a:xfrm>
-          <a:prstGeom prst="rect">
-            <a:avLst/>
-          </a:prstGeom>
-          <a:noFill/>
-          <a:ln>
-            <a:noFill/>
-          </a:ln>
-        </p:spPr>
-        <p:txBody>
-          <a:bodyPr spcFirstLastPara="1" wrap="square" lIns="121900" tIns="121900" rIns="121900" bIns="121900" anchor="t" anchorCtr="0">
-            <a:noAutofit/>
-          </a:bodyPr>
-          <a:lstStyle/>
-          <a:p>
-            <a:pPr marL="457200" lvl="0" indent="-381000" algn="l" rtl="0">
-              <a:lnSpc>
-                <a:spcPct val="100000"/>
-              </a:lnSpc>
-              <a:spcBef>
-                <a:spcPts val="0"/>
-              </a:spcBef>
-              <a:spcAft>
-                <a:spcPts val="0"/>
-              </a:spcAft>
-              <a:buSzPts val="2400"/>
-              <a:buChar char="●"/>
-            </a:pPr>
-            <a:r>
-              <a:rPr lang="en-US" dirty="0"/>
-              <a:t>Quick Review and Wrap-Up</a:t>
-            </a:r>
-            <a:endParaRPr dirty="0"/>
-          </a:p>
-          <a:p>
-            <a:pPr marL="457200" lvl="0" indent="-381000" algn="l" rtl="0">
-              <a:lnSpc>
-                <a:spcPct val="100000"/>
-              </a:lnSpc>
-              <a:spcBef>
-                <a:spcPts val="0"/>
-              </a:spcBef>
-              <a:spcAft>
-                <a:spcPts val="0"/>
-              </a:spcAft>
-              <a:buSzPts val="2400"/>
-              <a:buChar char="●"/>
-            </a:pPr>
-            <a:r>
-              <a:rPr lang="en-US" dirty="0"/>
-              <a:t>Causal Inference 001</a:t>
-            </a:r>
-            <a:br>
-              <a:rPr lang="en-US" dirty="0"/>
-            </a:br>
-            <a:endParaRPr dirty="0"/>
-          </a:p>
-          <a:p>
-            <a:pPr lvl="1" indent="-381000">
-              <a:lnSpc>
-                <a:spcPct val="100000"/>
-              </a:lnSpc>
-              <a:spcBef>
-                <a:spcPts val="0"/>
-              </a:spcBef>
-              <a:buSzPts val="2400"/>
-              <a:buChar char="●"/>
-            </a:pPr>
-            <a:r>
-              <a:rPr lang="en-US" dirty="0"/>
-              <a:t>With Observational Data</a:t>
-            </a:r>
-            <a:endParaRPr dirty="0"/>
-          </a:p>
-          <a:p>
-            <a:pPr lvl="2">
-              <a:lnSpc>
-                <a:spcPct val="100000"/>
-              </a:lnSpc>
-              <a:spcBef>
-                <a:spcPts val="0"/>
-              </a:spcBef>
-              <a:buChar char="○"/>
-            </a:pPr>
-            <a:r>
-              <a:rPr lang="en-US" dirty="0"/>
-              <a:t>Methods</a:t>
-            </a:r>
-            <a:endParaRPr dirty="0"/>
-          </a:p>
-          <a:p>
-            <a:pPr lvl="2">
-              <a:lnSpc>
-                <a:spcPct val="100000"/>
-              </a:lnSpc>
-              <a:spcBef>
-                <a:spcPts val="0"/>
-              </a:spcBef>
-              <a:buChar char="○"/>
-            </a:pPr>
-            <a:r>
-              <a:rPr lang="en-US" dirty="0"/>
-              <a:t>Examples</a:t>
-            </a:r>
-            <a:br>
-              <a:rPr lang="en-US" dirty="0"/>
-            </a:br>
-            <a:endParaRPr dirty="0"/>
-          </a:p>
-          <a:p>
-            <a:pPr lvl="1" indent="-381000">
-              <a:lnSpc>
-                <a:spcPct val="100000"/>
-              </a:lnSpc>
-              <a:spcBef>
-                <a:spcPts val="0"/>
-              </a:spcBef>
-              <a:buSzPts val="2400"/>
-              <a:buChar char="●"/>
-            </a:pPr>
-            <a:r>
-              <a:rPr lang="en-US" dirty="0"/>
-              <a:t>Experiments</a:t>
-            </a:r>
-            <a:endParaRPr dirty="0"/>
-          </a:p>
-          <a:p>
-            <a:pPr lvl="2">
-              <a:lnSpc>
-                <a:spcPct val="100000"/>
-              </a:lnSpc>
-              <a:spcBef>
-                <a:spcPts val="0"/>
-              </a:spcBef>
-              <a:buChar char="○"/>
-            </a:pPr>
-            <a:r>
-              <a:rPr lang="en-US" dirty="0"/>
-              <a:t>Standard Randomized Controlled Trials</a:t>
-            </a:r>
-            <a:endParaRPr dirty="0"/>
-          </a:p>
-          <a:p>
-            <a:pPr lvl="3">
-              <a:lnSpc>
-                <a:spcPct val="100000"/>
-              </a:lnSpc>
-              <a:spcBef>
-                <a:spcPts val="0"/>
-              </a:spcBef>
-              <a:buChar char="■"/>
-            </a:pPr>
-            <a:r>
-              <a:rPr lang="en-US" dirty="0"/>
-              <a:t>Trial Design</a:t>
-            </a:r>
-            <a:endParaRPr dirty="0"/>
-          </a:p>
-          <a:p>
-            <a:pPr lvl="3">
-              <a:lnSpc>
-                <a:spcPct val="100000"/>
-              </a:lnSpc>
-              <a:spcBef>
-                <a:spcPts val="0"/>
-              </a:spcBef>
-              <a:buChar char="■"/>
-            </a:pPr>
-            <a:r>
-              <a:rPr lang="en-US" dirty="0"/>
-              <a:t>Examples</a:t>
-            </a:r>
-            <a:endParaRPr dirty="0"/>
-          </a:p>
-          <a:p>
-            <a:pPr lvl="2">
-              <a:lnSpc>
-                <a:spcPct val="100000"/>
-              </a:lnSpc>
-              <a:spcBef>
-                <a:spcPts val="0"/>
-              </a:spcBef>
-              <a:buChar char="○"/>
-            </a:pPr>
-            <a:r>
-              <a:rPr lang="en-US" dirty="0"/>
-              <a:t>Validating ML models/systems</a:t>
-            </a:r>
-            <a:endParaRPr dirty="0"/>
-          </a:p>
-          <a:p>
-            <a:pPr lvl="3">
-              <a:lnSpc>
-                <a:spcPct val="100000"/>
-              </a:lnSpc>
-              <a:spcBef>
-                <a:spcPts val="0"/>
-              </a:spcBef>
-              <a:buChar char="■"/>
-            </a:pPr>
-            <a:r>
-              <a:rPr lang="en-US" dirty="0"/>
-              <a:t>Trial Design</a:t>
-            </a:r>
-            <a:endParaRPr dirty="0"/>
-          </a:p>
-          <a:p>
-            <a:pPr lvl="3">
-              <a:lnSpc>
-                <a:spcPct val="100000"/>
-              </a:lnSpc>
-              <a:spcBef>
-                <a:spcPts val="0"/>
-              </a:spcBef>
-              <a:buChar char="■"/>
-            </a:pPr>
-            <a:r>
-              <a:rPr lang="en-US" dirty="0"/>
-              <a:t>Examples</a:t>
-            </a:r>
-            <a:endParaRPr dirty="0"/>
-          </a:p>
-        </p:txBody>
-      </p:sp>
-    </p:spTree>
-  </p:cSld>
-  <p:clrMapOvr>
-    <a:masterClrMapping/>
-  </p:clrMapOvr>
-</p:sld>
-</file>
-
-<file path=ppt/slides/slide30.xml><?xml version="1.0" encoding="utf-8"?>
+<file path=ppt/slides/slide38.xml><?xml version="1.0" encoding="utf-8"?>
 <p:sld xmlns:a="http://schemas.openxmlformats.org/drawingml/2006/main" xmlns:r="http://schemas.openxmlformats.org/officeDocument/2006/relationships" xmlns:p="http://schemas.openxmlformats.org/presentationml/2006/main">
   <p:cSld>
     <p:spTree>
@@ -37344,7 +39038,7 @@
 </p:sld>
 </file>
 
-<file path=ppt/slides/slide31.xml><?xml version="1.0" encoding="utf-8"?>
+<file path=ppt/slides/slide39.xml><?xml version="1.0" encoding="utf-8"?>
 <p:sld xmlns:a="http://schemas.openxmlformats.org/drawingml/2006/main" xmlns:r="http://schemas.openxmlformats.org/officeDocument/2006/relationships" xmlns:p="http://schemas.openxmlformats.org/presentationml/2006/main">
   <p:cSld>
     <p:spTree>
@@ -37834,7 +39528,170 @@
 </p:sld>
 </file>
 
-<file path=ppt/slides/slide32.xml><?xml version="1.0" encoding="utf-8"?>
+<file path=ppt/slides/slide4.xml><?xml version="1.0" encoding="utf-8"?>
+<p:sld xmlns:a="http://schemas.openxmlformats.org/drawingml/2006/main" xmlns:r="http://schemas.openxmlformats.org/officeDocument/2006/relationships" xmlns:p="http://schemas.openxmlformats.org/presentationml/2006/main">
+  <p:cSld>
+    <p:spTree>
+      <p:nvGrpSpPr>
+        <p:cNvPr id="1" name=""/>
+        <p:cNvGrpSpPr/>
+        <p:nvPr/>
+      </p:nvGrpSpPr>
+      <p:grpSpPr>
+        <a:xfrm>
+          <a:off x="0" y="0"/>
+          <a:ext cx="0" cy="0"/>
+          <a:chOff x="0" y="0"/>
+          <a:chExt cx="0" cy="0"/>
+        </a:xfrm>
+      </p:grpSpPr>
+      <p:sp>
+        <p:nvSpPr>
+          <p:cNvPr id="3" name="Title 2">
+            <a:extLst>
+              <a:ext uri="{FF2B5EF4-FFF2-40B4-BE49-F238E27FC236}">
+                <a16:creationId xmlns:a16="http://schemas.microsoft.com/office/drawing/2014/main" id="{9323871C-7CA8-1448-8FFC-1AE6E1838941}"/>
+              </a:ext>
+            </a:extLst>
+          </p:cNvPr>
+          <p:cNvSpPr>
+            <a:spLocks noGrp="1"/>
+          </p:cNvSpPr>
+          <p:nvPr>
+            <p:ph type="title"/>
+          </p:nvPr>
+        </p:nvSpPr>
+        <p:spPr/>
+        <p:txBody>
+          <a:bodyPr/>
+          <a:lstStyle/>
+          <a:p>
+            <a:r>
+              <a:rPr lang="en-US" dirty="0"/>
+              <a:t>Final Reports</a:t>
+            </a:r>
+          </a:p>
+        </p:txBody>
+      </p:sp>
+      <p:sp>
+        <p:nvSpPr>
+          <p:cNvPr id="5" name="Text Placeholder 4">
+            <a:extLst>
+              <a:ext uri="{FF2B5EF4-FFF2-40B4-BE49-F238E27FC236}">
+                <a16:creationId xmlns:a16="http://schemas.microsoft.com/office/drawing/2014/main" id="{F4E0A5F0-1D89-954D-91FB-596CD9E690F2}"/>
+              </a:ext>
+            </a:extLst>
+          </p:cNvPr>
+          <p:cNvSpPr>
+            <a:spLocks noGrp="1"/>
+          </p:cNvSpPr>
+          <p:nvPr>
+            <p:ph type="body" idx="1"/>
+          </p:nvPr>
+        </p:nvSpPr>
+        <p:spPr/>
+        <p:txBody>
+          <a:bodyPr/>
+          <a:lstStyle/>
+          <a:p>
+            <a:pPr marL="76200" indent="0" algn="ctr">
+              <a:buNone/>
+            </a:pPr>
+            <a:endParaRPr lang="en-US" b="1" dirty="0">
+              <a:solidFill>
+                <a:srgbClr val="C00000"/>
+              </a:solidFill>
+              <a:hlinkClick r:id="rId2">
+                <a:extLst>
+                  <a:ext uri="{A12FA001-AC4F-418D-AE19-62706E023703}">
+                    <ahyp:hlinkClr xmlns:ahyp="http://schemas.microsoft.com/office/drawing/2018/hyperlinkcolor" val="tx"/>
+                  </a:ext>
+                </a:extLst>
+              </a:hlinkClick>
+            </a:endParaRPr>
+          </a:p>
+          <a:p>
+            <a:pPr marL="76200" indent="0" algn="ctr">
+              <a:buNone/>
+            </a:pPr>
+            <a:endParaRPr lang="en-US" b="1" dirty="0">
+              <a:solidFill>
+                <a:srgbClr val="C00000"/>
+              </a:solidFill>
+              <a:hlinkClick r:id="rId2">
+                <a:extLst>
+                  <a:ext uri="{A12FA001-AC4F-418D-AE19-62706E023703}">
+                    <ahyp:hlinkClr xmlns:ahyp="http://schemas.microsoft.com/office/drawing/2018/hyperlinkcolor" val="tx"/>
+                  </a:ext>
+                </a:extLst>
+              </a:hlinkClick>
+            </a:endParaRPr>
+          </a:p>
+          <a:p>
+            <a:pPr marL="76200" indent="0" algn="ctr">
+              <a:buNone/>
+            </a:pPr>
+            <a:endParaRPr lang="en-US" b="1" dirty="0">
+              <a:solidFill>
+                <a:srgbClr val="C00000"/>
+              </a:solidFill>
+              <a:hlinkClick r:id="rId2">
+                <a:extLst>
+                  <a:ext uri="{A12FA001-AC4F-418D-AE19-62706E023703}">
+                    <ahyp:hlinkClr xmlns:ahyp="http://schemas.microsoft.com/office/drawing/2018/hyperlinkcolor" val="tx"/>
+                  </a:ext>
+                </a:extLst>
+              </a:hlinkClick>
+            </a:endParaRPr>
+          </a:p>
+          <a:p>
+            <a:pPr marL="76200" indent="0" algn="ctr">
+              <a:buNone/>
+            </a:pPr>
+            <a:r>
+              <a:rPr lang="en-US" dirty="0">
+                <a:solidFill>
+                  <a:srgbClr val="941100"/>
+                </a:solidFill>
+                <a:hlinkClick r:id="rId2">
+                  <a:extLst>
+                    <a:ext uri="{A12FA001-AC4F-418D-AE19-62706E023703}">
+                      <ahyp:hlinkClr xmlns:ahyp="http://schemas.microsoft.com/office/drawing/2018/hyperlinkcolor" val="tx"/>
+                    </a:ext>
+                  </a:extLst>
+                </a:hlinkClick>
+              </a:rPr>
+              <a:t>https://canvas.cmu.edu/courses/31334/assignments/515888</a:t>
+            </a:r>
+            <a:endParaRPr lang="en-US" dirty="0">
+              <a:solidFill>
+                <a:srgbClr val="941100"/>
+              </a:solidFill>
+              <a:hlinkClick r:id="" action="ppaction://noaction">
+                <a:extLst>
+                  <a:ext uri="{A12FA001-AC4F-418D-AE19-62706E023703}">
+                    <ahyp:hlinkClr xmlns:ahyp="http://schemas.microsoft.com/office/drawing/2018/hyperlinkcolor" val="tx"/>
+                  </a:ext>
+                </a:extLst>
+              </a:hlinkClick>
+            </a:endParaRPr>
+          </a:p>
+        </p:txBody>
+      </p:sp>
+    </p:spTree>
+    <p:extLst>
+      <p:ext uri="{BB962C8B-B14F-4D97-AF65-F5344CB8AC3E}">
+        <p14:creationId xmlns:p14="http://schemas.microsoft.com/office/powerpoint/2010/main" val="2510159019"/>
+      </p:ext>
+    </p:extLst>
+  </p:cSld>
+  <p:clrMapOvr>
+    <a:masterClrMapping/>
+  </p:clrMapOvr>
+</p:sld>
+</file>
+
+<file path=ppt/slides/slide40.xml><?xml version="1.0" encoding="utf-8"?>
 <p:sld xmlns:a="http://schemas.openxmlformats.org/drawingml/2006/main" xmlns:r="http://schemas.openxmlformats.org/officeDocument/2006/relationships" xmlns:p="http://schemas.openxmlformats.org/presentationml/2006/main">
   <p:cSld>
     <p:spTree>
@@ -38002,7 +39859,7 @@
 </p:sld>
 </file>
 
-<file path=ppt/slides/slide33.xml><?xml version="1.0" encoding="utf-8"?>
+<file path=ppt/slides/slide41.xml><?xml version="1.0" encoding="utf-8"?>
 <p:sld xmlns:a="http://schemas.openxmlformats.org/drawingml/2006/main" xmlns:r="http://schemas.openxmlformats.org/officeDocument/2006/relationships" xmlns:p="http://schemas.openxmlformats.org/presentationml/2006/main">
   <p:cSld>
     <p:spTree>
@@ -38484,7 +40341,7 @@
 </p:sld>
 </file>
 
-<file path=ppt/slides/slide34.xml><?xml version="1.0" encoding="utf-8"?>
+<file path=ppt/slides/slide42.xml><?xml version="1.0" encoding="utf-8"?>
 <p:sld xmlns:a="http://schemas.openxmlformats.org/drawingml/2006/main" xmlns:r="http://schemas.openxmlformats.org/officeDocument/2006/relationships" xmlns:p="http://schemas.openxmlformats.org/presentationml/2006/main">
   <p:cSld>
     <p:spTree>
@@ -38966,7 +40823,7 @@
 </p:sld>
 </file>
 
-<file path=ppt/slides/slide35.xml><?xml version="1.0" encoding="utf-8"?>
+<file path=ppt/slides/slide43.xml><?xml version="1.0" encoding="utf-8"?>
 <p:sld xmlns:a="http://schemas.openxmlformats.org/drawingml/2006/main" xmlns:r="http://schemas.openxmlformats.org/officeDocument/2006/relationships" xmlns:p="http://schemas.openxmlformats.org/presentationml/2006/main">
   <p:cSld>
     <p:spTree>
@@ -39398,7 +41255,7 @@
 </p:sld>
 </file>
 
-<file path=ppt/slides/slide36.xml><?xml version="1.0" encoding="utf-8"?>
+<file path=ppt/slides/slide44.xml><?xml version="1.0" encoding="utf-8"?>
 <p:sld xmlns:a="http://schemas.openxmlformats.org/drawingml/2006/main" xmlns:r="http://schemas.openxmlformats.org/officeDocument/2006/relationships" xmlns:p="http://schemas.openxmlformats.org/presentationml/2006/main">
   <p:cSld>
     <p:spTree>
@@ -39874,7 +41731,7 @@
 </p:sld>
 </file>
 
-<file path=ppt/slides/slide37.xml><?xml version="1.0" encoding="utf-8"?>
+<file path=ppt/slides/slide45.xml><?xml version="1.0" encoding="utf-8"?>
 <p:sld xmlns:a="http://schemas.openxmlformats.org/drawingml/2006/main" xmlns:r="http://schemas.openxmlformats.org/officeDocument/2006/relationships" xmlns:p="http://schemas.openxmlformats.org/presentationml/2006/main">
   <p:cSld>
     <p:spTree>
@@ -40404,7 +42261,7 @@
 </p:sld>
 </file>
 
-<file path=ppt/slides/slide38.xml><?xml version="1.0" encoding="utf-8"?>
+<file path=ppt/slides/slide46.xml><?xml version="1.0" encoding="utf-8"?>
 <p:sld xmlns:a="http://schemas.openxmlformats.org/drawingml/2006/main" xmlns:r="http://schemas.openxmlformats.org/officeDocument/2006/relationships" xmlns:p="http://schemas.openxmlformats.org/presentationml/2006/main">
   <p:cSld>
     <p:spTree>
@@ -42593,7 +44450,7 @@
 </p:sld>
 </file>
 
-<file path=ppt/slides/slide39.xml><?xml version="1.0" encoding="utf-8"?>
+<file path=ppt/slides/slide47.xml><?xml version="1.0" encoding="utf-8"?>
 <p:sld xmlns:a="http://schemas.openxmlformats.org/drawingml/2006/main" xmlns:r="http://schemas.openxmlformats.org/officeDocument/2006/relationships" xmlns:p="http://schemas.openxmlformats.org/presentationml/2006/main">
   <p:cSld>
     <p:spTree>
@@ -44882,170 +46739,7 @@
 </p:sld>
 </file>
 
-<file path=ppt/slides/slide4.xml><?xml version="1.0" encoding="utf-8"?>
-<p:sld xmlns:a="http://schemas.openxmlformats.org/drawingml/2006/main" xmlns:r="http://schemas.openxmlformats.org/officeDocument/2006/relationships" xmlns:p="http://schemas.openxmlformats.org/presentationml/2006/main">
-  <p:cSld>
-    <p:spTree>
-      <p:nvGrpSpPr>
-        <p:cNvPr id="1" name=""/>
-        <p:cNvGrpSpPr/>
-        <p:nvPr/>
-      </p:nvGrpSpPr>
-      <p:grpSpPr>
-        <a:xfrm>
-          <a:off x="0" y="0"/>
-          <a:ext cx="0" cy="0"/>
-          <a:chOff x="0" y="0"/>
-          <a:chExt cx="0" cy="0"/>
-        </a:xfrm>
-      </p:grpSpPr>
-      <p:sp>
-        <p:nvSpPr>
-          <p:cNvPr id="3" name="Title 2">
-            <a:extLst>
-              <a:ext uri="{FF2B5EF4-FFF2-40B4-BE49-F238E27FC236}">
-                <a16:creationId xmlns:a16="http://schemas.microsoft.com/office/drawing/2014/main" id="{9323871C-7CA8-1448-8FFC-1AE6E1838941}"/>
-              </a:ext>
-            </a:extLst>
-          </p:cNvPr>
-          <p:cNvSpPr>
-            <a:spLocks noGrp="1"/>
-          </p:cNvSpPr>
-          <p:nvPr>
-            <p:ph type="title"/>
-          </p:nvPr>
-        </p:nvSpPr>
-        <p:spPr/>
-        <p:txBody>
-          <a:bodyPr/>
-          <a:lstStyle/>
-          <a:p>
-            <a:r>
-              <a:rPr lang="en-US" dirty="0"/>
-              <a:t>Final Reports</a:t>
-            </a:r>
-          </a:p>
-        </p:txBody>
-      </p:sp>
-      <p:sp>
-        <p:nvSpPr>
-          <p:cNvPr id="5" name="Text Placeholder 4">
-            <a:extLst>
-              <a:ext uri="{FF2B5EF4-FFF2-40B4-BE49-F238E27FC236}">
-                <a16:creationId xmlns:a16="http://schemas.microsoft.com/office/drawing/2014/main" id="{F4E0A5F0-1D89-954D-91FB-596CD9E690F2}"/>
-              </a:ext>
-            </a:extLst>
-          </p:cNvPr>
-          <p:cNvSpPr>
-            <a:spLocks noGrp="1"/>
-          </p:cNvSpPr>
-          <p:nvPr>
-            <p:ph type="body" idx="1"/>
-          </p:nvPr>
-        </p:nvSpPr>
-        <p:spPr/>
-        <p:txBody>
-          <a:bodyPr/>
-          <a:lstStyle/>
-          <a:p>
-            <a:pPr marL="76200" indent="0" algn="ctr">
-              <a:buNone/>
-            </a:pPr>
-            <a:endParaRPr lang="en-US" b="1" dirty="0">
-              <a:solidFill>
-                <a:srgbClr val="C00000"/>
-              </a:solidFill>
-              <a:hlinkClick r:id="rId2">
-                <a:extLst>
-                  <a:ext uri="{A12FA001-AC4F-418D-AE19-62706E023703}">
-                    <ahyp:hlinkClr xmlns:ahyp="http://schemas.microsoft.com/office/drawing/2018/hyperlinkcolor" val="tx"/>
-                  </a:ext>
-                </a:extLst>
-              </a:hlinkClick>
-            </a:endParaRPr>
-          </a:p>
-          <a:p>
-            <a:pPr marL="76200" indent="0" algn="ctr">
-              <a:buNone/>
-            </a:pPr>
-            <a:endParaRPr lang="en-US" b="1" dirty="0">
-              <a:solidFill>
-                <a:srgbClr val="C00000"/>
-              </a:solidFill>
-              <a:hlinkClick r:id="rId2">
-                <a:extLst>
-                  <a:ext uri="{A12FA001-AC4F-418D-AE19-62706E023703}">
-                    <ahyp:hlinkClr xmlns:ahyp="http://schemas.microsoft.com/office/drawing/2018/hyperlinkcolor" val="tx"/>
-                  </a:ext>
-                </a:extLst>
-              </a:hlinkClick>
-            </a:endParaRPr>
-          </a:p>
-          <a:p>
-            <a:pPr marL="76200" indent="0" algn="ctr">
-              <a:buNone/>
-            </a:pPr>
-            <a:endParaRPr lang="en-US" b="1" dirty="0">
-              <a:solidFill>
-                <a:srgbClr val="C00000"/>
-              </a:solidFill>
-              <a:hlinkClick r:id="rId2">
-                <a:extLst>
-                  <a:ext uri="{A12FA001-AC4F-418D-AE19-62706E023703}">
-                    <ahyp:hlinkClr xmlns:ahyp="http://schemas.microsoft.com/office/drawing/2018/hyperlinkcolor" val="tx"/>
-                  </a:ext>
-                </a:extLst>
-              </a:hlinkClick>
-            </a:endParaRPr>
-          </a:p>
-          <a:p>
-            <a:pPr marL="76200" indent="0" algn="ctr">
-              <a:buNone/>
-            </a:pPr>
-            <a:r>
-              <a:rPr lang="en-US" dirty="0">
-                <a:solidFill>
-                  <a:srgbClr val="941100"/>
-                </a:solidFill>
-                <a:hlinkClick r:id="rId2">
-                  <a:extLst>
-                    <a:ext uri="{A12FA001-AC4F-418D-AE19-62706E023703}">
-                      <ahyp:hlinkClr xmlns:ahyp="http://schemas.microsoft.com/office/drawing/2018/hyperlinkcolor" val="tx"/>
-                    </a:ext>
-                  </a:extLst>
-                </a:hlinkClick>
-              </a:rPr>
-              <a:t>https://canvas.cmu.edu/courses/31334/assignments/515888</a:t>
-            </a:r>
-            <a:endParaRPr lang="en-US" dirty="0">
-              <a:solidFill>
-                <a:srgbClr val="941100"/>
-              </a:solidFill>
-              <a:hlinkClick r:id="" action="ppaction://noaction">
-                <a:extLst>
-                  <a:ext uri="{A12FA001-AC4F-418D-AE19-62706E023703}">
-                    <ahyp:hlinkClr xmlns:ahyp="http://schemas.microsoft.com/office/drawing/2018/hyperlinkcolor" val="tx"/>
-                  </a:ext>
-                </a:extLst>
-              </a:hlinkClick>
-            </a:endParaRPr>
-          </a:p>
-        </p:txBody>
-      </p:sp>
-    </p:spTree>
-    <p:extLst>
-      <p:ext uri="{BB962C8B-B14F-4D97-AF65-F5344CB8AC3E}">
-        <p14:creationId xmlns:p14="http://schemas.microsoft.com/office/powerpoint/2010/main" val="2510159019"/>
-      </p:ext>
-    </p:extLst>
-  </p:cSld>
-  <p:clrMapOvr>
-    <a:masterClrMapping/>
-  </p:clrMapOvr>
-</p:sld>
-</file>
-
-<file path=ppt/slides/slide40.xml><?xml version="1.0" encoding="utf-8"?>
+<file path=ppt/slides/slide48.xml><?xml version="1.0" encoding="utf-8"?>
 <p:sld xmlns:a="http://schemas.openxmlformats.org/drawingml/2006/main" xmlns:r="http://schemas.openxmlformats.org/officeDocument/2006/relationships" xmlns:p="http://schemas.openxmlformats.org/presentationml/2006/main">
   <p:cSld>
     <p:spTree>
@@ -45105,7 +46799,7 @@
 </p:sld>
 </file>
 
-<file path=ppt/slides/slide41.xml><?xml version="1.0" encoding="utf-8"?>
+<file path=ppt/slides/slide49.xml><?xml version="1.0" encoding="utf-8"?>
 <p:sld xmlns:a="http://schemas.openxmlformats.org/drawingml/2006/main" xmlns:r="http://schemas.openxmlformats.org/officeDocument/2006/relationships" xmlns:p="http://schemas.openxmlformats.org/presentationml/2006/main">
   <p:cSld>
     <p:spTree>
@@ -45194,7 +46888,363 @@
 </p:sld>
 </file>
 
-<file path=ppt/slides/slide42.xml><?xml version="1.0" encoding="utf-8"?>
+<file path=ppt/slides/slide5.xml><?xml version="1.0" encoding="utf-8"?>
+<p:sld xmlns:a="http://schemas.openxmlformats.org/drawingml/2006/main" xmlns:r="http://schemas.openxmlformats.org/officeDocument/2006/relationships" xmlns:p="http://schemas.openxmlformats.org/presentationml/2006/main">
+  <p:cSld>
+    <p:spTree>
+      <p:nvGrpSpPr>
+        <p:cNvPr id="1" name="Shape 129"/>
+        <p:cNvGrpSpPr/>
+        <p:nvPr/>
+      </p:nvGrpSpPr>
+      <p:grpSpPr>
+        <a:xfrm>
+          <a:off x="0" y="0"/>
+          <a:ext cx="0" cy="0"/>
+          <a:chOff x="0" y="0"/>
+          <a:chExt cx="0" cy="0"/>
+        </a:xfrm>
+      </p:grpSpPr>
+      <p:sp>
+        <p:nvSpPr>
+          <p:cNvPr id="130" name="Google Shape;130;p25"/>
+          <p:cNvSpPr txBox="1">
+            <a:spLocks noGrp="1"/>
+          </p:cNvSpPr>
+          <p:nvPr>
+            <p:ph type="title"/>
+          </p:nvPr>
+        </p:nvSpPr>
+        <p:spPr>
+          <a:xfrm>
+            <a:off x="415600" y="86563"/>
+            <a:ext cx="11360700" cy="763500"/>
+          </a:xfrm>
+          <a:prstGeom prst="rect">
+            <a:avLst/>
+          </a:prstGeom>
+          <a:noFill/>
+          <a:ln>
+            <a:noFill/>
+          </a:ln>
+        </p:spPr>
+        <p:txBody>
+          <a:bodyPr spcFirstLastPara="1" wrap="square" lIns="121900" tIns="121900" rIns="121900" bIns="121900" anchor="t" anchorCtr="0">
+            <a:noAutofit/>
+          </a:bodyPr>
+          <a:lstStyle/>
+          <a:p>
+            <a:pPr marL="0" lvl="0" indent="0" algn="l" rtl="0">
+              <a:lnSpc>
+                <a:spcPct val="100000"/>
+              </a:lnSpc>
+              <a:spcBef>
+                <a:spcPts val="0"/>
+              </a:spcBef>
+              <a:spcAft>
+                <a:spcPts val="0"/>
+              </a:spcAft>
+              <a:buClr>
+                <a:srgbClr val="FFFFFF"/>
+              </a:buClr>
+              <a:buSzPts val="3700"/>
+              <a:buNone/>
+            </a:pPr>
+            <a:r>
+              <a:rPr lang="en-US"/>
+              <a:t>Project checklist</a:t>
+            </a:r>
+            <a:endParaRPr/>
+          </a:p>
+        </p:txBody>
+      </p:sp>
+      <p:sp>
+        <p:nvSpPr>
+          <p:cNvPr id="131" name="Google Shape;131;p25"/>
+          <p:cNvSpPr txBox="1">
+            <a:spLocks noGrp="1"/>
+          </p:cNvSpPr>
+          <p:nvPr>
+            <p:ph type="body" idx="1"/>
+          </p:nvPr>
+        </p:nvSpPr>
+        <p:spPr>
+          <a:xfrm>
+            <a:off x="415600" y="1536633"/>
+            <a:ext cx="11360700" cy="4555200"/>
+          </a:xfrm>
+          <a:prstGeom prst="rect">
+            <a:avLst/>
+          </a:prstGeom>
+          <a:noFill/>
+          <a:ln>
+            <a:noFill/>
+          </a:ln>
+        </p:spPr>
+        <p:txBody>
+          <a:bodyPr spcFirstLastPara="1" wrap="square" lIns="121900" tIns="121900" rIns="121900" bIns="121900" anchor="t" anchorCtr="0">
+            <a:noAutofit/>
+          </a:bodyPr>
+          <a:lstStyle/>
+          <a:p>
+            <a:pPr marL="0" lvl="0" indent="0" algn="l" rtl="0">
+              <a:lnSpc>
+                <a:spcPct val="115000"/>
+              </a:lnSpc>
+              <a:spcBef>
+                <a:spcPts val="0"/>
+              </a:spcBef>
+              <a:spcAft>
+                <a:spcPts val="0"/>
+              </a:spcAft>
+              <a:buSzPts val="2400"/>
+              <a:buChar char="●"/>
+            </a:pPr>
+            <a:r>
+              <a:rPr lang="en-US" dirty="0"/>
+              <a:t> Train Test Splits – make sure you’re using all of them</a:t>
+            </a:r>
+            <a:endParaRPr dirty="0"/>
+          </a:p>
+          <a:p>
+            <a:pPr marL="0" lvl="0" indent="0" algn="l" rtl="0">
+              <a:lnSpc>
+                <a:spcPct val="115000"/>
+              </a:lnSpc>
+              <a:spcBef>
+                <a:spcPts val="0"/>
+              </a:spcBef>
+              <a:spcAft>
+                <a:spcPts val="0"/>
+              </a:spcAft>
+              <a:buSzPts val="2400"/>
+              <a:buChar char="●"/>
+            </a:pPr>
+            <a:r>
+              <a:rPr lang="en-US" dirty="0"/>
+              <a:t> Features – make sure you have relevant features</a:t>
+            </a:r>
+            <a:endParaRPr dirty="0"/>
+          </a:p>
+          <a:p>
+            <a:pPr marL="914400" lvl="3" indent="-349250" algn="l" rtl="0">
+              <a:lnSpc>
+                <a:spcPct val="115000"/>
+              </a:lnSpc>
+              <a:spcBef>
+                <a:spcPts val="0"/>
+              </a:spcBef>
+              <a:spcAft>
+                <a:spcPts val="0"/>
+              </a:spcAft>
+              <a:buSzPts val="1900"/>
+              <a:buChar char="●"/>
+            </a:pPr>
+            <a:r>
+              <a:rPr lang="en-US" dirty="0"/>
+              <a:t>Imputation</a:t>
+            </a:r>
+            <a:endParaRPr dirty="0"/>
+          </a:p>
+          <a:p>
+            <a:pPr marL="914400" lvl="3" indent="-349250" algn="l" rtl="0">
+              <a:lnSpc>
+                <a:spcPct val="115000"/>
+              </a:lnSpc>
+              <a:spcBef>
+                <a:spcPts val="0"/>
+              </a:spcBef>
+              <a:spcAft>
+                <a:spcPts val="0"/>
+              </a:spcAft>
+              <a:buSzPts val="1900"/>
+              <a:buChar char="●"/>
+            </a:pPr>
+            <a:r>
+              <a:rPr lang="en-US" dirty="0"/>
+              <a:t>scaling</a:t>
+            </a:r>
+            <a:endParaRPr dirty="0"/>
+          </a:p>
+          <a:p>
+            <a:pPr marL="0" lvl="0" indent="0" algn="l" rtl="0">
+              <a:lnSpc>
+                <a:spcPct val="115000"/>
+              </a:lnSpc>
+              <a:spcBef>
+                <a:spcPts val="0"/>
+              </a:spcBef>
+              <a:spcAft>
+                <a:spcPts val="0"/>
+              </a:spcAft>
+              <a:buSzPts val="2400"/>
+              <a:buChar char="●"/>
+            </a:pPr>
+            <a:r>
+              <a:rPr lang="en-US" dirty="0"/>
+              <a:t> Models</a:t>
+            </a:r>
+            <a:endParaRPr dirty="0"/>
+          </a:p>
+          <a:p>
+            <a:pPr marL="914400" lvl="3" indent="-349250" algn="l" rtl="0">
+              <a:lnSpc>
+                <a:spcPct val="115000"/>
+              </a:lnSpc>
+              <a:spcBef>
+                <a:spcPts val="0"/>
+              </a:spcBef>
+              <a:spcAft>
+                <a:spcPts val="0"/>
+              </a:spcAft>
+              <a:buSzPts val="1900"/>
+              <a:buChar char="●"/>
+            </a:pPr>
+            <a:r>
+              <a:rPr lang="en-US" dirty="0"/>
+              <a:t>Make sure you have an appropriately large grid and model types</a:t>
+            </a:r>
+            <a:endParaRPr dirty="0"/>
+          </a:p>
+          <a:p>
+            <a:pPr marL="0" lvl="0" indent="0" algn="l" rtl="0">
+              <a:lnSpc>
+                <a:spcPct val="115000"/>
+              </a:lnSpc>
+              <a:spcBef>
+                <a:spcPts val="0"/>
+              </a:spcBef>
+              <a:spcAft>
+                <a:spcPts val="0"/>
+              </a:spcAft>
+              <a:buSzPts val="2400"/>
+              <a:buChar char="●"/>
+            </a:pPr>
+            <a:r>
+              <a:rPr lang="en-US" dirty="0"/>
+              <a:t> Model Selection</a:t>
+            </a:r>
+            <a:endParaRPr dirty="0"/>
+          </a:p>
+          <a:p>
+            <a:pPr marL="914400" lvl="3" indent="-349250" algn="l" rtl="0">
+              <a:lnSpc>
+                <a:spcPct val="115000"/>
+              </a:lnSpc>
+              <a:spcBef>
+                <a:spcPts val="0"/>
+              </a:spcBef>
+              <a:spcAft>
+                <a:spcPts val="0"/>
+              </a:spcAft>
+              <a:buSzPts val="1900"/>
+              <a:buChar char="●"/>
+            </a:pPr>
+            <a:r>
+              <a:rPr lang="en-US" dirty="0"/>
+              <a:t>Initial metric (sanity check with PR-k curve), and selection metric over time</a:t>
+            </a:r>
+            <a:endParaRPr dirty="0"/>
+          </a:p>
+          <a:p>
+            <a:pPr marL="0" lvl="0" indent="0" algn="l" rtl="0">
+              <a:lnSpc>
+                <a:spcPct val="115000"/>
+              </a:lnSpc>
+              <a:spcBef>
+                <a:spcPts val="0"/>
+              </a:spcBef>
+              <a:spcAft>
+                <a:spcPts val="0"/>
+              </a:spcAft>
+              <a:buSzPts val="2400"/>
+              <a:buChar char="●"/>
+            </a:pPr>
+            <a:r>
+              <a:rPr lang="en-US" dirty="0"/>
+              <a:t> Interpretability</a:t>
+            </a:r>
+            <a:endParaRPr dirty="0"/>
+          </a:p>
+          <a:p>
+            <a:pPr marL="914400" lvl="3" indent="-349250" algn="l" rtl="0">
+              <a:lnSpc>
+                <a:spcPct val="115000"/>
+              </a:lnSpc>
+              <a:spcBef>
+                <a:spcPts val="0"/>
+              </a:spcBef>
+              <a:spcAft>
+                <a:spcPts val="0"/>
+              </a:spcAft>
+              <a:buSzPts val="1900"/>
+              <a:buChar char="●"/>
+            </a:pPr>
+            <a:r>
+              <a:rPr lang="en-US" dirty="0"/>
+              <a:t>Feature </a:t>
+            </a:r>
+            <a:r>
+              <a:rPr lang="en-US" dirty="0" err="1"/>
+              <a:t>importances</a:t>
+            </a:r>
+            <a:r>
+              <a:rPr lang="en-US" dirty="0"/>
+              <a:t>, Cross-Tabs</a:t>
+            </a:r>
+            <a:endParaRPr dirty="0"/>
+          </a:p>
+          <a:p>
+            <a:pPr marL="0" lvl="0" indent="0" algn="l" rtl="0">
+              <a:lnSpc>
+                <a:spcPct val="115000"/>
+              </a:lnSpc>
+              <a:spcBef>
+                <a:spcPts val="0"/>
+              </a:spcBef>
+              <a:spcAft>
+                <a:spcPts val="0"/>
+              </a:spcAft>
+              <a:buSzPts val="2400"/>
+              <a:buChar char="●"/>
+            </a:pPr>
+            <a:r>
+              <a:rPr lang="en-US" dirty="0"/>
+              <a:t> Bias</a:t>
+            </a:r>
+            <a:endParaRPr dirty="0"/>
+          </a:p>
+          <a:p>
+            <a:pPr marL="914400" lvl="3" indent="-349250" algn="l" rtl="0">
+              <a:lnSpc>
+                <a:spcPct val="115000"/>
+              </a:lnSpc>
+              <a:spcBef>
+                <a:spcPts val="0"/>
+              </a:spcBef>
+              <a:spcAft>
+                <a:spcPts val="0"/>
+              </a:spcAft>
+              <a:buSzPts val="1900"/>
+              <a:buChar char="●"/>
+            </a:pPr>
+            <a:r>
+              <a:rPr lang="en-US" dirty="0"/>
+              <a:t>Protected Group and Bias Metric</a:t>
+            </a:r>
+            <a:endParaRPr dirty="0"/>
+          </a:p>
+        </p:txBody>
+      </p:sp>
+    </p:spTree>
+  </p:cSld>
+  <p:clrMapOvr>
+    <a:masterClrMapping/>
+  </p:clrMapOvr>
+</p:sld>
+</file>
+
+<file path=ppt/slides/slide50.xml><?xml version="1.0" encoding="utf-8"?>
 <p:sld xmlns:a="http://schemas.openxmlformats.org/drawingml/2006/main" xmlns:r="http://schemas.openxmlformats.org/officeDocument/2006/relationships" xmlns:p="http://schemas.openxmlformats.org/presentationml/2006/main">
   <p:cSld>
     <p:spTree>
@@ -45291,7 +47341,7 @@
 </p:sld>
 </file>
 
-<file path=ppt/slides/slide43.xml><?xml version="1.0" encoding="utf-8"?>
+<file path=ppt/slides/slide51.xml><?xml version="1.0" encoding="utf-8"?>
 <p:sld xmlns:a="http://schemas.openxmlformats.org/drawingml/2006/main" xmlns:r="http://schemas.openxmlformats.org/officeDocument/2006/relationships" xmlns:p="http://schemas.openxmlformats.org/presentationml/2006/main">
   <p:cSld>
     <p:spTree>
@@ -45464,7 +47514,7 @@
 </p:sld>
 </file>
 
-<file path=ppt/slides/slide44.xml><?xml version="1.0" encoding="utf-8"?>
+<file path=ppt/slides/slide52.xml><?xml version="1.0" encoding="utf-8"?>
 <p:sld xmlns:a="http://schemas.openxmlformats.org/drawingml/2006/main" xmlns:r="http://schemas.openxmlformats.org/officeDocument/2006/relationships" xmlns:p="http://schemas.openxmlformats.org/presentationml/2006/main">
   <p:cSld>
     <p:spTree>
@@ -45763,7 +47813,7 @@
 </p:sld>
 </file>
 
-<file path=ppt/slides/slide45.xml><?xml version="1.0" encoding="utf-8"?>
+<file path=ppt/slides/slide53.xml><?xml version="1.0" encoding="utf-8"?>
 <p:sld xmlns:a="http://schemas.openxmlformats.org/drawingml/2006/main" xmlns:r="http://schemas.openxmlformats.org/officeDocument/2006/relationships" xmlns:p="http://schemas.openxmlformats.org/presentationml/2006/main">
   <p:cSld>
     <p:spTree>
@@ -45916,7 +47966,7 @@
 </p:sld>
 </file>
 
-<file path=ppt/slides/slide46.xml><?xml version="1.0" encoding="utf-8"?>
+<file path=ppt/slides/slide54.xml><?xml version="1.0" encoding="utf-8"?>
 <p:sld xmlns:a="http://schemas.openxmlformats.org/drawingml/2006/main" xmlns:r="http://schemas.openxmlformats.org/officeDocument/2006/relationships" xmlns:p="http://schemas.openxmlformats.org/presentationml/2006/main">
   <p:cSld>
     <p:spTree>
@@ -46069,7 +48119,7 @@
 </p:sld>
 </file>
 
-<file path=ppt/slides/slide47.xml><?xml version="1.0" encoding="utf-8"?>
+<file path=ppt/slides/slide55.xml><?xml version="1.0" encoding="utf-8"?>
 <p:sld xmlns:a="http://schemas.openxmlformats.org/drawingml/2006/main" xmlns:r="http://schemas.openxmlformats.org/officeDocument/2006/relationships" xmlns:p="http://schemas.openxmlformats.org/presentationml/2006/main">
   <p:cSld>
     <p:spTree>
@@ -46375,7 +48425,7 @@
 </p:sld>
 </file>
 
-<file path=ppt/slides/slide48.xml><?xml version="1.0" encoding="utf-8"?>
+<file path=ppt/slides/slide56.xml><?xml version="1.0" encoding="utf-8"?>
 <p:sld xmlns:a="http://schemas.openxmlformats.org/drawingml/2006/main" xmlns:r="http://schemas.openxmlformats.org/officeDocument/2006/relationships" xmlns:p="http://schemas.openxmlformats.org/presentationml/2006/main">
   <p:cSld>
     <p:spTree>
@@ -46762,7 +48812,7 @@
 </p:sld>
 </file>
 
-<file path=ppt/slides/slide49.xml><?xml version="1.0" encoding="utf-8"?>
+<file path=ppt/slides/slide57.xml><?xml version="1.0" encoding="utf-8"?>
 <p:sld xmlns:a="http://schemas.openxmlformats.org/drawingml/2006/main" xmlns:r="http://schemas.openxmlformats.org/officeDocument/2006/relationships" xmlns:p="http://schemas.openxmlformats.org/presentationml/2006/main">
   <p:cSld>
     <p:spTree>
@@ -47031,363 +49081,7 @@
 </p:sld>
 </file>
 
-<file path=ppt/slides/slide5.xml><?xml version="1.0" encoding="utf-8"?>
-<p:sld xmlns:a="http://schemas.openxmlformats.org/drawingml/2006/main" xmlns:r="http://schemas.openxmlformats.org/officeDocument/2006/relationships" xmlns:p="http://schemas.openxmlformats.org/presentationml/2006/main">
-  <p:cSld>
-    <p:spTree>
-      <p:nvGrpSpPr>
-        <p:cNvPr id="1" name="Shape 129"/>
-        <p:cNvGrpSpPr/>
-        <p:nvPr/>
-      </p:nvGrpSpPr>
-      <p:grpSpPr>
-        <a:xfrm>
-          <a:off x="0" y="0"/>
-          <a:ext cx="0" cy="0"/>
-          <a:chOff x="0" y="0"/>
-          <a:chExt cx="0" cy="0"/>
-        </a:xfrm>
-      </p:grpSpPr>
-      <p:sp>
-        <p:nvSpPr>
-          <p:cNvPr id="130" name="Google Shape;130;p25"/>
-          <p:cNvSpPr txBox="1">
-            <a:spLocks noGrp="1"/>
-          </p:cNvSpPr>
-          <p:nvPr>
-            <p:ph type="title"/>
-          </p:nvPr>
-        </p:nvSpPr>
-        <p:spPr>
-          <a:xfrm>
-            <a:off x="415600" y="86563"/>
-            <a:ext cx="11360700" cy="763500"/>
-          </a:xfrm>
-          <a:prstGeom prst="rect">
-            <a:avLst/>
-          </a:prstGeom>
-          <a:noFill/>
-          <a:ln>
-            <a:noFill/>
-          </a:ln>
-        </p:spPr>
-        <p:txBody>
-          <a:bodyPr spcFirstLastPara="1" wrap="square" lIns="121900" tIns="121900" rIns="121900" bIns="121900" anchor="t" anchorCtr="0">
-            <a:noAutofit/>
-          </a:bodyPr>
-          <a:lstStyle/>
-          <a:p>
-            <a:pPr marL="0" lvl="0" indent="0" algn="l" rtl="0">
-              <a:lnSpc>
-                <a:spcPct val="100000"/>
-              </a:lnSpc>
-              <a:spcBef>
-                <a:spcPts val="0"/>
-              </a:spcBef>
-              <a:spcAft>
-                <a:spcPts val="0"/>
-              </a:spcAft>
-              <a:buClr>
-                <a:srgbClr val="FFFFFF"/>
-              </a:buClr>
-              <a:buSzPts val="3700"/>
-              <a:buNone/>
-            </a:pPr>
-            <a:r>
-              <a:rPr lang="en-US"/>
-              <a:t>Project checklist</a:t>
-            </a:r>
-            <a:endParaRPr/>
-          </a:p>
-        </p:txBody>
-      </p:sp>
-      <p:sp>
-        <p:nvSpPr>
-          <p:cNvPr id="131" name="Google Shape;131;p25"/>
-          <p:cNvSpPr txBox="1">
-            <a:spLocks noGrp="1"/>
-          </p:cNvSpPr>
-          <p:nvPr>
-            <p:ph type="body" idx="1"/>
-          </p:nvPr>
-        </p:nvSpPr>
-        <p:spPr>
-          <a:xfrm>
-            <a:off x="415600" y="1536633"/>
-            <a:ext cx="11360700" cy="4555200"/>
-          </a:xfrm>
-          <a:prstGeom prst="rect">
-            <a:avLst/>
-          </a:prstGeom>
-          <a:noFill/>
-          <a:ln>
-            <a:noFill/>
-          </a:ln>
-        </p:spPr>
-        <p:txBody>
-          <a:bodyPr spcFirstLastPara="1" wrap="square" lIns="121900" tIns="121900" rIns="121900" bIns="121900" anchor="t" anchorCtr="0">
-            <a:noAutofit/>
-          </a:bodyPr>
-          <a:lstStyle/>
-          <a:p>
-            <a:pPr marL="0" lvl="0" indent="0" algn="l" rtl="0">
-              <a:lnSpc>
-                <a:spcPct val="115000"/>
-              </a:lnSpc>
-              <a:spcBef>
-                <a:spcPts val="0"/>
-              </a:spcBef>
-              <a:spcAft>
-                <a:spcPts val="0"/>
-              </a:spcAft>
-              <a:buSzPts val="2400"/>
-              <a:buChar char="●"/>
-            </a:pPr>
-            <a:r>
-              <a:rPr lang="en-US" dirty="0"/>
-              <a:t> Train Test Splits – make sure you’re using all of them</a:t>
-            </a:r>
-            <a:endParaRPr dirty="0"/>
-          </a:p>
-          <a:p>
-            <a:pPr marL="0" lvl="0" indent="0" algn="l" rtl="0">
-              <a:lnSpc>
-                <a:spcPct val="115000"/>
-              </a:lnSpc>
-              <a:spcBef>
-                <a:spcPts val="0"/>
-              </a:spcBef>
-              <a:spcAft>
-                <a:spcPts val="0"/>
-              </a:spcAft>
-              <a:buSzPts val="2400"/>
-              <a:buChar char="●"/>
-            </a:pPr>
-            <a:r>
-              <a:rPr lang="en-US" dirty="0"/>
-              <a:t> Features – make sure you have relevant features</a:t>
-            </a:r>
-            <a:endParaRPr dirty="0"/>
-          </a:p>
-          <a:p>
-            <a:pPr marL="914400" lvl="3" indent="-349250" algn="l" rtl="0">
-              <a:lnSpc>
-                <a:spcPct val="115000"/>
-              </a:lnSpc>
-              <a:spcBef>
-                <a:spcPts val="0"/>
-              </a:spcBef>
-              <a:spcAft>
-                <a:spcPts val="0"/>
-              </a:spcAft>
-              <a:buSzPts val="1900"/>
-              <a:buChar char="●"/>
-            </a:pPr>
-            <a:r>
-              <a:rPr lang="en-US" dirty="0"/>
-              <a:t>Imputation</a:t>
-            </a:r>
-            <a:endParaRPr dirty="0"/>
-          </a:p>
-          <a:p>
-            <a:pPr marL="914400" lvl="3" indent="-349250" algn="l" rtl="0">
-              <a:lnSpc>
-                <a:spcPct val="115000"/>
-              </a:lnSpc>
-              <a:spcBef>
-                <a:spcPts val="0"/>
-              </a:spcBef>
-              <a:spcAft>
-                <a:spcPts val="0"/>
-              </a:spcAft>
-              <a:buSzPts val="1900"/>
-              <a:buChar char="●"/>
-            </a:pPr>
-            <a:r>
-              <a:rPr lang="en-US" dirty="0"/>
-              <a:t>scaling</a:t>
-            </a:r>
-            <a:endParaRPr dirty="0"/>
-          </a:p>
-          <a:p>
-            <a:pPr marL="0" lvl="0" indent="0" algn="l" rtl="0">
-              <a:lnSpc>
-                <a:spcPct val="115000"/>
-              </a:lnSpc>
-              <a:spcBef>
-                <a:spcPts val="0"/>
-              </a:spcBef>
-              <a:spcAft>
-                <a:spcPts val="0"/>
-              </a:spcAft>
-              <a:buSzPts val="2400"/>
-              <a:buChar char="●"/>
-            </a:pPr>
-            <a:r>
-              <a:rPr lang="en-US" dirty="0"/>
-              <a:t> Models</a:t>
-            </a:r>
-            <a:endParaRPr dirty="0"/>
-          </a:p>
-          <a:p>
-            <a:pPr marL="914400" lvl="3" indent="-349250" algn="l" rtl="0">
-              <a:lnSpc>
-                <a:spcPct val="115000"/>
-              </a:lnSpc>
-              <a:spcBef>
-                <a:spcPts val="0"/>
-              </a:spcBef>
-              <a:spcAft>
-                <a:spcPts val="0"/>
-              </a:spcAft>
-              <a:buSzPts val="1900"/>
-              <a:buChar char="●"/>
-            </a:pPr>
-            <a:r>
-              <a:rPr lang="en-US" dirty="0"/>
-              <a:t>Make sure you have an appropriately large grid and model types</a:t>
-            </a:r>
-            <a:endParaRPr dirty="0"/>
-          </a:p>
-          <a:p>
-            <a:pPr marL="0" lvl="0" indent="0" algn="l" rtl="0">
-              <a:lnSpc>
-                <a:spcPct val="115000"/>
-              </a:lnSpc>
-              <a:spcBef>
-                <a:spcPts val="0"/>
-              </a:spcBef>
-              <a:spcAft>
-                <a:spcPts val="0"/>
-              </a:spcAft>
-              <a:buSzPts val="2400"/>
-              <a:buChar char="●"/>
-            </a:pPr>
-            <a:r>
-              <a:rPr lang="en-US" dirty="0"/>
-              <a:t> Model Selection</a:t>
-            </a:r>
-            <a:endParaRPr dirty="0"/>
-          </a:p>
-          <a:p>
-            <a:pPr marL="914400" lvl="3" indent="-349250" algn="l" rtl="0">
-              <a:lnSpc>
-                <a:spcPct val="115000"/>
-              </a:lnSpc>
-              <a:spcBef>
-                <a:spcPts val="0"/>
-              </a:spcBef>
-              <a:spcAft>
-                <a:spcPts val="0"/>
-              </a:spcAft>
-              <a:buSzPts val="1900"/>
-              <a:buChar char="●"/>
-            </a:pPr>
-            <a:r>
-              <a:rPr lang="en-US" dirty="0"/>
-              <a:t>Initial metric (sanity check with PR-k curve), and selection metric over time</a:t>
-            </a:r>
-            <a:endParaRPr dirty="0"/>
-          </a:p>
-          <a:p>
-            <a:pPr marL="0" lvl="0" indent="0" algn="l" rtl="0">
-              <a:lnSpc>
-                <a:spcPct val="115000"/>
-              </a:lnSpc>
-              <a:spcBef>
-                <a:spcPts val="0"/>
-              </a:spcBef>
-              <a:spcAft>
-                <a:spcPts val="0"/>
-              </a:spcAft>
-              <a:buSzPts val="2400"/>
-              <a:buChar char="●"/>
-            </a:pPr>
-            <a:r>
-              <a:rPr lang="en-US" dirty="0"/>
-              <a:t> Interpretability</a:t>
-            </a:r>
-            <a:endParaRPr dirty="0"/>
-          </a:p>
-          <a:p>
-            <a:pPr marL="914400" lvl="3" indent="-349250" algn="l" rtl="0">
-              <a:lnSpc>
-                <a:spcPct val="115000"/>
-              </a:lnSpc>
-              <a:spcBef>
-                <a:spcPts val="0"/>
-              </a:spcBef>
-              <a:spcAft>
-                <a:spcPts val="0"/>
-              </a:spcAft>
-              <a:buSzPts val="1900"/>
-              <a:buChar char="●"/>
-            </a:pPr>
-            <a:r>
-              <a:rPr lang="en-US" dirty="0"/>
-              <a:t>Feature </a:t>
-            </a:r>
-            <a:r>
-              <a:rPr lang="en-US" dirty="0" err="1"/>
-              <a:t>importances</a:t>
-            </a:r>
-            <a:r>
-              <a:rPr lang="en-US" dirty="0"/>
-              <a:t>, Cross-Tabs</a:t>
-            </a:r>
-            <a:endParaRPr dirty="0"/>
-          </a:p>
-          <a:p>
-            <a:pPr marL="0" lvl="0" indent="0" algn="l" rtl="0">
-              <a:lnSpc>
-                <a:spcPct val="115000"/>
-              </a:lnSpc>
-              <a:spcBef>
-                <a:spcPts val="0"/>
-              </a:spcBef>
-              <a:spcAft>
-                <a:spcPts val="0"/>
-              </a:spcAft>
-              <a:buSzPts val="2400"/>
-              <a:buChar char="●"/>
-            </a:pPr>
-            <a:r>
-              <a:rPr lang="en-US" dirty="0"/>
-              <a:t> Bias</a:t>
-            </a:r>
-            <a:endParaRPr dirty="0"/>
-          </a:p>
-          <a:p>
-            <a:pPr marL="914400" lvl="3" indent="-349250" algn="l" rtl="0">
-              <a:lnSpc>
-                <a:spcPct val="115000"/>
-              </a:lnSpc>
-              <a:spcBef>
-                <a:spcPts val="0"/>
-              </a:spcBef>
-              <a:spcAft>
-                <a:spcPts val="0"/>
-              </a:spcAft>
-              <a:buSzPts val="1900"/>
-              <a:buChar char="●"/>
-            </a:pPr>
-            <a:r>
-              <a:rPr lang="en-US" dirty="0"/>
-              <a:t>Protected Group and Bias Metric</a:t>
-            </a:r>
-            <a:endParaRPr dirty="0"/>
-          </a:p>
-        </p:txBody>
-      </p:sp>
-    </p:spTree>
-  </p:cSld>
-  <p:clrMapOvr>
-    <a:masterClrMapping/>
-  </p:clrMapOvr>
-</p:sld>
-</file>
-
-<file path=ppt/slides/slide50.xml><?xml version="1.0" encoding="utf-8"?>
+<file path=ppt/slides/slide58.xml><?xml version="1.0" encoding="utf-8"?>
 <p:sld xmlns:a="http://schemas.openxmlformats.org/drawingml/2006/main" xmlns:r="http://schemas.openxmlformats.org/officeDocument/2006/relationships" xmlns:p="http://schemas.openxmlformats.org/presentationml/2006/main">
   <p:cSld>
     <p:spTree>
@@ -47691,7 +49385,7 @@
 </p:sld>
 </file>
 
-<file path=ppt/slides/slide51.xml><?xml version="1.0" encoding="utf-8"?>
+<file path=ppt/slides/slide59.xml><?xml version="1.0" encoding="utf-8"?>
 <p:sld xmlns:a="http://schemas.openxmlformats.org/drawingml/2006/main" xmlns:r="http://schemas.openxmlformats.org/officeDocument/2006/relationships" xmlns:p="http://schemas.openxmlformats.org/presentationml/2006/main">
   <p:cSld>
     <p:spTree>
@@ -48257,7 +49951,94 @@
 </p:sld>
 </file>
 
-<file path=ppt/slides/slide52.xml><?xml version="1.0" encoding="utf-8"?>
+<file path=ppt/slides/slide6.xml><?xml version="1.0" encoding="utf-8"?>
+<p:sld xmlns:a="http://schemas.openxmlformats.org/drawingml/2006/main" xmlns:r="http://schemas.openxmlformats.org/officeDocument/2006/relationships" xmlns:p="http://schemas.openxmlformats.org/presentationml/2006/main">
+  <p:cSld>
+    <p:spTree>
+      <p:nvGrpSpPr>
+        <p:cNvPr id="1" name=""/>
+        <p:cNvGrpSpPr/>
+        <p:nvPr/>
+      </p:nvGrpSpPr>
+      <p:grpSpPr>
+        <a:xfrm>
+          <a:off x="0" y="0"/>
+          <a:ext cx="0" cy="0"/>
+          <a:chOff x="0" y="0"/>
+          <a:chExt cx="0" cy="0"/>
+        </a:xfrm>
+      </p:grpSpPr>
+      <p:sp>
+        <p:nvSpPr>
+          <p:cNvPr id="6" name="Rectangle 5">
+            <a:extLst>
+              <a:ext uri="{FF2B5EF4-FFF2-40B4-BE49-F238E27FC236}">
+                <a16:creationId xmlns:a16="http://schemas.microsoft.com/office/drawing/2014/main" id="{EB32CB03-C57A-264F-8B27-05C93E607FB2}"/>
+              </a:ext>
+            </a:extLst>
+          </p:cNvPr>
+          <p:cNvSpPr/>
+          <p:nvPr/>
+        </p:nvSpPr>
+        <p:spPr>
+          <a:xfrm>
+            <a:off x="0" y="0"/>
+            <a:ext cx="12192000" cy="6858000"/>
+          </a:xfrm>
+          <a:prstGeom prst="rect">
+            <a:avLst/>
+          </a:prstGeom>
+          <a:solidFill>
+            <a:srgbClr val="A61B00"/>
+          </a:solidFill>
+          <a:ln>
+            <a:solidFill>
+              <a:srgbClr val="A61B00"/>
+            </a:solidFill>
+          </a:ln>
+        </p:spPr>
+        <p:style>
+          <a:lnRef idx="2">
+            <a:schemeClr val="accent1">
+              <a:shade val="50000"/>
+            </a:schemeClr>
+          </a:lnRef>
+          <a:fillRef idx="1">
+            <a:schemeClr val="accent1"/>
+          </a:fillRef>
+          <a:effectRef idx="0">
+            <a:schemeClr val="accent1"/>
+          </a:effectRef>
+          <a:fontRef idx="minor">
+            <a:schemeClr val="lt1"/>
+          </a:fontRef>
+        </p:style>
+        <p:txBody>
+          <a:bodyPr rtlCol="0" anchor="ctr"/>
+          <a:lstStyle/>
+          <a:p>
+            <a:pPr algn="ctr"/>
+            <a:r>
+              <a:rPr lang="en-US" sz="7200" dirty="0"/>
+              <a:t>Seven Big Takeaways</a:t>
+            </a:r>
+          </a:p>
+        </p:txBody>
+      </p:sp>
+    </p:spTree>
+    <p:extLst>
+      <p:ext uri="{BB962C8B-B14F-4D97-AF65-F5344CB8AC3E}">
+        <p14:creationId xmlns:p14="http://schemas.microsoft.com/office/powerpoint/2010/main" val="2007515258"/>
+      </p:ext>
+    </p:extLst>
+  </p:cSld>
+  <p:clrMapOvr>
+    <a:masterClrMapping/>
+  </p:clrMapOvr>
+</p:sld>
+</file>
+
+<file path=ppt/slides/slide60.xml><?xml version="1.0" encoding="utf-8"?>
 <p:sld xmlns:a="http://schemas.openxmlformats.org/drawingml/2006/main" xmlns:r="http://schemas.openxmlformats.org/officeDocument/2006/relationships" xmlns:p="http://schemas.openxmlformats.org/presentationml/2006/main">
   <p:cSld>
     <p:spTree>
@@ -48421,7 +50202,7 @@
 </p:sld>
 </file>
 
-<file path=ppt/slides/slide53.xml><?xml version="1.0" encoding="utf-8"?>
+<file path=ppt/slides/slide61.xml><?xml version="1.0" encoding="utf-8"?>
 <p:sld xmlns:a="http://schemas.openxmlformats.org/drawingml/2006/main" xmlns:r="http://schemas.openxmlformats.org/officeDocument/2006/relationships" xmlns:p="http://schemas.openxmlformats.org/presentationml/2006/main">
   <p:cSld>
     <p:spTree>
@@ -48574,7 +50355,7 @@
 </p:sld>
 </file>
 
-<file path=ppt/slides/slide54.xml><?xml version="1.0" encoding="utf-8"?>
+<file path=ppt/slides/slide62.xml><?xml version="1.0" encoding="utf-8"?>
 <p:sld xmlns:a="http://schemas.openxmlformats.org/drawingml/2006/main" xmlns:r="http://schemas.openxmlformats.org/officeDocument/2006/relationships" xmlns:p="http://schemas.openxmlformats.org/presentationml/2006/main">
   <p:cSld>
     <p:spTree>
@@ -48662,7 +50443,7 @@
 </p:sld>
 </file>
 
-<file path=ppt/slides/slide55.xml><?xml version="1.0" encoding="utf-8"?>
+<file path=ppt/slides/slide63.xml><?xml version="1.0" encoding="utf-8"?>
 <p:sld xmlns:a="http://schemas.openxmlformats.org/drawingml/2006/main" xmlns:r="http://schemas.openxmlformats.org/officeDocument/2006/relationships" xmlns:p="http://schemas.openxmlformats.org/presentationml/2006/main">
   <p:cSld>
     <p:spTree>
@@ -48934,7 +50715,7 @@
 </p:sld>
 </file>
 
-<file path=ppt/slides/slide56.xml><?xml version="1.0" encoding="utf-8"?>
+<file path=ppt/slides/slide64.xml><?xml version="1.0" encoding="utf-8"?>
 <p:sld xmlns:a="http://schemas.openxmlformats.org/drawingml/2006/main" xmlns:r="http://schemas.openxmlformats.org/officeDocument/2006/relationships" xmlns:p="http://schemas.openxmlformats.org/presentationml/2006/main">
   <p:cSld>
     <p:spTree>
@@ -49069,93 +50850,6 @@
 </p:sld>
 </file>
 
-<file path=ppt/slides/slide6.xml><?xml version="1.0" encoding="utf-8"?>
-<p:sld xmlns:a="http://schemas.openxmlformats.org/drawingml/2006/main" xmlns:r="http://schemas.openxmlformats.org/officeDocument/2006/relationships" xmlns:p="http://schemas.openxmlformats.org/presentationml/2006/main">
-  <p:cSld>
-    <p:spTree>
-      <p:nvGrpSpPr>
-        <p:cNvPr id="1" name=""/>
-        <p:cNvGrpSpPr/>
-        <p:nvPr/>
-      </p:nvGrpSpPr>
-      <p:grpSpPr>
-        <a:xfrm>
-          <a:off x="0" y="0"/>
-          <a:ext cx="0" cy="0"/>
-          <a:chOff x="0" y="0"/>
-          <a:chExt cx="0" cy="0"/>
-        </a:xfrm>
-      </p:grpSpPr>
-      <p:sp>
-        <p:nvSpPr>
-          <p:cNvPr id="4" name="Rectangle 3">
-            <a:extLst>
-              <a:ext uri="{FF2B5EF4-FFF2-40B4-BE49-F238E27FC236}">
-                <a16:creationId xmlns:a16="http://schemas.microsoft.com/office/drawing/2014/main" id="{8F4F0EC1-24D0-2F41-904B-6732FB3D5328}"/>
-              </a:ext>
-            </a:extLst>
-          </p:cNvPr>
-          <p:cNvSpPr/>
-          <p:nvPr/>
-        </p:nvSpPr>
-        <p:spPr>
-          <a:xfrm>
-            <a:off x="0" y="0"/>
-            <a:ext cx="12192000" cy="6858000"/>
-          </a:xfrm>
-          <a:prstGeom prst="rect">
-            <a:avLst/>
-          </a:prstGeom>
-          <a:solidFill>
-            <a:srgbClr val="A61B00"/>
-          </a:solidFill>
-          <a:ln>
-            <a:solidFill>
-              <a:srgbClr val="A61B00"/>
-            </a:solidFill>
-          </a:ln>
-        </p:spPr>
-        <p:style>
-          <a:lnRef idx="2">
-            <a:schemeClr val="accent1">
-              <a:shade val="50000"/>
-            </a:schemeClr>
-          </a:lnRef>
-          <a:fillRef idx="1">
-            <a:schemeClr val="accent1"/>
-          </a:fillRef>
-          <a:effectRef idx="0">
-            <a:schemeClr val="accent1"/>
-          </a:effectRef>
-          <a:fontRef idx="minor">
-            <a:schemeClr val="lt1"/>
-          </a:fontRef>
-        </p:style>
-        <p:txBody>
-          <a:bodyPr rtlCol="0" anchor="ctr"/>
-          <a:lstStyle/>
-          <a:p>
-            <a:pPr algn="ctr"/>
-            <a:r>
-              <a:rPr lang="en-US" sz="6000" dirty="0"/>
-              <a:t>Wrap-Up and Review</a:t>
-            </a:r>
-          </a:p>
-        </p:txBody>
-      </p:sp>
-    </p:spTree>
-    <p:extLst>
-      <p:ext uri="{BB962C8B-B14F-4D97-AF65-F5344CB8AC3E}">
-        <p14:creationId xmlns:p14="http://schemas.microsoft.com/office/powerpoint/2010/main" val="3824639490"/>
-      </p:ext>
-    </p:extLst>
-  </p:cSld>
-  <p:clrMapOvr>
-    <a:masterClrMapping/>
-  </p:clrMapOvr>
-</p:sld>
-</file>
-
 <file path=ppt/slides/slide7.xml><?xml version="1.0" encoding="utf-8"?>
 <p:sld xmlns:a="http://schemas.openxmlformats.org/drawingml/2006/main" xmlns:r="http://schemas.openxmlformats.org/officeDocument/2006/relationships" xmlns:p="http://schemas.openxmlformats.org/presentationml/2006/main">
   <p:cSld>
@@ -49175,55 +50869,177 @@
       </p:grpSpPr>
       <p:sp>
         <p:nvSpPr>
-          <p:cNvPr id="2" name="Title 1">
+          <p:cNvPr id="2" name="TextBox 1">
             <a:extLst>
               <a:ext uri="{FF2B5EF4-FFF2-40B4-BE49-F238E27FC236}">
-                <a16:creationId xmlns:a16="http://schemas.microsoft.com/office/drawing/2014/main" id="{94CF2A94-A63F-6149-AA28-2E35B60E3D3E}"/>
+                <a16:creationId xmlns:a16="http://schemas.microsoft.com/office/drawing/2014/main" id="{7DB19C05-CED6-C148-A24D-D699C2F6862F}"/>
               </a:ext>
             </a:extLst>
           </p:cNvPr>
-          <p:cNvSpPr>
-            <a:spLocks noGrp="1"/>
-          </p:cNvSpPr>
-          <p:nvPr>
-            <p:ph type="title"/>
-          </p:nvPr>
+          <p:cNvSpPr txBox="1"/>
+          <p:nvPr/>
         </p:nvSpPr>
-        <p:spPr/>
+        <p:spPr>
+          <a:xfrm>
+            <a:off x="0" y="939113"/>
+            <a:ext cx="12192000" cy="2862322"/>
+          </a:xfrm>
+          <a:prstGeom prst="rect">
+            <a:avLst/>
+          </a:prstGeom>
+          <a:noFill/>
+        </p:spPr>
         <p:txBody>
-          <a:bodyPr/>
+          <a:bodyPr wrap="square" rtlCol="0">
+            <a:spAutoFit/>
+          </a:bodyPr>
           <a:lstStyle/>
           <a:p>
-            <a:endParaRPr lang="en-US"/>
+            <a:pPr algn="ctr"/>
+            <a:r>
+              <a:rPr lang="en-US" sz="6000" dirty="0"/>
+              <a:t>All Your Modeling Decisions</a:t>
+            </a:r>
+          </a:p>
+          <a:p>
+            <a:pPr algn="ctr"/>
+            <a:r>
+              <a:rPr lang="en-US" sz="6000" dirty="0"/>
+              <a:t>Should Reflect How </a:t>
+            </a:r>
+          </a:p>
+          <a:p>
+            <a:pPr algn="ctr"/>
+            <a:r>
+              <a:rPr lang="en-US" sz="6000" dirty="0"/>
+              <a:t>It Will Be Used</a:t>
+            </a:r>
           </a:p>
         </p:txBody>
       </p:sp>
-      <p:graphicFrame>
-        <p:nvGraphicFramePr>
-          <p:cNvPr id="3" name="Diagram 2">
+      <p:sp>
+        <p:nvSpPr>
+          <p:cNvPr id="3" name="TextBox 2">
             <a:extLst>
               <a:ext uri="{FF2B5EF4-FFF2-40B4-BE49-F238E27FC236}">
-                <a16:creationId xmlns:a16="http://schemas.microsoft.com/office/drawing/2014/main" id="{8E902576-68A9-6E48-B0FE-5B1889953DC8}"/>
+                <a16:creationId xmlns:a16="http://schemas.microsoft.com/office/drawing/2014/main" id="{B9A67CE4-74EB-6347-AAAD-BA98D84CDF7A}"/>
               </a:ext>
             </a:extLst>
           </p:cNvPr>
-          <p:cNvGraphicFramePr/>
+          <p:cNvSpPr txBox="1"/>
           <p:nvPr/>
-        </p:nvGraphicFramePr>
-        <p:xfrm>
-          <a:off x="180467" y="0"/>
-          <a:ext cx="11776400" cy="6858000"/>
-        </p:xfrm>
-        <a:graphic>
-          <a:graphicData uri="http://schemas.openxmlformats.org/drawingml/2006/diagram">
-            <dgm:relIds xmlns:dgm="http://schemas.openxmlformats.org/drawingml/2006/diagram" xmlns:r="http://schemas.openxmlformats.org/officeDocument/2006/relationships" r:dm="rId2" r:lo="rId3" r:qs="rId4" r:cs="rId5"/>
-          </a:graphicData>
-        </a:graphic>
-      </p:graphicFrame>
+        </p:nvSpPr>
+        <p:spPr>
+          <a:xfrm>
+            <a:off x="0" y="4485500"/>
+            <a:ext cx="12191999" cy="2343590"/>
+          </a:xfrm>
+          <a:prstGeom prst="rect">
+            <a:avLst/>
+          </a:prstGeom>
+          <a:noFill/>
+        </p:spPr>
+        <p:txBody>
+          <a:bodyPr wrap="square" rtlCol="0">
+            <a:spAutoFit/>
+          </a:bodyPr>
+          <a:lstStyle/>
+          <a:p>
+            <a:pPr algn="ctr">
+              <a:lnSpc>
+                <a:spcPct val="150000"/>
+              </a:lnSpc>
+            </a:pPr>
+            <a:r>
+              <a:rPr lang="en-US" sz="2000" dirty="0">
+                <a:solidFill>
+                  <a:schemeClr val="tx1">
+                    <a:lumMod val="75000"/>
+                    <a:lumOff val="25000"/>
+                  </a:schemeClr>
+                </a:solidFill>
+              </a:rPr>
+              <a:t>What is your goal (it’s not to build a model)? Constraints?</a:t>
+            </a:r>
+          </a:p>
+          <a:p>
+            <a:pPr algn="ctr">
+              <a:lnSpc>
+                <a:spcPct val="150000"/>
+              </a:lnSpc>
+            </a:pPr>
+            <a:r>
+              <a:rPr lang="en-US" sz="2000" dirty="0">
+                <a:solidFill>
+                  <a:schemeClr val="tx1">
+                    <a:lumMod val="75000"/>
+                    <a:lumOff val="25000"/>
+                  </a:schemeClr>
+                </a:solidFill>
+              </a:rPr>
+              <a:t>What are you trying to generalize to? </a:t>
+            </a:r>
+          </a:p>
+          <a:p>
+            <a:pPr algn="ctr">
+              <a:lnSpc>
+                <a:spcPct val="150000"/>
+              </a:lnSpc>
+            </a:pPr>
+            <a:r>
+              <a:rPr lang="en-US" sz="2000" dirty="0">
+                <a:solidFill>
+                  <a:schemeClr val="tx1">
+                    <a:lumMod val="75000"/>
+                    <a:lumOff val="25000"/>
+                  </a:schemeClr>
+                </a:solidFill>
+              </a:rPr>
+              <a:t>Who/what is this model going to be applied to? When? </a:t>
+            </a:r>
+          </a:p>
+          <a:p>
+            <a:pPr algn="ctr">
+              <a:lnSpc>
+                <a:spcPct val="150000"/>
+              </a:lnSpc>
+            </a:pPr>
+            <a:r>
+              <a:rPr lang="en-US" sz="2000" dirty="0">
+                <a:solidFill>
+                  <a:schemeClr val="tx1">
+                    <a:lumMod val="75000"/>
+                    <a:lumOff val="25000"/>
+                  </a:schemeClr>
+                </a:solidFill>
+              </a:rPr>
+              <a:t>What’s the right metric for “accuracy” (rarely is this AUC or F1)? </a:t>
+            </a:r>
+          </a:p>
+          <a:p>
+            <a:pPr algn="ctr">
+              <a:lnSpc>
+                <a:spcPct val="150000"/>
+              </a:lnSpc>
+            </a:pPr>
+            <a:r>
+              <a:rPr lang="en-US" sz="2000" dirty="0">
+                <a:solidFill>
+                  <a:schemeClr val="tx1">
+                    <a:lumMod val="75000"/>
+                    <a:lumOff val="25000"/>
+                  </a:schemeClr>
+                </a:solidFill>
+              </a:rPr>
+              <a:t>What does fairness mean in this context?</a:t>
+            </a:r>
+          </a:p>
+        </p:txBody>
+      </p:sp>
     </p:spTree>
     <p:extLst>
       <p:ext uri="{BB962C8B-B14F-4D97-AF65-F5344CB8AC3E}">
-        <p14:creationId xmlns:p14="http://schemas.microsoft.com/office/powerpoint/2010/main" val="3185892106"/>
+        <p14:creationId xmlns:p14="http://schemas.microsoft.com/office/powerpoint/2010/main" val="2993271672"/>
       </p:ext>
     </p:extLst>
   </p:cSld>
@@ -49252,198 +51068,169 @@
       </p:grpSpPr>
       <p:sp>
         <p:nvSpPr>
-          <p:cNvPr id="2" name="Content Placeholder 1"/>
-          <p:cNvSpPr>
-            <a:spLocks noGrp="1"/>
-          </p:cNvSpPr>
-          <p:nvPr>
-            <p:ph type="body" idx="1"/>
-          </p:nvPr>
+          <p:cNvPr id="2" name="TextBox 1">
+            <a:extLst>
+              <a:ext uri="{FF2B5EF4-FFF2-40B4-BE49-F238E27FC236}">
+                <a16:creationId xmlns:a16="http://schemas.microsoft.com/office/drawing/2014/main" id="{7DB19C05-CED6-C148-A24D-D699C2F6862F}"/>
+              </a:ext>
+            </a:extLst>
+          </p:cNvPr>
+          <p:cNvSpPr txBox="1"/>
+          <p:nvPr/>
         </p:nvSpPr>
         <p:spPr>
           <a:xfrm>
-            <a:off x="268210" y="1632046"/>
-            <a:ext cx="11666400" cy="4954500"/>
+            <a:off x="0" y="939113"/>
+            <a:ext cx="12192000" cy="2862322"/>
           </a:xfrm>
+          <a:prstGeom prst="rect">
+            <a:avLst/>
+          </a:prstGeom>
+          <a:noFill/>
         </p:spPr>
         <p:txBody>
-          <a:bodyPr/>
+          <a:bodyPr wrap="square" rtlCol="0">
+            <a:spAutoFit/>
+          </a:bodyPr>
           <a:lstStyle/>
           <a:p>
+            <a:pPr algn="ctr"/>
             <a:r>
-              <a:rPr lang="en-US" b="1" dirty="0">
-                <a:solidFill>
-                  <a:schemeClr val="tx1"/>
-                </a:solidFill>
-              </a:rPr>
-              <a:t>Scope: </a:t>
+              <a:rPr lang="en-US" sz="6000" dirty="0"/>
+              <a:t>Remember to Think</a:t>
             </a:r>
+          </a:p>
+          <a:p>
+            <a:pPr algn="ctr"/>
             <a:r>
-              <a:rPr lang="en-US" dirty="0">
-                <a:solidFill>
-                  <a:schemeClr val="tx1"/>
-                </a:solidFill>
-              </a:rPr>
-              <a:t>Goals, Actions, Data, Analysis, Ethics</a:t>
+              <a:rPr lang="en-US" sz="6000" dirty="0"/>
+              <a:t>4th-Dimensionally</a:t>
             </a:r>
           </a:p>
           <a:p>
+            <a:pPr algn="ctr"/>
             <a:r>
-              <a:rPr lang="en-US" b="1" dirty="0">
-                <a:solidFill>
-                  <a:schemeClr val="tx1"/>
-                </a:solidFill>
-              </a:rPr>
-              <a:t>Data: </a:t>
+              <a:rPr lang="en-US" sz="6000" dirty="0"/>
+              <a:t>(Time Matters)</a:t>
             </a:r>
-            <a:r>
-              <a:rPr lang="en-US" dirty="0">
-                <a:solidFill>
-                  <a:schemeClr val="tx1"/>
-                </a:solidFill>
-              </a:rPr>
-              <a:t>Getting, storing, linking, exploring, and understanding</a:t>
-            </a:r>
-          </a:p>
-          <a:p>
-            <a:r>
-              <a:rPr lang="en-US" b="1" dirty="0">
-                <a:solidFill>
-                  <a:schemeClr val="tx1"/>
-                </a:solidFill>
-              </a:rPr>
-              <a:t>Formulation</a:t>
-            </a:r>
-            <a:r>
-              <a:rPr lang="en-US" dirty="0">
-                <a:solidFill>
-                  <a:schemeClr val="tx1"/>
-                </a:solidFill>
-              </a:rPr>
-              <a:t>: Rows, Labels, Time, Metric, Baselines</a:t>
-            </a:r>
-          </a:p>
-          <a:p>
-            <a:r>
-              <a:rPr lang="en-US" b="1" dirty="0">
-                <a:solidFill>
-                  <a:schemeClr val="tx1"/>
-                </a:solidFill>
-              </a:rPr>
-              <a:t>Pipeline</a:t>
-            </a:r>
-            <a:r>
-              <a:rPr lang="en-US" dirty="0">
-                <a:solidFill>
-                  <a:schemeClr val="tx1"/>
-                </a:solidFill>
-              </a:rPr>
-              <a:t>: Rows, Labels, Features, Train-Validation Pairs, Metrics, Models + </a:t>
-            </a:r>
-            <a:r>
-              <a:rPr lang="en-US" dirty="0" err="1">
-                <a:solidFill>
-                  <a:schemeClr val="tx1"/>
-                </a:solidFill>
-              </a:rPr>
-              <a:t>hps</a:t>
-            </a:r>
-            <a:endParaRPr lang="en-US" dirty="0">
-              <a:solidFill>
-                <a:schemeClr val="tx1"/>
-              </a:solidFill>
-            </a:endParaRPr>
-          </a:p>
-          <a:p>
-            <a:r>
-              <a:rPr lang="en-US" b="1" dirty="0">
-                <a:solidFill>
-                  <a:schemeClr val="tx1"/>
-                </a:solidFill>
-              </a:rPr>
-              <a:t>Model Selection:</a:t>
-            </a:r>
-          </a:p>
-          <a:p>
-            <a:pPr lvl="1"/>
-            <a:r>
-              <a:rPr lang="en-US" dirty="0">
-                <a:solidFill>
-                  <a:schemeClr val="tx1"/>
-                </a:solidFill>
-              </a:rPr>
-              <a:t>Run Experiments</a:t>
-            </a:r>
-          </a:p>
-          <a:p>
-            <a:pPr lvl="1"/>
-            <a:r>
-              <a:rPr lang="en-US" dirty="0">
-                <a:solidFill>
-                  <a:schemeClr val="tx1"/>
-                </a:solidFill>
-              </a:rPr>
-              <a:t>Analyze results to choose best model</a:t>
-            </a:r>
-          </a:p>
-          <a:p>
-            <a:pPr lvl="1"/>
-            <a:r>
-              <a:rPr lang="en-US" dirty="0">
-                <a:solidFill>
-                  <a:schemeClr val="tx1"/>
-                </a:solidFill>
-              </a:rPr>
-              <a:t>Iterate</a:t>
-            </a:r>
-            <a:br>
-              <a:rPr lang="en-US" dirty="0">
-                <a:solidFill>
-                  <a:schemeClr val="tx1"/>
-                </a:solidFill>
-              </a:rPr>
-            </a:br>
-            <a:endParaRPr lang="en-US" dirty="0">
-              <a:solidFill>
-                <a:schemeClr val="tx1"/>
-              </a:solidFill>
-            </a:endParaRPr>
-          </a:p>
-          <a:p>
-            <a:pPr marL="114300" indent="0">
-              <a:buNone/>
-            </a:pPr>
-            <a:endParaRPr lang="en-US" dirty="0"/>
           </a:p>
         </p:txBody>
       </p:sp>
       <p:sp>
         <p:nvSpPr>
-          <p:cNvPr id="3" name="Title 2"/>
-          <p:cNvSpPr>
-            <a:spLocks noGrp="1"/>
-          </p:cNvSpPr>
-          <p:nvPr>
-            <p:ph type="title"/>
-          </p:nvPr>
+          <p:cNvPr id="3" name="TextBox 2">
+            <a:extLst>
+              <a:ext uri="{FF2B5EF4-FFF2-40B4-BE49-F238E27FC236}">
+                <a16:creationId xmlns:a16="http://schemas.microsoft.com/office/drawing/2014/main" id="{B9A67CE4-74EB-6347-AAAD-BA98D84CDF7A}"/>
+              </a:ext>
+            </a:extLst>
+          </p:cNvPr>
+          <p:cNvSpPr txBox="1"/>
+          <p:nvPr/>
         </p:nvSpPr>
         <p:spPr>
           <a:xfrm>
-            <a:off x="0" y="325028"/>
-            <a:ext cx="12192000" cy="1143000"/>
+            <a:off x="0" y="4485500"/>
+            <a:ext cx="12191999" cy="2343590"/>
           </a:xfrm>
+          <a:prstGeom prst="rect">
+            <a:avLst/>
+          </a:prstGeom>
+          <a:noFill/>
         </p:spPr>
         <p:txBody>
-          <a:bodyPr/>
+          <a:bodyPr wrap="square" rtlCol="0">
+            <a:spAutoFit/>
+          </a:bodyPr>
           <a:lstStyle/>
           <a:p>
+            <a:pPr algn="ctr">
+              <a:lnSpc>
+                <a:spcPct val="150000"/>
+              </a:lnSpc>
+            </a:pPr>
             <a:r>
-              <a:rPr lang="en-US" dirty="0">
+              <a:rPr lang="en-US" sz="2000" dirty="0">
                 <a:solidFill>
-                  <a:schemeClr val="bg1"/>
+                  <a:schemeClr val="tx1">
+                    <a:lumMod val="75000"/>
+                    <a:lumOff val="25000"/>
+                  </a:schemeClr>
                 </a:solidFill>
               </a:rPr>
-              <a:t>Recap so far</a:t>
+              <a:t>When is your prediction being made?</a:t>
+            </a:r>
+          </a:p>
+          <a:p>
+            <a:pPr algn="ctr">
+              <a:lnSpc>
+                <a:spcPct val="150000"/>
+              </a:lnSpc>
+            </a:pPr>
+            <a:r>
+              <a:rPr lang="en-US" sz="2000" dirty="0">
+                <a:solidFill>
+                  <a:schemeClr val="tx1">
+                    <a:lumMod val="75000"/>
+                    <a:lumOff val="25000"/>
+                  </a:schemeClr>
+                </a:solidFill>
+              </a:rPr>
+              <a:t>What information is available for features at that time? What isn’t? </a:t>
+            </a:r>
+          </a:p>
+          <a:p>
+            <a:pPr algn="ctr">
+              <a:lnSpc>
+                <a:spcPct val="150000"/>
+              </a:lnSpc>
+            </a:pPr>
+            <a:r>
+              <a:rPr lang="en-US" sz="2000" dirty="0">
+                <a:solidFill>
+                  <a:schemeClr val="tx1">
+                    <a:lumMod val="75000"/>
+                    <a:lumOff val="25000"/>
+                  </a:schemeClr>
+                </a:solidFill>
+              </a:rPr>
+              <a:t>How frequently will the model be updated? </a:t>
+            </a:r>
+          </a:p>
+          <a:p>
+            <a:pPr algn="ctr">
+              <a:lnSpc>
+                <a:spcPct val="150000"/>
+              </a:lnSpc>
+            </a:pPr>
+            <a:r>
+              <a:rPr lang="en-US" sz="2000" dirty="0">
+                <a:solidFill>
+                  <a:schemeClr val="tx1">
+                    <a:lumMod val="75000"/>
+                    <a:lumOff val="25000"/>
+                  </a:schemeClr>
+                </a:solidFill>
+              </a:rPr>
+              <a:t>Over what time horizon is your label occurring?</a:t>
+            </a:r>
+          </a:p>
+          <a:p>
+            <a:pPr algn="ctr">
+              <a:lnSpc>
+                <a:spcPct val="150000"/>
+              </a:lnSpc>
+            </a:pPr>
+            <a:r>
+              <a:rPr lang="en-US" sz="2000" dirty="0">
+                <a:solidFill>
+                  <a:schemeClr val="tx1">
+                    <a:lumMod val="75000"/>
+                    <a:lumOff val="25000"/>
+                  </a:schemeClr>
+                </a:solidFill>
+              </a:rPr>
+              <a:t>Leave time to collect labels between training and validation</a:t>
             </a:r>
           </a:p>
         </p:txBody>
@@ -49451,7 +51238,7 @@
     </p:spTree>
     <p:extLst>
       <p:ext uri="{BB962C8B-B14F-4D97-AF65-F5344CB8AC3E}">
-        <p14:creationId xmlns:p14="http://schemas.microsoft.com/office/powerpoint/2010/main" val="3564818151"/>
+        <p14:creationId xmlns:p14="http://schemas.microsoft.com/office/powerpoint/2010/main" val="4162205525"/>
       </p:ext>
     </p:extLst>
   </p:cSld>
@@ -49466,7 +51253,7 @@
   <p:cSld>
     <p:spTree>
       <p:nvGrpSpPr>
-        <p:cNvPr id="1" name="Shape 93"/>
+        <p:cNvPr id="1" name=""/>
         <p:cNvGrpSpPr/>
         <p:nvPr/>
       </p:nvGrpSpPr>
@@ -49480,517 +51267,10 @@
       </p:grpSpPr>
       <p:sp>
         <p:nvSpPr>
-          <p:cNvPr id="94" name="Google Shape;94;p5"/>
-          <p:cNvSpPr txBox="1"/>
-          <p:nvPr/>
-        </p:nvSpPr>
-        <p:spPr>
-          <a:xfrm>
-            <a:off x="1981200" y="5624513"/>
-            <a:ext cx="2133600" cy="273900"/>
-          </a:xfrm>
-          <a:prstGeom prst="rect">
-            <a:avLst/>
-          </a:prstGeom>
-          <a:noFill/>
-          <a:ln>
-            <a:noFill/>
-          </a:ln>
-        </p:spPr>
-        <p:txBody>
-          <a:bodyPr spcFirstLastPara="1" wrap="square" lIns="91425" tIns="91425" rIns="91425" bIns="91425" anchor="ctr" anchorCtr="0">
-            <a:noAutofit/>
-          </a:bodyPr>
-          <a:lstStyle/>
-          <a:p>
-            <a:pPr marL="0" marR="0" lvl="0" indent="0" algn="l" rtl="0">
-              <a:spcBef>
-                <a:spcPts val="0"/>
-              </a:spcBef>
-              <a:spcAft>
-                <a:spcPts val="0"/>
-              </a:spcAft>
-              <a:buNone/>
-            </a:pPr>
-            <a:endParaRPr sz="2400" b="0" i="0" u="none" strike="noStrike" cap="none">
-              <a:solidFill>
-                <a:srgbClr val="000000"/>
-              </a:solidFill>
-              <a:latin typeface="Calibri"/>
-              <a:ea typeface="Calibri"/>
-              <a:cs typeface="Calibri"/>
-              <a:sym typeface="Calibri"/>
-            </a:endParaRPr>
-          </a:p>
-        </p:txBody>
-      </p:sp>
-      <p:sp>
-        <p:nvSpPr>
-          <p:cNvPr id="95" name="Google Shape;95;p5"/>
-          <p:cNvSpPr txBox="1"/>
-          <p:nvPr/>
-        </p:nvSpPr>
-        <p:spPr>
-          <a:xfrm>
-            <a:off x="4648200" y="5624513"/>
-            <a:ext cx="2895600" cy="273900"/>
-          </a:xfrm>
-          <a:prstGeom prst="rect">
-            <a:avLst/>
-          </a:prstGeom>
-          <a:noFill/>
-          <a:ln>
-            <a:noFill/>
-          </a:ln>
-        </p:spPr>
-        <p:txBody>
-          <a:bodyPr spcFirstLastPara="1" wrap="square" lIns="91425" tIns="91425" rIns="91425" bIns="91425" anchor="ctr" anchorCtr="0">
-            <a:noAutofit/>
-          </a:bodyPr>
-          <a:lstStyle/>
-          <a:p>
-            <a:pPr marL="0" marR="0" lvl="0" indent="0" algn="ctr" rtl="0">
-              <a:spcBef>
-                <a:spcPts val="0"/>
-              </a:spcBef>
-              <a:spcAft>
-                <a:spcPts val="0"/>
-              </a:spcAft>
-              <a:buNone/>
-            </a:pPr>
-            <a:endParaRPr sz="2400" b="0" i="0" u="none" strike="noStrike" cap="none">
-              <a:solidFill>
-                <a:srgbClr val="000000"/>
-              </a:solidFill>
-              <a:latin typeface="Calibri"/>
-              <a:ea typeface="Calibri"/>
-              <a:cs typeface="Calibri"/>
-              <a:sym typeface="Calibri"/>
-            </a:endParaRPr>
-          </a:p>
-        </p:txBody>
-      </p:sp>
-      <p:sp>
-        <p:nvSpPr>
-          <p:cNvPr id="97" name="Google Shape;97;p5"/>
-          <p:cNvSpPr txBox="1"/>
-          <p:nvPr/>
-        </p:nvSpPr>
-        <p:spPr>
-          <a:xfrm>
-            <a:off x="1526024" y="5700726"/>
-            <a:ext cx="9144000" cy="273900"/>
-          </a:xfrm>
-          <a:prstGeom prst="rect">
-            <a:avLst/>
-          </a:prstGeom>
-          <a:noFill/>
-          <a:ln>
-            <a:noFill/>
-          </a:ln>
-        </p:spPr>
-        <p:txBody>
-          <a:bodyPr spcFirstLastPara="1" wrap="square" lIns="91425" tIns="45700" rIns="91425" bIns="45700" anchor="ctr" anchorCtr="0">
-            <a:noAutofit/>
-          </a:bodyPr>
-          <a:lstStyle/>
-          <a:p>
-            <a:pPr marL="0" marR="0" lvl="0" indent="0" algn="ctr" rtl="0">
-              <a:spcBef>
-                <a:spcPts val="0"/>
-              </a:spcBef>
-              <a:spcAft>
-                <a:spcPts val="0"/>
-              </a:spcAft>
-              <a:buNone/>
-            </a:pPr>
-            <a:r>
-              <a:rPr lang="en-US" sz="1200" b="0" i="0" u="none" strike="noStrike" cap="none">
-                <a:solidFill>
-                  <a:srgbClr val="FFFFFF"/>
-                </a:solidFill>
-                <a:latin typeface="Calibri"/>
-                <a:ea typeface="Calibri"/>
-                <a:cs typeface="Calibri"/>
-                <a:sym typeface="Calibri"/>
-              </a:rPr>
-              <a:t>Center for Data Science and Public Policy</a:t>
-            </a:r>
-            <a:br>
-              <a:rPr lang="en-US" sz="1200" b="0" i="0" u="none" strike="noStrike" cap="none">
-                <a:solidFill>
-                  <a:srgbClr val="FFFFFF"/>
-                </a:solidFill>
-                <a:latin typeface="Calibri"/>
-                <a:ea typeface="Calibri"/>
-                <a:cs typeface="Calibri"/>
-                <a:sym typeface="Calibri"/>
-              </a:rPr>
-            </a:br>
-            <a:r>
-              <a:rPr lang="en-US" sz="1200" b="0" i="0" u="none" strike="noStrike" cap="none">
-                <a:solidFill>
-                  <a:srgbClr val="FFFFFF"/>
-                </a:solidFill>
-                <a:latin typeface="Calibri"/>
-                <a:ea typeface="Calibri"/>
-                <a:cs typeface="Calibri"/>
-                <a:sym typeface="Calibri"/>
-              </a:rPr>
-              <a:t>University of Chicago</a:t>
-            </a:r>
-            <a:endParaRPr/>
-          </a:p>
-          <a:p>
-            <a:pPr marL="0" marR="0" lvl="0" indent="0" algn="ctr" rtl="0">
-              <a:spcBef>
-                <a:spcPts val="0"/>
-              </a:spcBef>
-              <a:spcAft>
-                <a:spcPts val="0"/>
-              </a:spcAft>
-              <a:buNone/>
-            </a:pPr>
-            <a:endParaRPr sz="1200" b="0" i="0" u="none" strike="noStrike" cap="none">
-              <a:solidFill>
-                <a:srgbClr val="FFFFFF"/>
-              </a:solidFill>
-              <a:latin typeface="Calibri"/>
-              <a:ea typeface="Calibri"/>
-              <a:cs typeface="Calibri"/>
-              <a:sym typeface="Calibri"/>
-            </a:endParaRPr>
-          </a:p>
-        </p:txBody>
-      </p:sp>
-      <p:sp>
-        <p:nvSpPr>
-          <p:cNvPr id="98" name="Google Shape;98;p5"/>
-          <p:cNvSpPr txBox="1"/>
-          <p:nvPr/>
-        </p:nvSpPr>
-        <p:spPr>
-          <a:xfrm>
-            <a:off x="1739600" y="5624526"/>
-            <a:ext cx="1592400" cy="273900"/>
-          </a:xfrm>
-          <a:prstGeom prst="rect">
-            <a:avLst/>
-          </a:prstGeom>
-          <a:noFill/>
-          <a:ln>
-            <a:noFill/>
-          </a:ln>
-        </p:spPr>
-        <p:txBody>
-          <a:bodyPr spcFirstLastPara="1" wrap="square" lIns="91425" tIns="45700" rIns="91425" bIns="45700" anchor="ctr" anchorCtr="0">
-            <a:noAutofit/>
-          </a:bodyPr>
-          <a:lstStyle/>
-          <a:p>
-            <a:pPr marL="0" marR="0" lvl="0" indent="0" algn="l" rtl="0">
-              <a:spcBef>
-                <a:spcPts val="0"/>
-              </a:spcBef>
-              <a:spcAft>
-                <a:spcPts val="0"/>
-              </a:spcAft>
-              <a:buNone/>
-            </a:pPr>
-            <a:r>
-              <a:rPr lang="en-US" sz="1200" b="0" i="0" u="none" strike="noStrike" cap="none">
-                <a:solidFill>
-                  <a:srgbClr val="FFFFFF"/>
-                </a:solidFill>
-                <a:latin typeface="Calibri"/>
-                <a:ea typeface="Calibri"/>
-                <a:cs typeface="Calibri"/>
-                <a:sym typeface="Calibri"/>
-              </a:rPr>
-              <a:t>dsapp.uchicago.edu</a:t>
-            </a:r>
-            <a:endParaRPr/>
-          </a:p>
-        </p:txBody>
-      </p:sp>
-      <p:sp>
-        <p:nvSpPr>
-          <p:cNvPr id="100" name="Google Shape;100;p5"/>
-          <p:cNvSpPr txBox="1">
-            <a:spLocks noGrp="1"/>
-          </p:cNvSpPr>
-          <p:nvPr>
-            <p:ph type="body" idx="1"/>
-          </p:nvPr>
-        </p:nvSpPr>
-        <p:spPr>
-          <a:xfrm>
-            <a:off x="415600" y="1536625"/>
-            <a:ext cx="8421900" cy="5060700"/>
-          </a:xfrm>
-          <a:prstGeom prst="rect">
-            <a:avLst/>
-          </a:prstGeom>
-          <a:noFill/>
-          <a:ln>
-            <a:noFill/>
-          </a:ln>
-        </p:spPr>
-        <p:txBody>
-          <a:bodyPr spcFirstLastPara="1" wrap="square" lIns="91425" tIns="91425" rIns="91425" bIns="91425" anchor="t" anchorCtr="0">
-            <a:noAutofit/>
-          </a:bodyPr>
-          <a:lstStyle/>
-          <a:p>
-            <a:pPr marL="457189" lvl="0" indent="-228594" algn="l" rtl="0">
-              <a:spcBef>
-                <a:spcPts val="0"/>
-              </a:spcBef>
-              <a:spcAft>
-                <a:spcPts val="0"/>
-              </a:spcAft>
-              <a:buClr>
-                <a:schemeClr val="dk1"/>
-              </a:buClr>
-              <a:buSzPts val="2800"/>
-              <a:buAutoNum type="arabicPeriod"/>
-            </a:pPr>
-            <a:r>
-              <a:rPr lang="en-US" sz="2800" b="1" dirty="0"/>
-              <a:t> Goals</a:t>
-            </a:r>
-            <a:r>
-              <a:rPr lang="en-US" sz="2800" dirty="0"/>
-              <a:t>: Define the goal(s) of the project</a:t>
-            </a:r>
-            <a:br>
-              <a:rPr lang="en-US" sz="2800" dirty="0"/>
-            </a:br>
-            <a:endParaRPr sz="1200" dirty="0"/>
-          </a:p>
-          <a:p>
-            <a:pPr marL="457189" lvl="0" indent="-228594" algn="l" rtl="0">
-              <a:spcBef>
-                <a:spcPts val="560"/>
-              </a:spcBef>
-              <a:spcAft>
-                <a:spcPts val="0"/>
-              </a:spcAft>
-              <a:buClr>
-                <a:schemeClr val="dk1"/>
-              </a:buClr>
-              <a:buSzPts val="2800"/>
-              <a:buAutoNum type="arabicPeriod"/>
-            </a:pPr>
-            <a:r>
-              <a:rPr lang="en-US" sz="2800" b="1" dirty="0"/>
-              <a:t> Actions</a:t>
-            </a:r>
-            <a:r>
-              <a:rPr lang="en-US" sz="2800" dirty="0"/>
-              <a:t>: What actions/interventions will you inform?</a:t>
-            </a:r>
-            <a:br>
-              <a:rPr lang="en-US" sz="2800" dirty="0"/>
-            </a:br>
-            <a:endParaRPr sz="1200" dirty="0"/>
-          </a:p>
-          <a:p>
-            <a:pPr marL="457189" lvl="0" indent="-228594" algn="l" rtl="0">
-              <a:spcBef>
-                <a:spcPts val="560"/>
-              </a:spcBef>
-              <a:spcAft>
-                <a:spcPts val="0"/>
-              </a:spcAft>
-              <a:buClr>
-                <a:schemeClr val="dk1"/>
-              </a:buClr>
-              <a:buSzPts val="2800"/>
-              <a:buAutoNum type="arabicPeriod"/>
-            </a:pPr>
-            <a:r>
-              <a:rPr lang="en-US" sz="2800" b="1" dirty="0"/>
-              <a:t> Data</a:t>
-            </a:r>
-            <a:r>
-              <a:rPr lang="en-US" sz="2800" dirty="0"/>
-              <a:t>: What data do you have internally? What data do you need? What can you augment from external and public sources?</a:t>
-            </a:r>
-            <a:br>
-              <a:rPr lang="en-US" sz="2800" dirty="0"/>
-            </a:br>
-            <a:endParaRPr sz="1200" dirty="0"/>
-          </a:p>
-          <a:p>
-            <a:pPr marL="457189" lvl="0" indent="-228594" algn="l" rtl="0">
-              <a:spcBef>
-                <a:spcPts val="560"/>
-              </a:spcBef>
-              <a:spcAft>
-                <a:spcPts val="0"/>
-              </a:spcAft>
-              <a:buClr>
-                <a:schemeClr val="dk1"/>
-              </a:buClr>
-              <a:buSzPts val="2800"/>
-              <a:buAutoNum type="arabicPeriod"/>
-            </a:pPr>
-            <a:r>
-              <a:rPr lang="en-US" sz="2800" b="1" dirty="0"/>
-              <a:t> Analysis</a:t>
-            </a:r>
-            <a:r>
-              <a:rPr lang="en-US" sz="2800" dirty="0"/>
-              <a:t>: What analysis needs to be done? </a:t>
-            </a:r>
-            <a:br>
-              <a:rPr lang="en-US" sz="2800" dirty="0"/>
-            </a:br>
-            <a:r>
-              <a:rPr lang="en-US" sz="2800" dirty="0"/>
-              <a:t>How will it be validated?</a:t>
-            </a:r>
-            <a:endParaRPr dirty="0"/>
-          </a:p>
-        </p:txBody>
-      </p:sp>
-      <p:sp>
-        <p:nvSpPr>
-          <p:cNvPr id="101" name="Google Shape;101;p5"/>
-          <p:cNvSpPr txBox="1">
-            <a:spLocks noGrp="1"/>
-          </p:cNvSpPr>
-          <p:nvPr>
-            <p:ph type="title"/>
-          </p:nvPr>
-        </p:nvSpPr>
-        <p:spPr>
-          <a:xfrm>
-            <a:off x="415600" y="-1"/>
-            <a:ext cx="11360700" cy="1356900"/>
-          </a:xfrm>
-          <a:prstGeom prst="rect">
-            <a:avLst/>
-          </a:prstGeom>
-          <a:noFill/>
-          <a:ln>
-            <a:noFill/>
-          </a:ln>
-        </p:spPr>
-        <p:txBody>
-          <a:bodyPr spcFirstLastPara="1" wrap="square" lIns="91425" tIns="91425" rIns="91425" bIns="91425" anchor="ctr" anchorCtr="0">
-            <a:noAutofit/>
-          </a:bodyPr>
-          <a:lstStyle/>
-          <a:p>
-            <a:pPr marL="0" lvl="0" indent="0" algn="ctr" rtl="0">
-              <a:spcBef>
-                <a:spcPts val="0"/>
-              </a:spcBef>
-              <a:spcAft>
-                <a:spcPts val="0"/>
-              </a:spcAft>
-              <a:buNone/>
-            </a:pPr>
-            <a:r>
-              <a:rPr lang="en-US" sz="4600"/>
-              <a:t>Actionable and Goal-Driven Project Scope</a:t>
-            </a:r>
-            <a:endParaRPr sz="4600"/>
-          </a:p>
-        </p:txBody>
-      </p:sp>
-      <p:pic>
-        <p:nvPicPr>
-          <p:cNvPr id="102" name="Google Shape;102;p5"/>
-          <p:cNvPicPr preferRelativeResize="0"/>
-          <p:nvPr/>
-        </p:nvPicPr>
-        <p:blipFill rotWithShape="1">
-          <a:blip r:embed="rId3">
-            <a:alphaModFix/>
-          </a:blip>
-          <a:srcRect/>
-          <a:stretch/>
-        </p:blipFill>
-        <p:spPr>
-          <a:xfrm>
-            <a:off x="8906232" y="1993197"/>
-            <a:ext cx="3068139" cy="3068139"/>
-          </a:xfrm>
-          <a:prstGeom prst="rect">
-            <a:avLst/>
-          </a:prstGeom>
-          <a:noFill/>
-          <a:ln>
-            <a:noFill/>
-          </a:ln>
-        </p:spPr>
-      </p:pic>
-      <p:sp>
-        <p:nvSpPr>
-          <p:cNvPr id="2" name="Oval 1">
+          <p:cNvPr id="2" name="TextBox 1">
             <a:extLst>
               <a:ext uri="{FF2B5EF4-FFF2-40B4-BE49-F238E27FC236}">
-                <a16:creationId xmlns:a16="http://schemas.microsoft.com/office/drawing/2014/main" id="{C736F2E3-72B2-8B48-B9B1-B77FD0E1F34E}"/>
-              </a:ext>
-            </a:extLst>
-          </p:cNvPr>
-          <p:cNvSpPr/>
-          <p:nvPr/>
-        </p:nvSpPr>
-        <p:spPr>
-          <a:xfrm>
-            <a:off x="10046043" y="3113903"/>
-            <a:ext cx="790832" cy="790832"/>
-          </a:xfrm>
-          <a:prstGeom prst="ellipse">
-            <a:avLst/>
-          </a:prstGeom>
-          <a:solidFill>
-            <a:schemeClr val="bg2">
-              <a:lumMod val="60000"/>
-              <a:lumOff val="40000"/>
-            </a:schemeClr>
-          </a:solidFill>
-          <a:ln w="6350">
-            <a:solidFill>
-              <a:schemeClr val="tx1"/>
-            </a:solidFill>
-          </a:ln>
-        </p:spPr>
-        <p:style>
-          <a:lnRef idx="2">
-            <a:schemeClr val="accent1">
-              <a:shade val="50000"/>
-            </a:schemeClr>
-          </a:lnRef>
-          <a:fillRef idx="1">
-            <a:schemeClr val="accent1"/>
-          </a:fillRef>
-          <a:effectRef idx="0">
-            <a:schemeClr val="accent1"/>
-          </a:effectRef>
-          <a:fontRef idx="minor">
-            <a:schemeClr val="lt1"/>
-          </a:fontRef>
-        </p:style>
-        <p:txBody>
-          <a:bodyPr rtlCol="0" anchor="ctr"/>
-          <a:lstStyle/>
-          <a:p>
-            <a:pPr algn="ctr"/>
-            <a:endParaRPr lang="en-US" dirty="0"/>
-          </a:p>
-        </p:txBody>
-      </p:sp>
-      <p:sp>
-        <p:nvSpPr>
-          <p:cNvPr id="3" name="TextBox 2">
-            <a:extLst>
-              <a:ext uri="{FF2B5EF4-FFF2-40B4-BE49-F238E27FC236}">
-                <a16:creationId xmlns:a16="http://schemas.microsoft.com/office/drawing/2014/main" id="{DA87942D-D5AE-0D41-99E6-B24EE8D8E5E7}"/>
+                <a16:creationId xmlns:a16="http://schemas.microsoft.com/office/drawing/2014/main" id="{7DB19C05-CED6-C148-A24D-D699C2F6862F}"/>
               </a:ext>
             </a:extLst>
           </p:cNvPr>
@@ -49999,8 +51279,8 @@
         </p:nvSpPr>
         <p:spPr>
           <a:xfrm>
-            <a:off x="10103510" y="3355430"/>
-            <a:ext cx="673582" cy="307777"/>
+            <a:off x="0" y="939113"/>
+            <a:ext cx="12192000" cy="1015663"/>
           </a:xfrm>
           <a:prstGeom prst="rect">
             <a:avLst/>
@@ -50008,19 +51288,108 @@
           <a:noFill/>
         </p:spPr>
         <p:txBody>
-          <a:bodyPr wrap="none" rtlCol="0">
+          <a:bodyPr wrap="square" rtlCol="0">
             <a:spAutoFit/>
           </a:bodyPr>
           <a:lstStyle/>
           <a:p>
+            <a:pPr algn="ctr"/>
             <a:r>
-              <a:rPr lang="en-US" dirty="0"/>
-              <a:t>Ethics</a:t>
+              <a:rPr lang="en-US" sz="6000" dirty="0"/>
+              <a:t>Data != Matrix</a:t>
+            </a:r>
+          </a:p>
+        </p:txBody>
+      </p:sp>
+      <p:sp>
+        <p:nvSpPr>
+          <p:cNvPr id="3" name="TextBox 2">
+            <a:extLst>
+              <a:ext uri="{FF2B5EF4-FFF2-40B4-BE49-F238E27FC236}">
+                <a16:creationId xmlns:a16="http://schemas.microsoft.com/office/drawing/2014/main" id="{B9A67CE4-74EB-6347-AAAD-BA98D84CDF7A}"/>
+              </a:ext>
+            </a:extLst>
+          </p:cNvPr>
+          <p:cNvSpPr txBox="1"/>
+          <p:nvPr/>
+        </p:nvSpPr>
+        <p:spPr>
+          <a:xfrm>
+            <a:off x="0" y="4485500"/>
+            <a:ext cx="12191999" cy="1420261"/>
+          </a:xfrm>
+          <a:prstGeom prst="rect">
+            <a:avLst/>
+          </a:prstGeom>
+          <a:noFill/>
+        </p:spPr>
+        <p:txBody>
+          <a:bodyPr wrap="square" rtlCol="0">
+            <a:spAutoFit/>
+          </a:bodyPr>
+          <a:lstStyle/>
+          <a:p>
+            <a:pPr algn="ctr">
+              <a:lnSpc>
+                <a:spcPct val="150000"/>
+              </a:lnSpc>
+            </a:pPr>
+            <a:r>
+              <a:rPr lang="en-US" sz="2000" dirty="0">
+                <a:solidFill>
+                  <a:schemeClr val="tx1">
+                    <a:lumMod val="75000"/>
+                    <a:lumOff val="25000"/>
+                  </a:schemeClr>
+                </a:solidFill>
+              </a:rPr>
+              <a:t>Data doesn’t come with labels, you have to create them</a:t>
+            </a:r>
+          </a:p>
+          <a:p>
+            <a:pPr algn="ctr">
+              <a:lnSpc>
+                <a:spcPct val="150000"/>
+              </a:lnSpc>
+            </a:pPr>
+            <a:r>
+              <a:rPr lang="en-US" sz="2000" dirty="0">
+                <a:solidFill>
+                  <a:schemeClr val="tx1">
+                    <a:lumMod val="75000"/>
+                    <a:lumOff val="25000"/>
+                  </a:schemeClr>
+                </a:solidFill>
+              </a:rPr>
+              <a:t>Data doesn’t come with features, you have to construct them</a:t>
+            </a:r>
+          </a:p>
+          <a:p>
+            <a:pPr algn="ctr">
+              <a:lnSpc>
+                <a:spcPct val="150000"/>
+              </a:lnSpc>
+            </a:pPr>
+            <a:r>
+              <a:rPr lang="en-US" sz="2000" dirty="0">
+                <a:solidFill>
+                  <a:schemeClr val="tx1">
+                    <a:lumMod val="75000"/>
+                    <a:lumOff val="25000"/>
+                  </a:schemeClr>
+                </a:solidFill>
+              </a:rPr>
+              <a:t>Rows in the raw data are rarely the rows in the training/validation matrix</a:t>
             </a:r>
           </a:p>
         </p:txBody>
       </p:sp>
     </p:spTree>
+    <p:extLst>
+      <p:ext uri="{BB962C8B-B14F-4D97-AF65-F5344CB8AC3E}">
+        <p14:creationId xmlns:p14="http://schemas.microsoft.com/office/powerpoint/2010/main" val="410953456"/>
+      </p:ext>
+    </p:extLst>
   </p:cSld>
   <p:clrMapOvr>
     <a:masterClrMapping/>

--- a/Lectures/21-causal-inference.pptx
+++ b/Lectures/21-causal-inference.pptx
@@ -310,7 +310,7 @@
       <p15:sldGuideLst xmlns:p15="http://schemas.microsoft.com/office/powerpoint/2012/main"/>
     </p:ext>
     <p:ext uri="http://customooxmlschemas.google.com/">
-      <go:slidesCustomData xmlns:go="http://customooxmlschemas.google.com/" xmlns:p15="http://schemas.microsoft.com/office/powerpoint/2012/main" xmlns:p14="http://schemas.microsoft.com/office/powerpoint/2010/main" xmlns:com="http://schemas.openxmlformats.org/drawingml/2006/compatibility" xmlns:pvml="urn:schemas-microsoft-com:office:powerpoint" xmlns:v="urn:schemas-microsoft-com:vml" xmlns:o="urn:schemas-microsoft-com:office:office" xmlns:dgm="http://schemas.openxmlformats.org/drawingml/2006/diagram" xmlns:c="http://schemas.openxmlformats.org/drawingml/2006/chart" xmlns:mv="urn:schemas-microsoft-com:mac:vml" xmlns:mc="http://schemas.openxmlformats.org/markup-compatibility/2006" xmlns="" r:id="rId68" roundtripDataSignature="AMtx7mgWqGpmJnm2LhSO/E7EgiMMs26KqA=="/>
+      <go:slidesCustomData xmlns="" xmlns:mc="http://schemas.openxmlformats.org/markup-compatibility/2006" xmlns:mv="urn:schemas-microsoft-com:mac:vml" xmlns:c="http://schemas.openxmlformats.org/drawingml/2006/chart" xmlns:dgm="http://schemas.openxmlformats.org/drawingml/2006/diagram" xmlns:o="urn:schemas-microsoft-com:office:office" xmlns:v="urn:schemas-microsoft-com:vml" xmlns:pvml="urn:schemas-microsoft-com:office:powerpoint" xmlns:com="http://schemas.openxmlformats.org/drawingml/2006/compatibility" xmlns:p14="http://schemas.microsoft.com/office/powerpoint/2010/main" xmlns:p15="http://schemas.microsoft.com/office/powerpoint/2012/main" xmlns:go="http://customooxmlschemas.google.com/" r:id="rId68" roundtripDataSignature="AMtx7mgWqGpmJnm2LhSO/E7EgiMMs26KqA=="/>
     </p:ext>
   </p:extLst>
 </p:presentation>

--- a/Lectures/21-causal-inference.pptx
+++ b/Lectures/21-causal-inference.pptx
@@ -6,7 +6,7 @@
     <p:sldMasterId id="2147483656" r:id="rId2"/>
   </p:sldMasterIdLst>
   <p:notesMasterIdLst>
-    <p:notesMasterId r:id="rId67"/>
+    <p:notesMasterId r:id="rId66"/>
   </p:notesMasterIdLst>
   <p:sldIdLst>
     <p:sldId id="256" r:id="rId3"/>
@@ -72,7 +72,6 @@
     <p:sldId id="277" r:id="rId63"/>
     <p:sldId id="629" r:id="rId64"/>
     <p:sldId id="278" r:id="rId65"/>
-    <p:sldId id="631" r:id="rId66"/>
   </p:sldIdLst>
   <p:sldSz cx="12192000" cy="6858000"/>
   <p:notesSz cx="6858000" cy="9144000"/>
@@ -310,7 +309,7 @@
       <p15:sldGuideLst xmlns:p15="http://schemas.microsoft.com/office/powerpoint/2012/main"/>
     </p:ext>
     <p:ext uri="http://customooxmlschemas.google.com/">
-      <go:slidesCustomData xmlns="" xmlns:mc="http://schemas.openxmlformats.org/markup-compatibility/2006" xmlns:mv="urn:schemas-microsoft-com:mac:vml" xmlns:c="http://schemas.openxmlformats.org/drawingml/2006/chart" xmlns:dgm="http://schemas.openxmlformats.org/drawingml/2006/diagram" xmlns:o="urn:schemas-microsoft-com:office:office" xmlns:v="urn:schemas-microsoft-com:vml" xmlns:pvml="urn:schemas-microsoft-com:office:powerpoint" xmlns:com="http://schemas.openxmlformats.org/drawingml/2006/compatibility" xmlns:p14="http://schemas.microsoft.com/office/powerpoint/2010/main" xmlns:p15="http://schemas.microsoft.com/office/powerpoint/2012/main" xmlns:go="http://customooxmlschemas.google.com/" r:id="rId68" roundtripDataSignature="AMtx7mgWqGpmJnm2LhSO/E7EgiMMs26KqA=="/>
+      <go:slidesCustomData xmlns:go="http://customooxmlschemas.google.com/" xmlns:p15="http://schemas.microsoft.com/office/powerpoint/2012/main" xmlns:p14="http://schemas.microsoft.com/office/powerpoint/2010/main" xmlns:com="http://schemas.openxmlformats.org/drawingml/2006/compatibility" xmlns:pvml="urn:schemas-microsoft-com:office:powerpoint" xmlns:v="urn:schemas-microsoft-com:vml" xmlns:o="urn:schemas-microsoft-com:office:office" xmlns:dgm="http://schemas.openxmlformats.org/drawingml/2006/diagram" xmlns:c="http://schemas.openxmlformats.org/drawingml/2006/chart" xmlns:mv="urn:schemas-microsoft-com:mac:vml" xmlns:mc="http://schemas.openxmlformats.org/markup-compatibility/2006" xmlns="" r:id="rId68" roundtripDataSignature="AMtx7mgWqGpmJnm2LhSO/E7EgiMMs26KqA=="/>
     </p:ext>
   </p:extLst>
 </p:presentation>
@@ -5396,7 +5395,7 @@
       <dsp:spPr>
         <a:xfrm>
           <a:off x="0" y="210549"/>
-          <a:ext cx="3520454" cy="2112273"/>
+          <a:ext cx="3520454" cy="2112272"/>
         </a:xfrm>
         <a:prstGeom prst="rect">
           <a:avLst/>
@@ -5469,7 +5468,7 @@
       </dsp:txBody>
       <dsp:txXfrm>
         <a:off x="0" y="210549"/>
-        <a:ext cx="3520454" cy="2112273"/>
+        <a:ext cx="3520454" cy="2112272"/>
       </dsp:txXfrm>
     </dsp:sp>
     <dsp:sp modelId="{5DF36080-AA5F-044B-9B2D-18470035B1FB}">
@@ -5480,7 +5479,7 @@
       <dsp:spPr>
         <a:xfrm>
           <a:off x="3872500" y="210549"/>
-          <a:ext cx="3520454" cy="2112273"/>
+          <a:ext cx="3520454" cy="2112272"/>
         </a:xfrm>
         <a:prstGeom prst="rect">
           <a:avLst/>
@@ -5553,7 +5552,7 @@
       </dsp:txBody>
       <dsp:txXfrm>
         <a:off x="3872500" y="210549"/>
-        <a:ext cx="3520454" cy="2112273"/>
+        <a:ext cx="3520454" cy="2112272"/>
       </dsp:txXfrm>
     </dsp:sp>
     <dsp:sp modelId="{73313321-B089-6142-89C3-6254719B2389}">
@@ -5564,7 +5563,7 @@
       <dsp:spPr>
         <a:xfrm>
           <a:off x="7745001" y="210549"/>
-          <a:ext cx="3520454" cy="2112273"/>
+          <a:ext cx="3520454" cy="2112272"/>
         </a:xfrm>
         <a:prstGeom prst="rect">
           <a:avLst/>
@@ -5637,7 +5636,7 @@
       </dsp:txBody>
       <dsp:txXfrm>
         <a:off x="7745001" y="210549"/>
-        <a:ext cx="3520454" cy="2112273"/>
+        <a:ext cx="3520454" cy="2112272"/>
       </dsp:txXfrm>
     </dsp:sp>
     <dsp:sp modelId="{EF08E376-4E26-284A-B04A-2272E2B37BE4}">
@@ -5648,7 +5647,7 @@
       <dsp:spPr>
         <a:xfrm>
           <a:off x="1936250" y="2674867"/>
-          <a:ext cx="3520454" cy="2112273"/>
+          <a:ext cx="3520454" cy="2112272"/>
         </a:xfrm>
         <a:prstGeom prst="rect">
           <a:avLst/>
@@ -5721,7 +5720,7 @@
       </dsp:txBody>
       <dsp:txXfrm>
         <a:off x="1936250" y="2674867"/>
-        <a:ext cx="3520454" cy="2112273"/>
+        <a:ext cx="3520454" cy="2112272"/>
       </dsp:txXfrm>
     </dsp:sp>
     <dsp:sp modelId="{6716D9F6-4AA6-A540-8569-2BA0DEE70F42}">
@@ -5732,7 +5731,7 @@
       <dsp:spPr>
         <a:xfrm>
           <a:off x="5808750" y="2674867"/>
-          <a:ext cx="3520454" cy="2112273"/>
+          <a:ext cx="3520454" cy="2112272"/>
         </a:xfrm>
         <a:prstGeom prst="rect">
           <a:avLst/>
@@ -5805,7 +5804,7 @@
       </dsp:txBody>
       <dsp:txXfrm>
         <a:off x="5808750" y="2674867"/>
-        <a:ext cx="3520454" cy="2112273"/>
+        <a:ext cx="3520454" cy="2112272"/>
       </dsp:txXfrm>
     </dsp:sp>
   </dsp:spTree>
@@ -14534,7 +14533,7 @@
           <a:p>
             <a:fld id="{37342B79-8861-BC41-8C11-7D76094F6B8E}" type="datetimeFigureOut">
               <a:rPr lang="en-US" smtClean="0"/>
-              <a:t>12/6/22</a:t>
+              <a:t>11/30/23</a:t>
             </a:fld>
             <a:endParaRPr lang="en-US"/>
           </a:p>
@@ -14799,7 +14798,7 @@
           <a:p>
             <a:fld id="{37342B79-8861-BC41-8C11-7D76094F6B8E}" type="datetimeFigureOut">
               <a:rPr lang="en-US" smtClean="0"/>
-              <a:t>12/6/22</a:t>
+              <a:t>11/30/23</a:t>
             </a:fld>
             <a:endParaRPr lang="en-US"/>
           </a:p>
@@ -15211,7 +15210,7 @@
           <a:p>
             <a:fld id="{37342B79-8861-BC41-8C11-7D76094F6B8E}" type="datetimeFigureOut">
               <a:rPr lang="en-US" smtClean="0"/>
-              <a:t>12/6/22</a:t>
+              <a:t>11/30/23</a:t>
             </a:fld>
             <a:endParaRPr lang="en-US"/>
           </a:p>
@@ -15352,7 +15351,7 @@
           <a:p>
             <a:fld id="{37342B79-8861-BC41-8C11-7D76094F6B8E}" type="datetimeFigureOut">
               <a:rPr lang="en-US" smtClean="0"/>
-              <a:t>12/6/22</a:t>
+              <a:t>11/30/23</a:t>
             </a:fld>
             <a:endParaRPr lang="en-US"/>
           </a:p>
@@ -15465,7 +15464,7 @@
           <a:p>
             <a:fld id="{37342B79-8861-BC41-8C11-7D76094F6B8E}" type="datetimeFigureOut">
               <a:rPr lang="en-US" smtClean="0"/>
-              <a:t>12/6/22</a:t>
+              <a:t>11/30/23</a:t>
             </a:fld>
             <a:endParaRPr lang="en-US"/>
           </a:p>
@@ -15776,7 +15775,7 @@
           <a:p>
             <a:fld id="{37342B79-8861-BC41-8C11-7D76094F6B8E}" type="datetimeFigureOut">
               <a:rPr lang="en-US" smtClean="0"/>
-              <a:t>12/6/22</a:t>
+              <a:t>11/30/23</a:t>
             </a:fld>
             <a:endParaRPr lang="en-US"/>
           </a:p>
@@ -16064,7 +16063,7 @@
           <a:p>
             <a:fld id="{37342B79-8861-BC41-8C11-7D76094F6B8E}" type="datetimeFigureOut">
               <a:rPr lang="en-US" smtClean="0"/>
-              <a:t>12/6/22</a:t>
+              <a:t>11/30/23</a:t>
             </a:fld>
             <a:endParaRPr lang="en-US"/>
           </a:p>
@@ -16262,7 +16261,7 @@
           <a:p>
             <a:fld id="{37342B79-8861-BC41-8C11-7D76094F6B8E}" type="datetimeFigureOut">
               <a:rPr lang="en-US" smtClean="0"/>
-              <a:t>12/6/22</a:t>
+              <a:t>11/30/23</a:t>
             </a:fld>
             <a:endParaRPr lang="en-US"/>
           </a:p>
@@ -16470,7 +16469,7 @@
           <a:p>
             <a:fld id="{37342B79-8861-BC41-8C11-7D76094F6B8E}" type="datetimeFigureOut">
               <a:rPr lang="en-US" smtClean="0"/>
-              <a:t>12/6/22</a:t>
+              <a:t>11/30/23</a:t>
             </a:fld>
             <a:endParaRPr lang="en-US"/>
           </a:p>
@@ -20256,7 +20255,7 @@
           <a:p>
             <a:fld id="{37342B79-8861-BC41-8C11-7D76094F6B8E}" type="datetimeFigureOut">
               <a:rPr lang="en-US" smtClean="0"/>
-              <a:t>12/6/22</a:t>
+              <a:t>11/30/23</a:t>
             </a:fld>
             <a:endParaRPr lang="en-US"/>
           </a:p>
@@ -20454,7 +20453,7 @@
           <a:p>
             <a:fld id="{37342B79-8861-BC41-8C11-7D76094F6B8E}" type="datetimeFigureOut">
               <a:rPr lang="en-US" smtClean="0"/>
-              <a:t>12/6/22</a:t>
+              <a:t>11/30/23</a:t>
             </a:fld>
             <a:endParaRPr lang="en-US"/>
           </a:p>
@@ -22242,7 +22241,7 @@
           <a:p>
             <a:fld id="{37342B79-8861-BC41-8C11-7D76094F6B8E}" type="datetimeFigureOut">
               <a:rPr lang="en-US" smtClean="0"/>
-              <a:t>12/6/22</a:t>
+              <a:t>11/30/23</a:t>
             </a:fld>
             <a:endParaRPr lang="en-US"/>
           </a:p>
@@ -22874,7 +22873,7 @@
               <a:buNone/>
             </a:pPr>
             <a:r>
-              <a:rPr lang="en-US" sz="2800" b="0" i="0" u="none" strike="noStrike" cap="none">
+              <a:rPr lang="en-US" sz="2800" b="0" i="0" u="none" strike="noStrike" cap="none" dirty="0">
                 <a:solidFill>
                   <a:srgbClr val="595959"/>
                 </a:solidFill>
@@ -22883,9 +22882,9 @@
                 <a:cs typeface="Arial"/>
                 <a:sym typeface="Arial"/>
               </a:rPr>
-              <a:t>Rayid Ghani and Kit Rodolfa</a:t>
+              <a:t>Rayid Ghani</a:t>
             </a:r>
-            <a:endParaRPr sz="2800" b="0" i="0" u="none" strike="noStrike" cap="none">
+            <a:endParaRPr sz="2800" b="0" i="0" u="none" strike="noStrike" cap="none" dirty="0">
               <a:solidFill>
                 <a:srgbClr val="595959"/>
               </a:solidFill>
@@ -25284,43 +25283,7 @@
             <a:pPr marL="76200" indent="0">
               <a:buNone/>
             </a:pPr>
-            <a:r>
-              <a:rPr lang="en-US" b="1" dirty="0"/>
-              <a:t>This week:</a:t>
-            </a:r>
             <a:endParaRPr lang="en-US" dirty="0"/>
-          </a:p>
-          <a:p>
-            <a:r>
-              <a:rPr lang="en-US" dirty="0"/>
-              <a:t>Project Presentations on Thursday</a:t>
-            </a:r>
-            <a:endParaRPr lang="en-US" b="1" dirty="0">
-              <a:solidFill>
-                <a:srgbClr val="941100"/>
-              </a:solidFill>
-            </a:endParaRPr>
-          </a:p>
-          <a:p>
-            <a:r>
-              <a:rPr lang="en-US" dirty="0"/>
-              <a:t>No group meetings on Wednesday</a:t>
-            </a:r>
-          </a:p>
-          <a:p>
-            <a:pPr marL="76200" indent="0">
-              <a:buNone/>
-            </a:pPr>
-            <a:endParaRPr lang="en-US" dirty="0"/>
-          </a:p>
-          <a:p>
-            <a:pPr marL="76200" indent="0">
-              <a:buNone/>
-            </a:pPr>
-            <a:r>
-              <a:rPr lang="en-US" b="1" dirty="0"/>
-              <a:t>Coming up next week:</a:t>
-            </a:r>
           </a:p>
           <a:p>
             <a:r>
@@ -25329,7 +25292,40 @@
                   <a:srgbClr val="C00000"/>
                 </a:solidFill>
               </a:rPr>
-              <a:t>Final Reports due on Wednesday</a:t>
+              <a:t>No class Tuesday</a:t>
+            </a:r>
+          </a:p>
+          <a:p>
+            <a:r>
+              <a:rPr lang="en-US" dirty="0">
+                <a:solidFill>
+                  <a:srgbClr val="C00000"/>
+                </a:solidFill>
+              </a:rPr>
+              <a:t>Presentations next </a:t>
+            </a:r>
+            <a:r>
+              <a:rPr lang="en-US" dirty="0" err="1">
+                <a:solidFill>
+                  <a:srgbClr val="C00000"/>
+                </a:solidFill>
+              </a:rPr>
+              <a:t>thursday</a:t>
+            </a:r>
+            <a:endParaRPr lang="en-US" dirty="0">
+              <a:solidFill>
+                <a:srgbClr val="C00000"/>
+              </a:solidFill>
+            </a:endParaRPr>
+          </a:p>
+          <a:p>
+            <a:r>
+              <a:rPr lang="en-US" dirty="0">
+                <a:solidFill>
+                  <a:srgbClr val="C00000"/>
+                </a:solidFill>
+              </a:rPr>
+              <a:t>Final Reports due finals week -  Wednesday</a:t>
             </a:r>
           </a:p>
           <a:p>
@@ -39644,38 +39640,6 @@
               </a:hlinkClick>
             </a:endParaRPr>
           </a:p>
-          <a:p>
-            <a:pPr marL="76200" indent="0" algn="ctr">
-              <a:buNone/>
-            </a:pPr>
-            <a:r>
-              <a:rPr lang="en-US" dirty="0">
-                <a:solidFill>
-                  <a:srgbClr val="941100"/>
-                </a:solidFill>
-                <a:hlinkClick r:id="rId2">
-                  <a:extLst>
-                    <a:ext uri="{A12FA001-AC4F-418D-AE19-62706E023703}">
-                      <ahyp:hlinkClr xmlns:ahyp="http://schemas.microsoft.com/office/drawing/2018/hyperlinkcolor" val="tx"/>
-                    </a:ext>
-                  </a:extLst>
-                </a:hlinkClick>
-              </a:rPr>
-              <a:t>https://canvas.cmu.edu/courses/31334/assignments/515888</a:t>
-            </a:r>
-            <a:endParaRPr lang="en-US" dirty="0">
-              <a:solidFill>
-                <a:srgbClr val="941100"/>
-              </a:solidFill>
-              <a:hlinkClick r:id="" action="ppaction://noaction">
-                <a:extLst>
-                  <a:ext uri="{A12FA001-AC4F-418D-AE19-62706E023703}">
-                    <ahyp:hlinkClr xmlns:ahyp="http://schemas.microsoft.com/office/drawing/2018/hyperlinkcolor" val="tx"/>
-                  </a:ext>
-                </a:extLst>
-              </a:hlinkClick>
-            </a:endParaRPr>
-          </a:p>
         </p:txBody>
       </p:sp>
     </p:spTree>
@@ -50715,141 +50679,6 @@
 </p:sld>
 </file>
 
-<file path=ppt/slides/slide64.xml><?xml version="1.0" encoding="utf-8"?>
-<p:sld xmlns:a="http://schemas.openxmlformats.org/drawingml/2006/main" xmlns:r="http://schemas.openxmlformats.org/officeDocument/2006/relationships" xmlns:p="http://schemas.openxmlformats.org/presentationml/2006/main">
-  <p:cSld>
-    <p:spTree>
-      <p:nvGrpSpPr>
-        <p:cNvPr id="1" name=""/>
-        <p:cNvGrpSpPr/>
-        <p:nvPr/>
-      </p:nvGrpSpPr>
-      <p:grpSpPr>
-        <a:xfrm>
-          <a:off x="0" y="0"/>
-          <a:ext cx="0" cy="0"/>
-          <a:chOff x="0" y="0"/>
-          <a:chExt cx="0" cy="0"/>
-        </a:xfrm>
-      </p:grpSpPr>
-      <p:sp>
-        <p:nvSpPr>
-          <p:cNvPr id="3" name="Title 2">
-            <a:extLst>
-              <a:ext uri="{FF2B5EF4-FFF2-40B4-BE49-F238E27FC236}">
-                <a16:creationId xmlns:a16="http://schemas.microsoft.com/office/drawing/2014/main" id="{9323871C-7CA8-1448-8FFC-1AE6E1838941}"/>
-              </a:ext>
-            </a:extLst>
-          </p:cNvPr>
-          <p:cNvSpPr>
-            <a:spLocks noGrp="1"/>
-          </p:cNvSpPr>
-          <p:nvPr>
-            <p:ph type="title"/>
-          </p:nvPr>
-        </p:nvSpPr>
-        <p:spPr/>
-        <p:txBody>
-          <a:bodyPr/>
-          <a:lstStyle/>
-          <a:p>
-            <a:r>
-              <a:rPr lang="en-US" dirty="0"/>
-              <a:t>Reminders</a:t>
-            </a:r>
-          </a:p>
-        </p:txBody>
-      </p:sp>
-      <p:sp>
-        <p:nvSpPr>
-          <p:cNvPr id="5" name="Text Placeholder 4">
-            <a:extLst>
-              <a:ext uri="{FF2B5EF4-FFF2-40B4-BE49-F238E27FC236}">
-                <a16:creationId xmlns:a16="http://schemas.microsoft.com/office/drawing/2014/main" id="{F4E0A5F0-1D89-954D-91FB-596CD9E690F2}"/>
-              </a:ext>
-            </a:extLst>
-          </p:cNvPr>
-          <p:cNvSpPr>
-            <a:spLocks noGrp="1"/>
-          </p:cNvSpPr>
-          <p:nvPr>
-            <p:ph type="body" idx="1"/>
-          </p:nvPr>
-        </p:nvSpPr>
-        <p:spPr/>
-        <p:txBody>
-          <a:bodyPr/>
-          <a:lstStyle/>
-          <a:p>
-            <a:pPr marL="76200" indent="0">
-              <a:buNone/>
-            </a:pPr>
-            <a:r>
-              <a:rPr lang="en-US" b="1" dirty="0"/>
-              <a:t>This week:</a:t>
-            </a:r>
-            <a:endParaRPr lang="en-US" dirty="0"/>
-          </a:p>
-          <a:p>
-            <a:r>
-              <a:rPr lang="en-US" dirty="0"/>
-              <a:t>Project Presentations on Thursday</a:t>
-            </a:r>
-            <a:endParaRPr lang="en-US" b="1" dirty="0">
-              <a:solidFill>
-                <a:srgbClr val="941100"/>
-              </a:solidFill>
-            </a:endParaRPr>
-          </a:p>
-          <a:p>
-            <a:r>
-              <a:rPr lang="en-US" dirty="0"/>
-              <a:t>No group meetings on Wednesday</a:t>
-            </a:r>
-          </a:p>
-          <a:p>
-            <a:pPr marL="76200" indent="0">
-              <a:buNone/>
-            </a:pPr>
-            <a:endParaRPr lang="en-US" dirty="0"/>
-          </a:p>
-          <a:p>
-            <a:pPr marL="76200" indent="0">
-              <a:buNone/>
-            </a:pPr>
-            <a:r>
-              <a:rPr lang="en-US" b="1" dirty="0"/>
-              <a:t>Coming up next week:</a:t>
-            </a:r>
-          </a:p>
-          <a:p>
-            <a:r>
-              <a:rPr lang="en-US" dirty="0">
-                <a:solidFill>
-                  <a:srgbClr val="C00000"/>
-                </a:solidFill>
-              </a:rPr>
-              <a:t>Final Reports due on Wednesday</a:t>
-            </a:r>
-          </a:p>
-          <a:p>
-            <a:endParaRPr lang="en-US" dirty="0"/>
-          </a:p>
-        </p:txBody>
-      </p:sp>
-    </p:spTree>
-    <p:extLst>
-      <p:ext uri="{BB962C8B-B14F-4D97-AF65-F5344CB8AC3E}">
-        <p14:creationId xmlns:p14="http://schemas.microsoft.com/office/powerpoint/2010/main" val="3451629870"/>
-      </p:ext>
-    </p:extLst>
-  </p:cSld>
-  <p:clrMapOvr>
-    <a:masterClrMapping/>
-  </p:clrMapOvr>
-</p:sld>
-</file>
-
 <file path=ppt/slides/slide7.xml><?xml version="1.0" encoding="utf-8"?>
 <p:sld xmlns:a="http://schemas.openxmlformats.org/drawingml/2006/main" xmlns:r="http://schemas.openxmlformats.org/officeDocument/2006/relationships" xmlns:p="http://schemas.openxmlformats.org/presentationml/2006/main">
   <p:cSld>
